--- a/最終発表用.pptx
+++ b/最終発表用.pptx
@@ -8,8 +8,9 @@
     <p:sldId id="256" r:id="rId2"/>
     <p:sldId id="258" r:id="rId3"/>
     <p:sldId id="262" r:id="rId4"/>
-    <p:sldId id="260" r:id="rId5"/>
-    <p:sldId id="261" r:id="rId6"/>
+    <p:sldId id="263" r:id="rId5"/>
+    <p:sldId id="264" r:id="rId6"/>
+    <p:sldId id="261" r:id="rId7"/>
   </p:sldIdLst>
   <p:sldSz cx="9144000" cy="6858000" type="screen4x3"/>
   <p:notesSz cx="6858000" cy="9144000"/>
@@ -533,7 +534,7 @@
           <a:p>
             <a:fld id="{299FEBA0-4DB9-4EE0-B326-733087988B64}" type="datetimeFigureOut">
               <a:rPr kumimoji="1" lang="ja-JP" altLang="en-US" smtClean="0"/>
-              <a:t>2015/5/20</a:t>
+              <a:t>2015/5/21</a:t>
             </a:fld>
             <a:endParaRPr kumimoji="1" lang="ja-JP" altLang="en-US"/>
           </a:p>
@@ -777,7 +778,7 @@
           <a:p>
             <a:fld id="{299FEBA0-4DB9-4EE0-B326-733087988B64}" type="datetimeFigureOut">
               <a:rPr kumimoji="1" lang="ja-JP" altLang="en-US" smtClean="0"/>
-              <a:t>2015/5/20</a:t>
+              <a:t>2015/5/21</a:t>
             </a:fld>
             <a:endParaRPr kumimoji="1" lang="ja-JP" altLang="en-US"/>
           </a:p>
@@ -996,7 +997,7 @@
           <a:p>
             <a:fld id="{299FEBA0-4DB9-4EE0-B326-733087988B64}" type="datetimeFigureOut">
               <a:rPr kumimoji="1" lang="ja-JP" altLang="en-US" smtClean="0"/>
-              <a:t>2015/5/20</a:t>
+              <a:t>2015/5/21</a:t>
             </a:fld>
             <a:endParaRPr kumimoji="1" lang="ja-JP" altLang="en-US"/>
           </a:p>
@@ -1093,7 +1094,7 @@
           <a:p>
             <a:fld id="{299FEBA0-4DB9-4EE0-B326-733087988B64}" type="datetimeFigureOut">
               <a:rPr kumimoji="1" lang="ja-JP" altLang="en-US" smtClean="0"/>
-              <a:t>2015/5/20</a:t>
+              <a:t>2015/5/21</a:t>
             </a:fld>
             <a:endParaRPr kumimoji="1" lang="ja-JP" altLang="en-US"/>
           </a:p>
@@ -1721,7 +1722,7 @@
           <a:p>
             <a:fld id="{299FEBA0-4DB9-4EE0-B326-733087988B64}" type="datetimeFigureOut">
               <a:rPr kumimoji="1" lang="ja-JP" altLang="en-US" smtClean="0"/>
-              <a:t>2015/5/20</a:t>
+              <a:t>2015/5/21</a:t>
             </a:fld>
             <a:endParaRPr kumimoji="1" lang="ja-JP" altLang="en-US"/>
           </a:p>
@@ -1818,7 +1819,7 @@
           <a:p>
             <a:fld id="{299FEBA0-4DB9-4EE0-B326-733087988B64}" type="datetimeFigureOut">
               <a:rPr kumimoji="1" lang="ja-JP" altLang="en-US" smtClean="0"/>
-              <a:t>2015/5/20</a:t>
+              <a:t>2015/5/21</a:t>
             </a:fld>
             <a:endParaRPr kumimoji="1" lang="ja-JP" altLang="en-US"/>
           </a:p>
@@ -2551,7 +2552,7 @@
           <a:p>
             <a:fld id="{299FEBA0-4DB9-4EE0-B326-733087988B64}" type="datetimeFigureOut">
               <a:rPr kumimoji="1" lang="ja-JP" altLang="en-US" smtClean="0"/>
-              <a:t>2015/5/20</a:t>
+              <a:t>2015/5/21</a:t>
             </a:fld>
             <a:endParaRPr kumimoji="1" lang="ja-JP" altLang="en-US"/>
           </a:p>
@@ -2694,7 +2695,7 @@
           <a:p>
             <a:fld id="{299FEBA0-4DB9-4EE0-B326-733087988B64}" type="datetimeFigureOut">
               <a:rPr kumimoji="1" lang="ja-JP" altLang="en-US" smtClean="0"/>
-              <a:t>2015/5/20</a:t>
+              <a:t>2015/5/21</a:t>
             </a:fld>
             <a:endParaRPr kumimoji="1" lang="ja-JP" altLang="en-US"/>
           </a:p>
@@ -2791,7 +2792,7 @@
           <a:p>
             <a:fld id="{299FEBA0-4DB9-4EE0-B326-733087988B64}" type="datetimeFigureOut">
               <a:rPr kumimoji="1" lang="ja-JP" altLang="en-US" smtClean="0"/>
-              <a:t>2015/5/20</a:t>
+              <a:t>2015/5/21</a:t>
             </a:fld>
             <a:endParaRPr kumimoji="1" lang="ja-JP" altLang="en-US"/>
           </a:p>
@@ -3107,7 +3108,7 @@
           <a:p>
             <a:fld id="{299FEBA0-4DB9-4EE0-B326-733087988B64}" type="datetimeFigureOut">
               <a:rPr kumimoji="1" lang="ja-JP" altLang="en-US" smtClean="0"/>
-              <a:t>2015/5/20</a:t>
+              <a:t>2015/5/21</a:t>
             </a:fld>
             <a:endParaRPr kumimoji="1" lang="ja-JP" altLang="en-US"/>
           </a:p>
@@ -3629,7 +3630,7 @@
           <a:p>
             <a:fld id="{299FEBA0-4DB9-4EE0-B326-733087988B64}" type="datetimeFigureOut">
               <a:rPr kumimoji="1" lang="ja-JP" altLang="en-US" smtClean="0"/>
-              <a:t>2015/5/20</a:t>
+              <a:t>2015/5/21</a:t>
             </a:fld>
             <a:endParaRPr kumimoji="1" lang="ja-JP" altLang="en-US"/>
           </a:p>
@@ -4181,7 +4182,7 @@
           <a:p>
             <a:fld id="{299FEBA0-4DB9-4EE0-B326-733087988B64}" type="datetimeFigureOut">
               <a:rPr kumimoji="1" lang="ja-JP" altLang="en-US" smtClean="0"/>
-              <a:t>2015/5/20</a:t>
+              <a:t>2015/5/21</a:t>
             </a:fld>
             <a:endParaRPr kumimoji="1" lang="ja-JP" altLang="en-US"/>
           </a:p>
@@ -4884,7 +4885,11 @@
             </a:r>
             <a:r>
               <a:rPr kumimoji="1" lang="ja-JP" altLang="en-US" sz="3600" dirty="0" smtClean="0"/>
-              <a:t>の新機能とそのデモ</a:t>
+              <a:t>の</a:t>
+            </a:r>
+            <a:r>
+              <a:rPr kumimoji="1" lang="ja-JP" altLang="en-US" sz="3600" dirty="0" smtClean="0"/>
+              <a:t>新機能</a:t>
             </a:r>
             <a:endParaRPr kumimoji="1" lang="ja-JP" altLang="en-US" sz="3600" dirty="0"/>
           </a:p>
@@ -4898,8 +4903,8 @@
         </p:nvSpPr>
         <p:spPr>
           <a:xfrm>
-            <a:off x="683568" y="1774557"/>
-            <a:ext cx="7992888" cy="4832092"/>
+            <a:off x="683568" y="2132856"/>
+            <a:ext cx="7992888" cy="584775"/>
           </a:xfrm>
           <a:prstGeom prst="rect">
             <a:avLst/>
@@ -4913,137 +4918,23 @@
           <a:lstStyle/>
           <a:p>
             <a:r>
-              <a:rPr lang="en-US" altLang="ja-JP" sz="2800" b="1" i="1" dirty="0"/>
-              <a:t>c</a:t>
-            </a:r>
-            <a:r>
-              <a:rPr lang="en-US" altLang="ja-JP" sz="2800" b="1" i="1" dirty="0" smtClean="0"/>
-              <a:t>anvas</a:t>
-            </a:r>
-            <a:r>
-              <a:rPr lang="ja-JP" altLang="en-US" sz="2800" b="1" i="1" dirty="0" smtClean="0"/>
-              <a:t>タグ</a:t>
-            </a:r>
-            <a:endParaRPr lang="en-US" altLang="ja-JP" sz="2800" b="1" i="1" dirty="0"/>
-          </a:p>
-          <a:p>
-            <a:r>
-              <a:rPr kumimoji="1" lang="ja-JP" altLang="en-US" sz="2800" dirty="0" smtClean="0"/>
-              <a:t>・プラグインなどの外部ソフトを使用せず、</a:t>
-            </a:r>
-            <a:endParaRPr kumimoji="1" lang="en-US" altLang="ja-JP" sz="2800" dirty="0" smtClean="0"/>
-          </a:p>
-          <a:p>
-            <a:r>
-              <a:rPr lang="ja-JP" altLang="en-US" sz="2800" dirty="0"/>
-              <a:t>　</a:t>
-            </a:r>
-            <a:r>
-              <a:rPr lang="en-US" altLang="ja-JP" sz="2800" dirty="0" smtClean="0"/>
-              <a:t>HTML</a:t>
-            </a:r>
-            <a:r>
-              <a:rPr lang="ja-JP" altLang="en-US" sz="2800" dirty="0" err="1" smtClean="0"/>
-              <a:t>だけで</a:t>
-            </a:r>
-            <a:r>
-              <a:rPr lang="ja-JP" altLang="en-US" sz="2800" dirty="0" smtClean="0"/>
-              <a:t>画像などを描画することが可能</a:t>
-            </a:r>
-            <a:endParaRPr lang="en-US" altLang="ja-JP" sz="2800" dirty="0"/>
-          </a:p>
-          <a:p>
-            <a:endParaRPr kumimoji="1" lang="en-US" altLang="ja-JP" sz="2800" dirty="0" smtClean="0"/>
-          </a:p>
-          <a:p>
-            <a:r>
-              <a:rPr lang="en-US" altLang="ja-JP" sz="2800" b="1" i="1" dirty="0"/>
-              <a:t>v</a:t>
-            </a:r>
-            <a:r>
-              <a:rPr lang="en-US" altLang="ja-JP" sz="2800" b="1" i="1" dirty="0" smtClean="0"/>
-              <a:t>ideo</a:t>
-            </a:r>
-            <a:r>
-              <a:rPr lang="ja-JP" altLang="en-US" sz="2800" b="1" i="1" dirty="0" smtClean="0"/>
-              <a:t>タグ</a:t>
-            </a:r>
-            <a:endParaRPr lang="en-US" altLang="ja-JP" sz="2800" b="1" i="1" dirty="0"/>
-          </a:p>
-          <a:p>
-            <a:r>
-              <a:rPr kumimoji="1" lang="ja-JP" altLang="en-US" sz="2800" dirty="0" smtClean="0"/>
-              <a:t>・従来の</a:t>
-            </a:r>
-            <a:r>
-              <a:rPr kumimoji="1" lang="en-US" altLang="ja-JP" sz="2800" dirty="0" err="1" smtClean="0"/>
-              <a:t>img</a:t>
-            </a:r>
-            <a:r>
-              <a:rPr kumimoji="1" lang="ja-JP" altLang="en-US" sz="2800" dirty="0" smtClean="0"/>
-              <a:t>タグと同じように</a:t>
-            </a:r>
-            <a:r>
-              <a:rPr kumimoji="1" lang="en-US" altLang="ja-JP" sz="2800" dirty="0" smtClean="0"/>
-              <a:t>URL</a:t>
-            </a:r>
-            <a:r>
-              <a:rPr kumimoji="1" lang="ja-JP" altLang="en-US" sz="2800" dirty="0" smtClean="0"/>
-              <a:t>を指定して</a:t>
-            </a:r>
-            <a:endParaRPr kumimoji="1" lang="en-US" altLang="ja-JP" sz="2800" dirty="0" smtClean="0"/>
-          </a:p>
-          <a:p>
-            <a:r>
-              <a:rPr lang="ja-JP" altLang="en-US" sz="2800" dirty="0"/>
-              <a:t>　</a:t>
-            </a:r>
-            <a:r>
-              <a:rPr kumimoji="1" lang="ja-JP" altLang="en-US" sz="2800" dirty="0" smtClean="0"/>
-              <a:t>動画の再生が出来る</a:t>
-            </a:r>
-            <a:endParaRPr kumimoji="1" lang="en-US" altLang="ja-JP" sz="2800" dirty="0" smtClean="0"/>
-          </a:p>
-          <a:p>
-            <a:r>
-              <a:rPr lang="ja-JP" altLang="en-US" sz="2800" dirty="0"/>
-              <a:t>　</a:t>
-            </a:r>
-            <a:r>
-              <a:rPr lang="ja-JP" altLang="en-US" sz="2800" dirty="0" smtClean="0"/>
-              <a:t>属性を指定してオート再生、コントロールの　　</a:t>
-            </a:r>
-            <a:endParaRPr lang="en-US" altLang="ja-JP" sz="2800" dirty="0" smtClean="0"/>
-          </a:p>
-          <a:p>
-            <a:r>
-              <a:rPr lang="ja-JP" altLang="en-US" sz="2800" dirty="0"/>
-              <a:t>　</a:t>
-            </a:r>
-            <a:r>
-              <a:rPr lang="ja-JP" altLang="en-US" sz="2800" dirty="0" smtClean="0"/>
-              <a:t>追加などが出来る</a:t>
-            </a:r>
-            <a:endParaRPr kumimoji="1" lang="en-US" altLang="ja-JP" sz="2800" dirty="0" smtClean="0"/>
-          </a:p>
-          <a:p>
-            <a:endParaRPr lang="en-US" altLang="ja-JP" sz="2800" dirty="0"/>
-          </a:p>
-          <a:p>
-            <a:endParaRPr kumimoji="1" lang="en-US" altLang="ja-JP" sz="2800" dirty="0" smtClean="0"/>
-          </a:p>
-        </p:txBody>
-      </p:sp>
-      <p:sp>
-        <p:nvSpPr>
-          <p:cNvPr id="6" name="テキスト ボックス 5"/>
+              <a:rPr lang="ja-JP" altLang="en-US" sz="3200" dirty="0" smtClean="0"/>
+              <a:t>・宣言や設定などの記述が短くなった</a:t>
+            </a:r>
+            <a:endParaRPr lang="en-US" altLang="ja-JP" sz="3200" dirty="0"/>
+          </a:p>
+        </p:txBody>
+      </p:sp>
+      <p:sp>
+        <p:nvSpPr>
+          <p:cNvPr id="7" name="テキスト ボックス 6"/>
           <p:cNvSpPr txBox="1"/>
           <p:nvPr/>
         </p:nvSpPr>
         <p:spPr>
           <a:xfrm>
-            <a:off x="683568" y="2996952"/>
-            <a:ext cx="7560840" cy="1384995"/>
+            <a:off x="688005" y="3625860"/>
+            <a:ext cx="7992888" cy="584775"/>
           </a:xfrm>
           <a:prstGeom prst="rect">
             <a:avLst/>
@@ -5057,48 +4948,48 @@
           <a:lstStyle/>
           <a:p>
             <a:r>
-              <a:rPr lang="en-US" altLang="ja-JP" sz="2800" dirty="0"/>
-              <a:t>c</a:t>
-            </a:r>
-            <a:r>
-              <a:rPr lang="en-US" altLang="ja-JP" sz="2800" dirty="0" smtClean="0"/>
-              <a:t>anvas</a:t>
-            </a:r>
-            <a:r>
-              <a:rPr lang="ja-JP" altLang="en-US" sz="2800" dirty="0" smtClean="0"/>
-              <a:t>の一部の機能と</a:t>
-            </a:r>
-            <a:r>
-              <a:rPr lang="en-US" altLang="ja-JP" sz="2800" dirty="0" smtClean="0"/>
-              <a:t>JavaScript</a:t>
-            </a:r>
-            <a:r>
-              <a:rPr lang="ja-JP" altLang="en-US" sz="2800" dirty="0" smtClean="0"/>
-              <a:t>を使用して</a:t>
-            </a:r>
-            <a:endParaRPr lang="en-US" altLang="ja-JP" sz="2800" dirty="0" smtClean="0"/>
-          </a:p>
-          <a:p>
-            <a:r>
-              <a:rPr lang="ja-JP" altLang="en-US" sz="2800" dirty="0" smtClean="0"/>
-              <a:t>デモゲームを作成</a:t>
-            </a:r>
-            <a:endParaRPr lang="en-US" altLang="ja-JP" sz="2800" dirty="0" smtClean="0"/>
-          </a:p>
-          <a:p>
-            <a:r>
-              <a:rPr kumimoji="1" lang="ja-JP" altLang="en-US" sz="2800" dirty="0" smtClean="0"/>
-              <a:t>（</a:t>
-            </a:r>
-            <a:r>
-              <a:rPr kumimoji="1" lang="en-US" altLang="ja-JP" sz="2800" dirty="0" smtClean="0"/>
-              <a:t>video</a:t>
-            </a:r>
-            <a:r>
-              <a:rPr kumimoji="1" lang="ja-JP" altLang="en-US" sz="2800" dirty="0" smtClean="0"/>
-              <a:t>タグはゲームの背景として使用）</a:t>
-            </a:r>
-            <a:endParaRPr kumimoji="1" lang="ja-JP" altLang="en-US" sz="2800" dirty="0"/>
+              <a:rPr lang="ja-JP" altLang="en-US" sz="3200" dirty="0" smtClean="0"/>
+              <a:t>・</a:t>
+            </a:r>
+            <a:r>
+              <a:rPr lang="en-US" altLang="ja-JP" sz="3200" dirty="0" smtClean="0"/>
+              <a:t>section</a:t>
+            </a:r>
+            <a:r>
+              <a:rPr lang="ja-JP" altLang="en-US" sz="3200" dirty="0" smtClean="0"/>
+              <a:t>タグが増えた</a:t>
+            </a:r>
+            <a:endParaRPr lang="en-US" altLang="ja-JP" sz="3200" dirty="0"/>
+          </a:p>
+        </p:txBody>
+      </p:sp>
+      <p:sp>
+        <p:nvSpPr>
+          <p:cNvPr id="8" name="テキスト ボックス 7"/>
+          <p:cNvSpPr txBox="1"/>
+          <p:nvPr/>
+        </p:nvSpPr>
+        <p:spPr>
+          <a:xfrm>
+            <a:off x="683568" y="5210036"/>
+            <a:ext cx="7992888" cy="584775"/>
+          </a:xfrm>
+          <a:prstGeom prst="rect">
+            <a:avLst/>
+          </a:prstGeom>
+          <a:noFill/>
+        </p:spPr>
+        <p:txBody>
+          <a:bodyPr wrap="square" rtlCol="0">
+            <a:spAutoFit/>
+          </a:bodyPr>
+          <a:lstStyle/>
+          <a:p>
+            <a:r>
+              <a:rPr lang="ja-JP" altLang="en-US" sz="3200" dirty="0" smtClean="0"/>
+              <a:t>・描画タグが増えた</a:t>
+            </a:r>
+            <a:endParaRPr lang="en-US" altLang="ja-JP" sz="3200" dirty="0"/>
           </a:p>
         </p:txBody>
       </p:sp>
@@ -5133,119 +5024,20 @@
                             </p:stCondLst>
                             <p:childTnLst>
                               <p:par>
-                                <p:cTn id="5" presetID="42" presetClass="exit" presetSubtype="0" fill="hold" grpId="0" nodeType="clickEffect">
-                                  <p:stCondLst>
-                                    <p:cond delay="0"/>
-                                  </p:stCondLst>
-                                  <p:childTnLst>
-                                    <p:animEffect transition="out" filter="fade">
-                                      <p:cBhvr>
-                                        <p:cTn id="6" dur="1000"/>
-                                        <p:tgtEl>
-                                          <p:spTgt spid="5"/>
-                                        </p:tgtEl>
-                                      </p:cBhvr>
-                                    </p:animEffect>
-                                    <p:anim calcmode="lin" valueType="num">
-                                      <p:cBhvr>
-                                        <p:cTn id="7" dur="1000"/>
-                                        <p:tgtEl>
-                                          <p:spTgt spid="5"/>
-                                        </p:tgtEl>
-                                        <p:attrNameLst>
-                                          <p:attrName>ppt_x</p:attrName>
-                                        </p:attrNameLst>
-                                      </p:cBhvr>
-                                      <p:tavLst>
-                                        <p:tav tm="0">
-                                          <p:val>
-                                            <p:strVal val="ppt_x"/>
-                                          </p:val>
-                                        </p:tav>
-                                        <p:tav tm="100000">
-                                          <p:val>
-                                            <p:strVal val="ppt_x"/>
-                                          </p:val>
-                                        </p:tav>
-                                      </p:tavLst>
-                                    </p:anim>
-                                    <p:anim calcmode="lin" valueType="num">
-                                      <p:cBhvr>
-                                        <p:cTn id="8" dur="1000"/>
-                                        <p:tgtEl>
-                                          <p:spTgt spid="5"/>
-                                        </p:tgtEl>
-                                        <p:attrNameLst>
-                                          <p:attrName>ppt_y</p:attrName>
-                                        </p:attrNameLst>
-                                      </p:cBhvr>
-                                      <p:tavLst>
-                                        <p:tav tm="0">
-                                          <p:val>
-                                            <p:strVal val="ppt_y"/>
-                                          </p:val>
-                                        </p:tav>
-                                        <p:tav tm="100000">
-                                          <p:val>
-                                            <p:strVal val="ppt_y+.1"/>
-                                          </p:val>
-                                        </p:tav>
-                                      </p:tavLst>
-                                    </p:anim>
-                                    <p:set>
-                                      <p:cBhvr>
-                                        <p:cTn id="9" dur="1" fill="hold">
-                                          <p:stCondLst>
-                                            <p:cond delay="999"/>
-                                          </p:stCondLst>
-                                        </p:cTn>
-                                        <p:tgtEl>
-                                          <p:spTgt spid="5"/>
-                                        </p:tgtEl>
-                                        <p:attrNameLst>
-                                          <p:attrName>style.visibility</p:attrName>
-                                        </p:attrNameLst>
-                                      </p:cBhvr>
-                                      <p:to>
-                                        <p:strVal val="hidden"/>
-                                      </p:to>
-                                    </p:set>
-                                  </p:childTnLst>
-                                </p:cTn>
-                              </p:par>
-                            </p:childTnLst>
-                          </p:cTn>
-                        </p:par>
-                      </p:childTnLst>
-                    </p:cTn>
-                  </p:par>
-                  <p:par>
-                    <p:cTn id="10" fill="hold">
-                      <p:stCondLst>
-                        <p:cond delay="indefinite"/>
-                      </p:stCondLst>
-                      <p:childTnLst>
-                        <p:par>
-                          <p:cTn id="11" fill="hold">
-                            <p:stCondLst>
-                              <p:cond delay="0"/>
-                            </p:stCondLst>
-                            <p:childTnLst>
-                              <p:par>
-                                <p:cTn id="12" presetID="42" presetClass="entr" presetSubtype="0" fill="hold" grpId="0" nodeType="clickEffect">
+                                <p:cTn id="5" presetID="10" presetClass="entr" presetSubtype="0" fill="hold" grpId="0" nodeType="clickEffect">
                                   <p:stCondLst>
                                     <p:cond delay="0"/>
                                   </p:stCondLst>
                                   <p:childTnLst>
                                     <p:set>
                                       <p:cBhvr>
-                                        <p:cTn id="13" dur="1" fill="hold">
+                                        <p:cTn id="6" dur="1" fill="hold">
                                           <p:stCondLst>
                                             <p:cond delay="0"/>
                                           </p:stCondLst>
                                         </p:cTn>
                                         <p:tgtEl>
-                                          <p:spTgt spid="6"/>
+                                          <p:spTgt spid="5"/>
                                         </p:tgtEl>
                                         <p:attrNameLst>
                                           <p:attrName>style.visibility</p:attrName>
@@ -5257,58 +5049,118 @@
                                     </p:set>
                                     <p:animEffect transition="in" filter="fade">
                                       <p:cBhvr>
-                                        <p:cTn id="14" dur="1000"/>
+                                        <p:cTn id="7" dur="500"/>
                                         <p:tgtEl>
-                                          <p:spTgt spid="6"/>
+                                          <p:spTgt spid="5"/>
                                         </p:tgtEl>
                                       </p:cBhvr>
                                     </p:animEffect>
-                                    <p:anim calcmode="lin" valueType="num">
+                                  </p:childTnLst>
+                                </p:cTn>
+                              </p:par>
+                            </p:childTnLst>
+                          </p:cTn>
+                        </p:par>
+                      </p:childTnLst>
+                    </p:cTn>
+                  </p:par>
+                  <p:par>
+                    <p:cTn id="8" fill="hold">
+                      <p:stCondLst>
+                        <p:cond delay="indefinite"/>
+                      </p:stCondLst>
+                      <p:childTnLst>
+                        <p:par>
+                          <p:cTn id="9" fill="hold">
+                            <p:stCondLst>
+                              <p:cond delay="0"/>
+                            </p:stCondLst>
+                            <p:childTnLst>
+                              <p:par>
+                                <p:cTn id="10" presetID="10" presetClass="entr" presetSubtype="0" fill="hold" grpId="0" nodeType="clickEffect">
+                                  <p:stCondLst>
+                                    <p:cond delay="0"/>
+                                  </p:stCondLst>
+                                  <p:childTnLst>
+                                    <p:set>
                                       <p:cBhvr>
-                                        <p:cTn id="15" dur="1000" fill="hold"/>
+                                        <p:cTn id="11" dur="1" fill="hold">
+                                          <p:stCondLst>
+                                            <p:cond delay="0"/>
+                                          </p:stCondLst>
+                                        </p:cTn>
                                         <p:tgtEl>
-                                          <p:spTgt spid="6"/>
+                                          <p:spTgt spid="7"/>
                                         </p:tgtEl>
                                         <p:attrNameLst>
-                                          <p:attrName>ppt_x</p:attrName>
+                                          <p:attrName>style.visibility</p:attrName>
                                         </p:attrNameLst>
                                       </p:cBhvr>
-                                      <p:tavLst>
-                                        <p:tav tm="0">
-                                          <p:val>
-                                            <p:strVal val="#ppt_x"/>
-                                          </p:val>
-                                        </p:tav>
-                                        <p:tav tm="100000">
-                                          <p:val>
-                                            <p:strVal val="#ppt_x"/>
-                                          </p:val>
-                                        </p:tav>
-                                      </p:tavLst>
-                                    </p:anim>
-                                    <p:anim calcmode="lin" valueType="num">
+                                      <p:to>
+                                        <p:strVal val="visible"/>
+                                      </p:to>
+                                    </p:set>
+                                    <p:animEffect transition="in" filter="fade">
                                       <p:cBhvr>
-                                        <p:cTn id="16" dur="1000" fill="hold"/>
+                                        <p:cTn id="12" dur="500"/>
                                         <p:tgtEl>
-                                          <p:spTgt spid="6"/>
+                                          <p:spTgt spid="7"/>
+                                        </p:tgtEl>
+                                      </p:cBhvr>
+                                    </p:animEffect>
+                                  </p:childTnLst>
+                                </p:cTn>
+                              </p:par>
+                            </p:childTnLst>
+                          </p:cTn>
+                        </p:par>
+                      </p:childTnLst>
+                    </p:cTn>
+                  </p:par>
+                  <p:par>
+                    <p:cTn id="13" fill="hold">
+                      <p:stCondLst>
+                        <p:cond delay="indefinite"/>
+                      </p:stCondLst>
+                      <p:childTnLst>
+                        <p:par>
+                          <p:cTn id="14" fill="hold">
+                            <p:stCondLst>
+                              <p:cond delay="0"/>
+                            </p:stCondLst>
+                            <p:childTnLst>
+                              <p:par>
+                                <p:cTn id="15" presetID="10" presetClass="entr" presetSubtype="0" fill="hold" grpId="0" nodeType="clickEffect">
+                                  <p:stCondLst>
+                                    <p:cond delay="0"/>
+                                  </p:stCondLst>
+                                  <p:childTnLst>
+                                    <p:set>
+                                      <p:cBhvr>
+                                        <p:cTn id="16" dur="1" fill="hold">
+                                          <p:stCondLst>
+                                            <p:cond delay="0"/>
+                                          </p:stCondLst>
+                                        </p:cTn>
+                                        <p:tgtEl>
+                                          <p:spTgt spid="8"/>
                                         </p:tgtEl>
                                         <p:attrNameLst>
-                                          <p:attrName>ppt_y</p:attrName>
+                                          <p:attrName>style.visibility</p:attrName>
                                         </p:attrNameLst>
                                       </p:cBhvr>
-                                      <p:tavLst>
-                                        <p:tav tm="0">
-                                          <p:val>
-                                            <p:strVal val="#ppt_y+.1"/>
-                                          </p:val>
-                                        </p:tav>
-                                        <p:tav tm="100000">
-                                          <p:val>
-                                            <p:strVal val="#ppt_y"/>
-                                          </p:val>
-                                        </p:tav>
-                                      </p:tavLst>
-                                    </p:anim>
+                                      <p:to>
+                                        <p:strVal val="visible"/>
+                                      </p:to>
+                                    </p:set>
+                                    <p:animEffect transition="in" filter="fade">
+                                      <p:cBhvr>
+                                        <p:cTn id="17" dur="500"/>
+                                        <p:tgtEl>
+                                          <p:spTgt spid="8"/>
+                                        </p:tgtEl>
+                                      </p:cBhvr>
+                                    </p:animEffect>
                                   </p:childTnLst>
                                 </p:cTn>
                               </p:par>
@@ -5341,7 +5193,8 @@
     </p:tnLst>
     <p:bldLst>
       <p:bldP spid="5" grpId="0"/>
-      <p:bldP spid="6" grpId="0"/>
+      <p:bldP spid="7" grpId="0"/>
+      <p:bldP spid="8" grpId="0"/>
     </p:bldLst>
   </p:timing>
 </p:sld>
@@ -5372,83 +5225,7 @@
         </p:nvSpPr>
         <p:spPr>
           <a:xfrm>
-            <a:off x="0" y="2924944"/>
-            <a:ext cx="9144000" cy="830997"/>
-          </a:xfrm>
-          <a:prstGeom prst="rect">
-            <a:avLst/>
-          </a:prstGeom>
-          <a:noFill/>
-        </p:spPr>
-        <p:txBody>
-          <a:bodyPr wrap="square" rtlCol="0">
-            <a:spAutoFit/>
-          </a:bodyPr>
-          <a:lstStyle/>
-          <a:p>
-            <a:pPr algn="ctr"/>
-            <a:r>
-              <a:rPr lang="en-US" altLang="ja-JP" sz="4800" dirty="0"/>
-              <a:t>c</a:t>
-            </a:r>
-            <a:r>
-              <a:rPr lang="en-US" altLang="ja-JP" sz="4800" dirty="0" smtClean="0"/>
-              <a:t>anvas</a:t>
-            </a:r>
-            <a:r>
-              <a:rPr lang="ja-JP" altLang="en-US" sz="4800" dirty="0" smtClean="0"/>
-              <a:t>メソッドの紹介</a:t>
-            </a:r>
-            <a:endParaRPr kumimoji="1" lang="ja-JP" altLang="en-US" sz="4800" dirty="0"/>
-          </a:p>
-        </p:txBody>
-      </p:sp>
-    </p:spTree>
-    <p:extLst>
-      <p:ext uri="{BB962C8B-B14F-4D97-AF65-F5344CB8AC3E}">
-        <p14:creationId xmlns:p14="http://schemas.microsoft.com/office/powerpoint/2010/main" val="3693317947"/>
-      </p:ext>
-    </p:extLst>
-  </p:cSld>
-  <p:clrMapOvr>
-    <a:masterClrMapping/>
-  </p:clrMapOvr>
-  <p:timing>
-    <p:tnLst>
-      <p:par>
-        <p:cTn id="1" dur="indefinite" restart="never" nodeType="tmRoot"/>
-      </p:par>
-    </p:tnLst>
-  </p:timing>
-</p:sld>
-</file>
-
-<file path=ppt/slides/slide4.xml><?xml version="1.0" encoding="utf-8"?>
-<p:sld xmlns:a="http://schemas.openxmlformats.org/drawingml/2006/main" xmlns:r="http://schemas.openxmlformats.org/officeDocument/2006/relationships" xmlns:p="http://schemas.openxmlformats.org/presentationml/2006/main">
-  <p:cSld>
-    <p:spTree>
-      <p:nvGrpSpPr>
-        <p:cNvPr id="1" name=""/>
-        <p:cNvGrpSpPr/>
-        <p:nvPr/>
-      </p:nvGrpSpPr>
-      <p:grpSpPr>
-        <a:xfrm>
-          <a:off x="0" y="0"/>
-          <a:ext cx="0" cy="0"/>
-          <a:chOff x="0" y="0"/>
-          <a:chExt cx="0" cy="0"/>
-        </a:xfrm>
-      </p:grpSpPr>
-      <p:sp>
-        <p:nvSpPr>
-          <p:cNvPr id="4" name="テキスト ボックス 3"/>
-          <p:cNvSpPr txBox="1"/>
-          <p:nvPr/>
-        </p:nvSpPr>
-        <p:spPr>
-          <a:xfrm>
-            <a:off x="683568" y="476672"/>
+            <a:off x="683568" y="620688"/>
             <a:ext cx="5904656" cy="646331"/>
           </a:xfrm>
           <a:prstGeom prst="rect">
@@ -5463,31 +5240,238 @@
           <a:lstStyle/>
           <a:p>
             <a:r>
+              <a:rPr lang="en-US" altLang="ja-JP" sz="3600" dirty="0"/>
+              <a:t>c</a:t>
+            </a:r>
+            <a:r>
               <a:rPr lang="en-US" altLang="ja-JP" sz="3600" dirty="0" smtClean="0"/>
-              <a:t>c</a:t>
-            </a:r>
-            <a:r>
-              <a:rPr kumimoji="1" lang="en-US" altLang="ja-JP" sz="3600" dirty="0" smtClean="0"/>
               <a:t>anvas</a:t>
             </a:r>
             <a:r>
               <a:rPr lang="ja-JP" altLang="en-US" sz="3600" dirty="0" smtClean="0"/>
-              <a:t>メソッドの紹介</a:t>
+              <a:t>タグとそのメリット</a:t>
             </a:r>
             <a:endParaRPr kumimoji="1" lang="ja-JP" altLang="en-US" sz="3600" dirty="0"/>
           </a:p>
         </p:txBody>
       </p:sp>
-      <p:sp>
-        <p:nvSpPr>
-          <p:cNvPr id="5" name="テキスト ボックス 4"/>
+      <p:grpSp>
+        <p:nvGrpSpPr>
+          <p:cNvPr id="23" name="グループ化 22"/>
+          <p:cNvGrpSpPr/>
+          <p:nvPr/>
+        </p:nvGrpSpPr>
+        <p:grpSpPr>
+          <a:xfrm>
+            <a:off x="843135" y="1484784"/>
+            <a:ext cx="4520953" cy="2989350"/>
+            <a:chOff x="737600" y="1663786"/>
+            <a:chExt cx="4520953" cy="2989350"/>
+          </a:xfrm>
+        </p:grpSpPr>
+        <p:pic>
+          <p:nvPicPr>
+            <p:cNvPr id="11" name="図 10"/>
+            <p:cNvPicPr>
+              <a:picLocks noChangeAspect="1"/>
+            </p:cNvPicPr>
+            <p:nvPr/>
+          </p:nvPicPr>
+          <p:blipFill>
+            <a:blip r:embed="rId2" cstate="print">
+              <a:extLst>
+                <a:ext uri="{28A0092B-C50C-407E-A947-70E740481C1C}">
+                  <a14:useLocalDpi xmlns:a14="http://schemas.microsoft.com/office/drawing/2010/main" val="0"/>
+                </a:ext>
+              </a:extLst>
+            </a:blip>
+            <a:stretch>
+              <a:fillRect/>
+            </a:stretch>
+          </p:blipFill>
+          <p:spPr>
+            <a:xfrm>
+              <a:off x="737600" y="3092979"/>
+              <a:ext cx="1711839" cy="1560157"/>
+            </a:xfrm>
+            <a:prstGeom prst="rect">
+              <a:avLst/>
+            </a:prstGeom>
+          </p:spPr>
+        </p:pic>
+        <p:sp>
+          <p:nvSpPr>
+            <p:cNvPr id="21" name="円形吹き出し 20"/>
+            <p:cNvSpPr/>
+            <p:nvPr/>
+          </p:nvSpPr>
+          <p:spPr>
+            <a:xfrm>
+              <a:off x="2103499" y="1663786"/>
+              <a:ext cx="3155054" cy="1872208"/>
+            </a:xfrm>
+            <a:prstGeom prst="wedgeEllipseCallout">
+              <a:avLst>
+                <a:gd name="adj1" fmla="val -51599"/>
+                <a:gd name="adj2" fmla="val 44466"/>
+              </a:avLst>
+            </a:prstGeom>
+          </p:spPr>
+          <p:style>
+            <a:lnRef idx="2">
+              <a:schemeClr val="accent1"/>
+            </a:lnRef>
+            <a:fillRef idx="1">
+              <a:schemeClr val="lt1"/>
+            </a:fillRef>
+            <a:effectRef idx="0">
+              <a:schemeClr val="accent1"/>
+            </a:effectRef>
+            <a:fontRef idx="minor">
+              <a:schemeClr val="dk1"/>
+            </a:fontRef>
+          </p:style>
+          <p:txBody>
+            <a:bodyPr rtlCol="0" anchor="ctr"/>
+            <a:lstStyle/>
+            <a:p>
+              <a:pPr algn="ctr"/>
+              <a:endParaRPr kumimoji="1" lang="ja-JP" altLang="en-US"/>
+            </a:p>
+          </p:txBody>
+        </p:sp>
+      </p:grpSp>
+      <p:grpSp>
+        <p:nvGrpSpPr>
+          <p:cNvPr id="20" name="グループ化 19"/>
+          <p:cNvGrpSpPr/>
+          <p:nvPr/>
+        </p:nvGrpSpPr>
+        <p:grpSpPr>
+          <a:xfrm>
+            <a:off x="6372200" y="4217690"/>
+            <a:ext cx="2032433" cy="2091630"/>
+            <a:chOff x="6876256" y="2718158"/>
+            <a:chExt cx="2032433" cy="2091630"/>
+          </a:xfrm>
+        </p:grpSpPr>
+        <p:pic>
+          <p:nvPicPr>
+            <p:cNvPr id="12" name="図 11"/>
+            <p:cNvPicPr>
+              <a:picLocks noChangeAspect="1"/>
+            </p:cNvPicPr>
+            <p:nvPr/>
+          </p:nvPicPr>
+          <p:blipFill rotWithShape="1">
+            <a:blip r:embed="rId3">
+              <a:extLst>
+                <a:ext uri="{28A0092B-C50C-407E-A947-70E740481C1C}">
+                  <a14:useLocalDpi xmlns:a14="http://schemas.microsoft.com/office/drawing/2010/main" val="0"/>
+                </a:ext>
+              </a:extLst>
+            </a:blip>
+            <a:srcRect l="16732" t="15191" r="16013" b="15326"/>
+            <a:stretch/>
+          </p:blipFill>
+          <p:spPr>
+            <a:xfrm>
+              <a:off x="6876256" y="2718158"/>
+              <a:ext cx="2032433" cy="2091630"/>
+            </a:xfrm>
+            <a:prstGeom prst="rect">
+              <a:avLst/>
+            </a:prstGeom>
+          </p:spPr>
+        </p:pic>
+        <p:pic>
+          <p:nvPicPr>
+            <p:cNvPr id="19" name="図 18"/>
+            <p:cNvPicPr>
+              <a:picLocks noChangeAspect="1"/>
+            </p:cNvPicPr>
+            <p:nvPr/>
+          </p:nvPicPr>
+          <p:blipFill>
+            <a:blip r:embed="rId4" cstate="print">
+              <a:extLst>
+                <a:ext uri="{28A0092B-C50C-407E-A947-70E740481C1C}">
+                  <a14:useLocalDpi xmlns:a14="http://schemas.microsoft.com/office/drawing/2010/main" val="0"/>
+                </a:ext>
+              </a:extLst>
+            </a:blip>
+            <a:stretch>
+              <a:fillRect/>
+            </a:stretch>
+          </p:blipFill>
+          <p:spPr>
+            <a:xfrm>
+              <a:off x="7416130" y="3428839"/>
+              <a:ext cx="1404341" cy="754624"/>
+            </a:xfrm>
+            <a:prstGeom prst="rect">
+              <a:avLst/>
+            </a:prstGeom>
+            <a:noFill/>
+            <a:ln>
+              <a:noFill/>
+            </a:ln>
+          </p:spPr>
+        </p:pic>
+      </p:grpSp>
+      <p:sp>
+        <p:nvSpPr>
+          <p:cNvPr id="24" name="右矢印 23"/>
+          <p:cNvSpPr/>
+          <p:nvPr/>
+        </p:nvSpPr>
+        <p:spPr>
+          <a:xfrm>
+            <a:off x="3707904" y="3861048"/>
+            <a:ext cx="1775832" cy="899082"/>
+          </a:xfrm>
+          <a:prstGeom prst="rightArrow">
+            <a:avLst/>
+          </a:prstGeom>
+          <a:solidFill>
+            <a:srgbClr val="FFFF00"/>
+          </a:solidFill>
+        </p:spPr>
+        <p:style>
+          <a:lnRef idx="2">
+            <a:schemeClr val="dk1">
+              <a:shade val="50000"/>
+            </a:schemeClr>
+          </a:lnRef>
+          <a:fillRef idx="1">
+            <a:schemeClr val="dk1"/>
+          </a:fillRef>
+          <a:effectRef idx="0">
+            <a:schemeClr val="dk1"/>
+          </a:effectRef>
+          <a:fontRef idx="minor">
+            <a:schemeClr val="lt1"/>
+          </a:fontRef>
+        </p:style>
+        <p:txBody>
+          <a:bodyPr rtlCol="0" anchor="ctr"/>
+          <a:lstStyle/>
+          <a:p>
+            <a:pPr algn="ctr"/>
+            <a:endParaRPr kumimoji="1" lang="ja-JP" altLang="en-US"/>
+          </a:p>
+        </p:txBody>
+      </p:sp>
+      <p:sp>
+        <p:nvSpPr>
+          <p:cNvPr id="25" name="テキスト ボックス 24"/>
           <p:cNvSpPr txBox="1"/>
           <p:nvPr/>
         </p:nvSpPr>
         <p:spPr>
           <a:xfrm>
-            <a:off x="683568" y="1124744"/>
-            <a:ext cx="7992888" cy="523220"/>
+            <a:off x="755576" y="1196752"/>
+            <a:ext cx="2736304" cy="461665"/>
           </a:xfrm>
           <a:prstGeom prst="rect">
             <a:avLst/>
@@ -5501,23 +5485,27 @@
           <a:lstStyle/>
           <a:p>
             <a:r>
-              <a:rPr lang="ja-JP" altLang="en-US" sz="2800" dirty="0" smtClean="0"/>
-              <a:t>線の描画</a:t>
-            </a:r>
-            <a:endParaRPr kumimoji="1" lang="en-US" altLang="ja-JP" sz="2800" dirty="0" smtClean="0"/>
-          </a:p>
-        </p:txBody>
-      </p:sp>
-      <p:sp>
-        <p:nvSpPr>
-          <p:cNvPr id="6" name="テキスト ボックス 5"/>
+              <a:rPr lang="ja-JP" altLang="en-US" sz="2400" dirty="0"/>
+              <a:t>外部</a:t>
+            </a:r>
+            <a:r>
+              <a:rPr lang="ja-JP" altLang="en-US" sz="2400" dirty="0" smtClean="0"/>
+              <a:t>ソフトで作成</a:t>
+            </a:r>
+            <a:endParaRPr kumimoji="1" lang="ja-JP" altLang="en-US" sz="2400" dirty="0"/>
+          </a:p>
+        </p:txBody>
+      </p:sp>
+      <p:sp>
+        <p:nvSpPr>
+          <p:cNvPr id="26" name="テキスト ボックス 25"/>
           <p:cNvSpPr txBox="1"/>
           <p:nvPr/>
         </p:nvSpPr>
         <p:spPr>
           <a:xfrm>
-            <a:off x="683568" y="1549236"/>
-            <a:ext cx="7992888" cy="5262979"/>
+            <a:off x="3131840" y="3429000"/>
+            <a:ext cx="2736304" cy="461665"/>
           </a:xfrm>
           <a:prstGeom prst="rect">
             <a:avLst/>
@@ -5530,186 +5518,137 @@
           </a:bodyPr>
           <a:lstStyle/>
           <a:p>
-            <a:r>
-              <a:rPr lang="en-US" altLang="ja-JP" sz="2800" dirty="0" err="1" smtClean="0"/>
-              <a:t>ctx.beginPath</a:t>
-            </a:r>
-            <a:r>
-              <a:rPr lang="en-US" altLang="ja-JP" sz="2800" dirty="0" smtClean="0"/>
-              <a:t>();</a:t>
-            </a:r>
-          </a:p>
-          <a:p>
-            <a:r>
-              <a:rPr kumimoji="1" lang="ja-JP" altLang="en-US" sz="2800" dirty="0" smtClean="0"/>
-              <a:t>→描画を始める宣言</a:t>
-            </a:r>
-            <a:endParaRPr kumimoji="1" lang="en-US" altLang="ja-JP" sz="2800" dirty="0"/>
-          </a:p>
-          <a:p>
-            <a:r>
-              <a:rPr lang="en-US" altLang="ja-JP" sz="2800" dirty="0" err="1"/>
-              <a:t>ctx.moveTo</a:t>
-            </a:r>
-            <a:r>
-              <a:rPr lang="en-US" altLang="ja-JP" sz="2800" dirty="0"/>
-              <a:t>(20, 20</a:t>
-            </a:r>
-            <a:r>
-              <a:rPr lang="en-US" altLang="ja-JP" sz="2800" dirty="0" smtClean="0"/>
-              <a:t>);</a:t>
-            </a:r>
-          </a:p>
-          <a:p>
-            <a:r>
-              <a:rPr lang="ja-JP" altLang="en-US" sz="2800" dirty="0" smtClean="0"/>
-              <a:t>→</a:t>
-            </a:r>
-            <a:r>
-              <a:rPr lang="ja-JP" altLang="en-US" sz="2800" dirty="0"/>
-              <a:t>線の開始点を設定</a:t>
-            </a:r>
-            <a:r>
-              <a:rPr lang="en-US" altLang="ja-JP" sz="2800" dirty="0"/>
-              <a:t>(x</a:t>
-            </a:r>
-            <a:r>
-              <a:rPr lang="ja-JP" altLang="en-US" sz="2800" dirty="0"/>
-              <a:t>座標</a:t>
-            </a:r>
-            <a:r>
-              <a:rPr lang="en-US" altLang="ja-JP" sz="2800" dirty="0"/>
-              <a:t>20</a:t>
-            </a:r>
-            <a:r>
-              <a:rPr lang="ja-JP" altLang="en-US" sz="2800" dirty="0" err="1"/>
-              <a:t>、</a:t>
-            </a:r>
-            <a:r>
-              <a:rPr lang="en-US" altLang="ja-JP" sz="2800" dirty="0"/>
-              <a:t>y</a:t>
-            </a:r>
-            <a:r>
-              <a:rPr lang="ja-JP" altLang="en-US" sz="2800" dirty="0"/>
-              <a:t>座標</a:t>
-            </a:r>
-            <a:r>
-              <a:rPr lang="en-US" altLang="ja-JP" sz="2800" dirty="0"/>
-              <a:t>20</a:t>
-            </a:r>
-            <a:r>
-              <a:rPr lang="ja-JP" altLang="en-US" sz="2800" dirty="0"/>
-              <a:t>の</a:t>
-            </a:r>
-            <a:r>
-              <a:rPr lang="ja-JP" altLang="en-US" sz="2800" dirty="0" smtClean="0"/>
-              <a:t>位置</a:t>
-            </a:r>
-            <a:r>
-              <a:rPr lang="en-US" altLang="ja-JP" sz="2800" dirty="0" smtClean="0"/>
-              <a:t>)</a:t>
-            </a:r>
-          </a:p>
-          <a:p>
-            <a:r>
-              <a:rPr lang="en-US" altLang="ja-JP" sz="2800" dirty="0" err="1"/>
-              <a:t>ctx.lineTo</a:t>
-            </a:r>
-            <a:r>
-              <a:rPr lang="en-US" altLang="ja-JP" sz="2800" dirty="0"/>
-              <a:t>(120, 20)</a:t>
-            </a:r>
-            <a:endParaRPr kumimoji="1" lang="en-US" altLang="ja-JP" sz="2800" dirty="0"/>
-          </a:p>
-          <a:p>
-            <a:r>
-              <a:rPr lang="ja-JP" altLang="en-US" sz="2800" dirty="0" smtClean="0"/>
-              <a:t>→</a:t>
-            </a:r>
-            <a:r>
-              <a:rPr lang="ja-JP" altLang="en-US" sz="2800" dirty="0"/>
-              <a:t>線の終了点を設定</a:t>
-            </a:r>
-            <a:endParaRPr lang="en-US" altLang="ja-JP" sz="2800" dirty="0" smtClean="0"/>
-          </a:p>
-          <a:p>
-            <a:r>
-              <a:rPr lang="en-US" altLang="ja-JP" sz="2800" dirty="0" err="1"/>
-              <a:t>ctx.closePath</a:t>
-            </a:r>
-            <a:r>
-              <a:rPr lang="en-US" altLang="ja-JP" sz="2800" dirty="0"/>
-              <a:t>();</a:t>
-            </a:r>
-            <a:endParaRPr kumimoji="1" lang="en-US" altLang="ja-JP" sz="2800" dirty="0"/>
-          </a:p>
-          <a:p>
-            <a:r>
-              <a:rPr lang="ja-JP" altLang="en-US" sz="2800" dirty="0" smtClean="0"/>
-              <a:t>→</a:t>
-            </a:r>
-            <a:r>
-              <a:rPr lang="ja-JP" altLang="en-US" sz="2800" dirty="0"/>
-              <a:t>書いた線を閉じる</a:t>
-            </a:r>
-            <a:endParaRPr lang="en-US" altLang="ja-JP" sz="2800" dirty="0" smtClean="0"/>
-          </a:p>
-          <a:p>
-            <a:r>
-              <a:rPr lang="en-US" altLang="ja-JP" sz="2800" dirty="0" err="1" smtClean="0"/>
-              <a:t>ctx.stroke</a:t>
-            </a:r>
-            <a:r>
-              <a:rPr lang="en-US" altLang="ja-JP" sz="2800" dirty="0" smtClean="0"/>
-              <a:t>();</a:t>
-            </a:r>
-            <a:endParaRPr kumimoji="1" lang="en-US" altLang="ja-JP" sz="2800" dirty="0" smtClean="0"/>
-          </a:p>
-          <a:p>
-            <a:r>
-              <a:rPr lang="ja-JP" altLang="en-US" sz="2800" dirty="0" smtClean="0"/>
-              <a:t>→</a:t>
-            </a:r>
-            <a:r>
-              <a:rPr lang="ja-JP" altLang="en-US" sz="2800" dirty="0"/>
-              <a:t>書いた図を線で描画する</a:t>
-            </a:r>
-            <a:endParaRPr lang="en-US" altLang="ja-JP" sz="2800" dirty="0" smtClean="0"/>
-          </a:p>
-          <a:p>
-            <a:r>
-              <a:rPr lang="en-US" altLang="ja-JP" sz="2800" dirty="0" err="1"/>
-              <a:t>ctx.fill</a:t>
-            </a:r>
-            <a:r>
-              <a:rPr lang="en-US" altLang="ja-JP" sz="2800" dirty="0"/>
-              <a:t>();</a:t>
-            </a:r>
-            <a:endParaRPr kumimoji="1" lang="en-US" altLang="ja-JP" sz="2800" dirty="0" smtClean="0"/>
-          </a:p>
-          <a:p>
-            <a:r>
-              <a:rPr lang="ja-JP" altLang="en-US" sz="2800" dirty="0" smtClean="0"/>
-              <a:t>→</a:t>
-            </a:r>
-            <a:r>
-              <a:rPr lang="ja-JP" altLang="en-US" sz="2800" dirty="0"/>
-              <a:t>書いた図の内側を塗りつぶして描画する</a:t>
-            </a:r>
-            <a:endParaRPr kumimoji="1" lang="en-US" altLang="ja-JP" sz="2800" dirty="0" smtClean="0"/>
-          </a:p>
-        </p:txBody>
-      </p:sp>
-      <p:sp>
-        <p:nvSpPr>
-          <p:cNvPr id="7" name="テキスト ボックス 6"/>
+            <a:pPr algn="ctr"/>
+            <a:r>
+              <a:rPr lang="en-US" altLang="ja-JP" sz="2400" dirty="0" smtClean="0"/>
+              <a:t>HTML</a:t>
+            </a:r>
+            <a:r>
+              <a:rPr lang="ja-JP" altLang="en-US" sz="2400" dirty="0" smtClean="0"/>
+              <a:t>に反映</a:t>
+            </a:r>
+            <a:endParaRPr kumimoji="1" lang="ja-JP" altLang="en-US" sz="2400" dirty="0"/>
+          </a:p>
+        </p:txBody>
+      </p:sp>
+      <p:pic>
+        <p:nvPicPr>
+          <p:cNvPr id="28" name="図 27"/>
+          <p:cNvPicPr>
+            <a:picLocks noChangeAspect="1"/>
+          </p:cNvPicPr>
+          <p:nvPr/>
+        </p:nvPicPr>
+        <p:blipFill>
+          <a:blip r:embed="rId5">
+            <a:extLst>
+              <a:ext uri="{28A0092B-C50C-407E-A947-70E740481C1C}">
+                <a14:useLocalDpi xmlns:a14="http://schemas.microsoft.com/office/drawing/2010/main" val="0"/>
+              </a:ext>
+            </a:extLst>
+          </a:blip>
+          <a:stretch>
+            <a:fillRect/>
+          </a:stretch>
+        </p:blipFill>
+        <p:spPr>
+          <a:xfrm>
+            <a:off x="2956134" y="1752401"/>
+            <a:ext cx="1687874" cy="1336973"/>
+          </a:xfrm>
+          <a:prstGeom prst="rect">
+            <a:avLst/>
+          </a:prstGeom>
+        </p:spPr>
+      </p:pic>
+      <p:pic>
+        <p:nvPicPr>
+          <p:cNvPr id="29" name="図 28"/>
+          <p:cNvPicPr>
+            <a:picLocks noChangeAspect="1"/>
+          </p:cNvPicPr>
+          <p:nvPr/>
+        </p:nvPicPr>
+        <p:blipFill>
+          <a:blip r:embed="rId6">
+            <a:extLst>
+              <a:ext uri="{BEBA8EAE-BF5A-486C-A8C5-ECC9F3942E4B}">
+                <a14:imgProps xmlns:a14="http://schemas.microsoft.com/office/drawing/2010/main">
+                  <a14:imgLayer r:embed="rId7">
+                    <a14:imgEffect>
+                      <a14:brightnessContrast bright="40000" contrast="40000"/>
+                    </a14:imgEffect>
+                  </a14:imgLayer>
+                </a14:imgProps>
+              </a:ext>
+              <a:ext uri="{28A0092B-C50C-407E-A947-70E740481C1C}">
+                <a14:useLocalDpi xmlns:a14="http://schemas.microsoft.com/office/drawing/2010/main" val="0"/>
+              </a:ext>
+            </a:extLst>
+          </a:blip>
+          <a:stretch>
+            <a:fillRect/>
+          </a:stretch>
+        </p:blipFill>
+        <p:spPr>
+          <a:xfrm>
+            <a:off x="2942624" y="1752400"/>
+            <a:ext cx="1687874" cy="1336973"/>
+          </a:xfrm>
+          <a:prstGeom prst="rect">
+            <a:avLst/>
+          </a:prstGeom>
+        </p:spPr>
+      </p:pic>
+      <p:pic>
+        <p:nvPicPr>
+          <p:cNvPr id="30" name="図 29"/>
+          <p:cNvPicPr>
+            <a:picLocks noChangeAspect="1"/>
+          </p:cNvPicPr>
+          <p:nvPr/>
+        </p:nvPicPr>
+        <p:blipFill>
+          <a:blip r:embed="rId6" cstate="print">
+            <a:extLst>
+              <a:ext uri="{BEBA8EAE-BF5A-486C-A8C5-ECC9F3942E4B}">
+                <a14:imgProps xmlns:a14="http://schemas.microsoft.com/office/drawing/2010/main">
+                  <a14:imgLayer r:embed="rId7">
+                    <a14:imgEffect>
+                      <a14:brightnessContrast bright="40000" contrast="40000"/>
+                    </a14:imgEffect>
+                  </a14:imgLayer>
+                </a14:imgProps>
+              </a:ext>
+              <a:ext uri="{28A0092B-C50C-407E-A947-70E740481C1C}">
+                <a14:useLocalDpi xmlns:a14="http://schemas.microsoft.com/office/drawing/2010/main" val="0"/>
+              </a:ext>
+            </a:extLst>
+          </a:blip>
+          <a:stretch>
+            <a:fillRect/>
+          </a:stretch>
+        </p:blipFill>
+        <p:spPr>
+          <a:xfrm>
+            <a:off x="6912073" y="4928372"/>
+            <a:ext cx="1404341" cy="770158"/>
+          </a:xfrm>
+          <a:prstGeom prst="rect">
+            <a:avLst/>
+          </a:prstGeom>
+        </p:spPr>
+      </p:pic>
+      <p:sp>
+        <p:nvSpPr>
+          <p:cNvPr id="31" name="テキスト ボックス 30"/>
           <p:cNvSpPr txBox="1"/>
           <p:nvPr/>
         </p:nvSpPr>
         <p:spPr>
           <a:xfrm>
-            <a:off x="3275856" y="1167135"/>
-            <a:ext cx="5832648" cy="461665"/>
+            <a:off x="755576" y="1196752"/>
+            <a:ext cx="2736304" cy="461665"/>
           </a:xfrm>
           <a:prstGeom prst="rect">
             <a:avLst/>
@@ -5722,790 +5661,22 @@
           </a:bodyPr>
           <a:lstStyle/>
           <a:p>
-            <a:pPr algn="r"/>
-            <a:r>
-              <a:rPr lang="en-US" altLang="ja-JP" sz="2400" dirty="0"/>
-              <a:t>※</a:t>
-            </a:r>
-            <a:r>
-              <a:rPr lang="en-US" altLang="ja-JP" sz="2400" dirty="0" err="1"/>
-              <a:t>ctx</a:t>
-            </a:r>
             <a:r>
               <a:rPr lang="ja-JP" altLang="en-US" sz="2400" dirty="0"/>
-              <a:t>は</a:t>
-            </a:r>
-            <a:r>
-              <a:rPr lang="en-US" altLang="ja-JP" sz="2400" dirty="0"/>
-              <a:t>canvas</a:t>
-            </a:r>
-            <a:r>
-              <a:rPr lang="ja-JP" altLang="en-US" sz="2400" dirty="0"/>
-              <a:t>を呼び出し、格納した変数</a:t>
-            </a:r>
-            <a:endParaRPr kumimoji="1" lang="en-US" altLang="ja-JP" sz="2400" dirty="0" smtClean="0"/>
-          </a:p>
-        </p:txBody>
-      </p:sp>
-      <p:sp>
-        <p:nvSpPr>
-          <p:cNvPr id="8" name="テキスト ボックス 7"/>
-          <p:cNvSpPr txBox="1"/>
-          <p:nvPr/>
-        </p:nvSpPr>
-        <p:spPr>
-          <a:xfrm>
-            <a:off x="683568" y="1556792"/>
-            <a:ext cx="7992888" cy="523220"/>
-          </a:xfrm>
-          <a:prstGeom prst="rect">
-            <a:avLst/>
-          </a:prstGeom>
-          <a:noFill/>
-        </p:spPr>
-        <p:txBody>
-          <a:bodyPr wrap="square" rtlCol="0">
-            <a:spAutoFit/>
-          </a:bodyPr>
-          <a:lstStyle/>
-          <a:p>
-            <a:r>
-              <a:rPr lang="ja-JP" altLang="en-US" sz="2800" dirty="0"/>
-              <a:t>図</a:t>
-            </a:r>
-            <a:r>
-              <a:rPr lang="ja-JP" altLang="en-US" sz="2800" dirty="0" smtClean="0"/>
-              <a:t>の描画</a:t>
-            </a:r>
-            <a:endParaRPr kumimoji="1" lang="en-US" altLang="ja-JP" sz="2800" dirty="0" smtClean="0"/>
-          </a:p>
-        </p:txBody>
-      </p:sp>
-      <p:sp>
-        <p:nvSpPr>
-          <p:cNvPr id="9" name="テキスト ボックス 8"/>
-          <p:cNvSpPr txBox="1"/>
-          <p:nvPr/>
-        </p:nvSpPr>
-        <p:spPr>
-          <a:xfrm>
-            <a:off x="683568" y="1988840"/>
-            <a:ext cx="8448015" cy="4401205"/>
-          </a:xfrm>
-          <a:prstGeom prst="rect">
-            <a:avLst/>
-          </a:prstGeom>
-          <a:noFill/>
-        </p:spPr>
-        <p:txBody>
-          <a:bodyPr wrap="square" rtlCol="0">
-            <a:spAutoFit/>
-          </a:bodyPr>
-          <a:lstStyle/>
-          <a:p>
-            <a:r>
-              <a:rPr lang="en-US" altLang="ja-JP" sz="2800" dirty="0" err="1" smtClean="0"/>
-              <a:t>ctx.fillRect</a:t>
-            </a:r>
-            <a:r>
-              <a:rPr lang="en-US" altLang="ja-JP" sz="2800" dirty="0" smtClean="0"/>
-              <a:t>(10,20,30,40);</a:t>
-            </a:r>
-          </a:p>
-          <a:p>
-            <a:r>
-              <a:rPr lang="ja-JP" altLang="en-US" sz="2800" dirty="0" smtClean="0"/>
-              <a:t>→</a:t>
-            </a:r>
-            <a:r>
-              <a:rPr lang="ja-JP" altLang="en-US" sz="2800" dirty="0"/>
-              <a:t>開始点</a:t>
-            </a:r>
-            <a:r>
-              <a:rPr lang="en-US" altLang="ja-JP" sz="2800" dirty="0"/>
-              <a:t>x:10y:20</a:t>
-            </a:r>
-            <a:r>
-              <a:rPr lang="ja-JP" altLang="en-US" sz="2800" dirty="0" err="1"/>
-              <a:t>、</a:t>
-            </a:r>
-            <a:r>
-              <a:rPr lang="ja-JP" altLang="en-US" sz="2800" dirty="0"/>
-              <a:t>幅</a:t>
-            </a:r>
-            <a:r>
-              <a:rPr lang="en-US" altLang="ja-JP" sz="2800" dirty="0"/>
-              <a:t>30</a:t>
-            </a:r>
-            <a:r>
-              <a:rPr lang="ja-JP" altLang="en-US" sz="2800" dirty="0" err="1"/>
-              <a:t>、</a:t>
-            </a:r>
-            <a:r>
-              <a:rPr lang="ja-JP" altLang="en-US" sz="2800" dirty="0"/>
-              <a:t>高さ</a:t>
-            </a:r>
-            <a:r>
-              <a:rPr lang="en-US" altLang="ja-JP" sz="2800" dirty="0"/>
-              <a:t>40</a:t>
-            </a:r>
-            <a:r>
-              <a:rPr lang="ja-JP" altLang="en-US" sz="2800" dirty="0"/>
-              <a:t>の</a:t>
-            </a:r>
-            <a:r>
-              <a:rPr lang="ja-JP" altLang="en-US" sz="2800" dirty="0" smtClean="0"/>
-              <a:t>塗りつぶされた　　　</a:t>
-            </a:r>
-            <a:endParaRPr lang="en-US" altLang="ja-JP" sz="2800" dirty="0" smtClean="0"/>
-          </a:p>
-          <a:p>
-            <a:r>
-              <a:rPr lang="ja-JP" altLang="en-US" sz="2800" dirty="0"/>
-              <a:t>　</a:t>
-            </a:r>
-            <a:r>
-              <a:rPr lang="ja-JP" altLang="en-US" sz="2800" dirty="0" smtClean="0"/>
-              <a:t>四</a:t>
-            </a:r>
-            <a:r>
-              <a:rPr lang="ja-JP" altLang="en-US" sz="2800" dirty="0"/>
-              <a:t>角形を</a:t>
-            </a:r>
-            <a:r>
-              <a:rPr lang="ja-JP" altLang="en-US" sz="2800" dirty="0" smtClean="0"/>
-              <a:t>描く</a:t>
-            </a:r>
-            <a:endParaRPr lang="en-US" altLang="ja-JP" sz="2800" dirty="0" smtClean="0"/>
-          </a:p>
-          <a:p>
-            <a:r>
-              <a:rPr lang="en-US" altLang="ja-JP" sz="2800" dirty="0"/>
-              <a:t>ctx.arc(10,20,5,0,Math.PI*2,true</a:t>
-            </a:r>
-            <a:r>
-              <a:rPr lang="en-US" altLang="ja-JP" sz="2800" dirty="0" smtClean="0"/>
-              <a:t>);</a:t>
-            </a:r>
-          </a:p>
-          <a:p>
-            <a:r>
-              <a:rPr lang="ja-JP" altLang="en-US" sz="2800" dirty="0" smtClean="0"/>
-              <a:t>→</a:t>
-            </a:r>
-            <a:r>
-              <a:rPr lang="ja-JP" altLang="en-US" sz="2800" dirty="0"/>
-              <a:t>座標</a:t>
-            </a:r>
-            <a:r>
-              <a:rPr lang="en-US" altLang="ja-JP" sz="2800" dirty="0"/>
-              <a:t>x:10y:20</a:t>
-            </a:r>
-            <a:r>
-              <a:rPr lang="ja-JP" altLang="en-US" sz="2800" dirty="0"/>
-              <a:t>を中心に半径</a:t>
-            </a:r>
-            <a:r>
-              <a:rPr lang="en-US" altLang="ja-JP" sz="2800" dirty="0"/>
-              <a:t>5</a:t>
-            </a:r>
-            <a:r>
-              <a:rPr lang="ja-JP" altLang="en-US" sz="2800" dirty="0"/>
-              <a:t>の円を描く</a:t>
-            </a:r>
-            <a:r>
-              <a:rPr lang="ja-JP" altLang="en-US" sz="2800" dirty="0" smtClean="0"/>
-              <a:t>。</a:t>
-            </a:r>
-            <a:endParaRPr lang="en-US" altLang="ja-JP" sz="2800" dirty="0" smtClean="0"/>
-          </a:p>
-          <a:p>
-            <a:r>
-              <a:rPr lang="ja-JP" altLang="en-US" sz="2800" dirty="0"/>
-              <a:t>　</a:t>
-            </a:r>
-            <a:r>
-              <a:rPr lang="ja-JP" altLang="en-US" sz="2800" dirty="0" smtClean="0"/>
-              <a:t>開始点</a:t>
-            </a:r>
-            <a:r>
-              <a:rPr lang="ja-JP" altLang="en-US" sz="2800" dirty="0"/>
-              <a:t>は</a:t>
-            </a:r>
-            <a:r>
-              <a:rPr lang="en-US" altLang="ja-JP" sz="2800" dirty="0"/>
-              <a:t>0</a:t>
-            </a:r>
-            <a:r>
-              <a:rPr lang="ja-JP" altLang="en-US" sz="2800" dirty="0" err="1"/>
-              <a:t>、</a:t>
-            </a:r>
-            <a:r>
-              <a:rPr lang="ja-JP" altLang="en-US" sz="2800" dirty="0"/>
-              <a:t>終了点は</a:t>
-            </a:r>
-            <a:r>
-              <a:rPr lang="en-US" altLang="ja-JP" sz="2800" dirty="0" err="1"/>
-              <a:t>Math.PI</a:t>
-            </a:r>
-            <a:r>
-              <a:rPr lang="en-US" altLang="ja-JP" sz="2800" dirty="0"/>
-              <a:t>\*2</a:t>
-            </a:r>
-            <a:r>
-              <a:rPr lang="en-US" altLang="ja-JP" sz="2800" dirty="0" smtClean="0"/>
-              <a:t>ctx.closePath</a:t>
-            </a:r>
-            <a:r>
-              <a:rPr lang="en-US" altLang="ja-JP" sz="2800" dirty="0"/>
-              <a:t>();</a:t>
-            </a:r>
-            <a:endParaRPr kumimoji="1" lang="en-US" altLang="ja-JP" sz="2800" dirty="0"/>
-          </a:p>
-          <a:p>
-            <a:r>
-              <a:rPr lang="en-US" altLang="ja-JP" sz="2800" dirty="0" err="1"/>
-              <a:t>ctx.fillStyle</a:t>
-            </a:r>
-            <a:r>
-              <a:rPr lang="en-US" altLang="ja-JP" sz="2800" dirty="0"/>
-              <a:t> = '</a:t>
-            </a:r>
-            <a:r>
-              <a:rPr lang="en-US" altLang="ja-JP" sz="2800" dirty="0" err="1"/>
-              <a:t>rgba</a:t>
-            </a:r>
-            <a:r>
-              <a:rPr lang="en-US" altLang="ja-JP" sz="2800" dirty="0"/>
-              <a:t>(192, 80, 77, 0.7</a:t>
-            </a:r>
-            <a:r>
-              <a:rPr lang="en-US" altLang="ja-JP" sz="2800" dirty="0" smtClean="0"/>
-              <a:t>)';</a:t>
-            </a:r>
-          </a:p>
-          <a:p>
-            <a:r>
-              <a:rPr lang="ja-JP" altLang="en-US" sz="2800" dirty="0" smtClean="0"/>
-              <a:t>→</a:t>
-            </a:r>
-            <a:r>
-              <a:rPr lang="ja-JP" altLang="en-US" sz="2800" dirty="0"/>
-              <a:t>塗りつぶしの色を設定する</a:t>
-            </a:r>
-            <a:endParaRPr lang="en-US" altLang="ja-JP" sz="2800" dirty="0" smtClean="0"/>
-          </a:p>
-          <a:p>
-            <a:r>
-              <a:rPr lang="en-US" altLang="ja-JP" sz="2800" dirty="0" err="1"/>
-              <a:t>ctx.clearRect</a:t>
-            </a:r>
-            <a:r>
-              <a:rPr lang="en-US" altLang="ja-JP" sz="2800" dirty="0"/>
-              <a:t>(10, 20, 30, 40</a:t>
-            </a:r>
-            <a:r>
-              <a:rPr lang="en-US" altLang="ja-JP" sz="2800" dirty="0" smtClean="0"/>
-              <a:t>);</a:t>
-            </a:r>
-          </a:p>
-          <a:p>
-            <a:r>
-              <a:rPr lang="ja-JP" altLang="en-US" sz="2800" dirty="0" smtClean="0"/>
-              <a:t>→</a:t>
-            </a:r>
-            <a:r>
-              <a:rPr lang="ja-JP" altLang="en-US" sz="2800" dirty="0"/>
-              <a:t>範囲内の描画を消去する</a:t>
-            </a:r>
-            <a:endParaRPr kumimoji="1" lang="en-US" altLang="ja-JP" sz="2800" dirty="0" smtClean="0"/>
-          </a:p>
-        </p:txBody>
-      </p:sp>
-      <p:sp>
-        <p:nvSpPr>
-          <p:cNvPr id="10" name="テキスト ボックス 9"/>
-          <p:cNvSpPr txBox="1"/>
-          <p:nvPr/>
-        </p:nvSpPr>
-        <p:spPr>
-          <a:xfrm>
-            <a:off x="683568" y="2060848"/>
-            <a:ext cx="7992888" cy="523220"/>
-          </a:xfrm>
-          <a:prstGeom prst="rect">
-            <a:avLst/>
-          </a:prstGeom>
-          <a:noFill/>
-        </p:spPr>
-        <p:txBody>
-          <a:bodyPr wrap="square" rtlCol="0">
-            <a:spAutoFit/>
-          </a:bodyPr>
-          <a:lstStyle/>
-          <a:p>
-            <a:r>
-              <a:rPr lang="ja-JP" altLang="en-US" sz="2800" dirty="0" smtClean="0"/>
-              <a:t>テキストの描画</a:t>
-            </a:r>
-            <a:endParaRPr kumimoji="1" lang="en-US" altLang="ja-JP" sz="2800" dirty="0" smtClean="0"/>
-          </a:p>
-        </p:txBody>
-      </p:sp>
-      <p:sp>
-        <p:nvSpPr>
-          <p:cNvPr id="11" name="テキスト ボックス 10"/>
-          <p:cNvSpPr txBox="1"/>
-          <p:nvPr/>
-        </p:nvSpPr>
-        <p:spPr>
-          <a:xfrm>
-            <a:off x="683568" y="2409850"/>
-            <a:ext cx="7992888" cy="3539430"/>
-          </a:xfrm>
-          <a:prstGeom prst="rect">
-            <a:avLst/>
-          </a:prstGeom>
-          <a:noFill/>
-        </p:spPr>
-        <p:txBody>
-          <a:bodyPr wrap="square" rtlCol="0">
-            <a:spAutoFit/>
-          </a:bodyPr>
-          <a:lstStyle/>
-          <a:p>
-            <a:r>
-              <a:rPr lang="en-US" altLang="ja-JP" sz="2800" dirty="0" err="1"/>
-              <a:t>ctx.font</a:t>
-            </a:r>
-            <a:r>
-              <a:rPr lang="en-US" altLang="ja-JP" sz="2800" dirty="0"/>
-              <a:t> = "26px '</a:t>
-            </a:r>
-            <a:r>
-              <a:rPr lang="ja-JP" altLang="en-US" sz="2800" dirty="0"/>
-              <a:t>ＭＳ Ｐゴシック</a:t>
-            </a:r>
-            <a:r>
-              <a:rPr lang="en-US" altLang="ja-JP" sz="2800" dirty="0" smtClean="0"/>
-              <a:t>'";</a:t>
-            </a:r>
-          </a:p>
-          <a:p>
-            <a:r>
-              <a:rPr kumimoji="1" lang="ja-JP" altLang="en-US" sz="2800" dirty="0" smtClean="0"/>
-              <a:t>→フォントの設定</a:t>
-            </a:r>
-            <a:endParaRPr kumimoji="1" lang="en-US" altLang="ja-JP" sz="2800" dirty="0"/>
-          </a:p>
-          <a:p>
-            <a:r>
-              <a:rPr lang="en-US" altLang="ja-JP" sz="2800" dirty="0" err="1"/>
-              <a:t>ctx.fillText</a:t>
-            </a:r>
-            <a:r>
-              <a:rPr lang="en-US" altLang="ja-JP" sz="2800" dirty="0" smtClean="0"/>
-              <a:t>(“</a:t>
-            </a:r>
-            <a:r>
-              <a:rPr lang="ja-JP" altLang="en-US" sz="2800" dirty="0" smtClean="0"/>
-              <a:t>表示する</a:t>
-            </a:r>
-            <a:r>
-              <a:rPr lang="ja-JP" altLang="en-US" sz="2800" dirty="0"/>
-              <a:t>文字</a:t>
-            </a:r>
-            <a:r>
-              <a:rPr lang="en-US" altLang="ja-JP" sz="2800" dirty="0" smtClean="0"/>
-              <a:t>",</a:t>
-            </a:r>
-            <a:r>
-              <a:rPr lang="en-US" altLang="ja-JP" sz="2800" dirty="0"/>
-              <a:t>X</a:t>
-            </a:r>
-            <a:r>
-              <a:rPr lang="ja-JP" altLang="en-US" sz="2800" dirty="0" smtClean="0"/>
-              <a:t>座標</a:t>
-            </a:r>
-            <a:r>
-              <a:rPr lang="en-US" altLang="ja-JP" sz="2800" dirty="0" smtClean="0"/>
-              <a:t>,</a:t>
-            </a:r>
-            <a:r>
-              <a:rPr lang="en-US" altLang="ja-JP" sz="2800" dirty="0"/>
-              <a:t>Y</a:t>
-            </a:r>
-            <a:r>
-              <a:rPr lang="ja-JP" altLang="en-US" sz="2800" dirty="0" smtClean="0"/>
-              <a:t>座標</a:t>
-            </a:r>
-            <a:r>
-              <a:rPr lang="en-US" altLang="ja-JP" sz="2800" dirty="0" smtClean="0"/>
-              <a:t>,</a:t>
-            </a:r>
-            <a:r>
-              <a:rPr lang="ja-JP" altLang="en-US" sz="2800" dirty="0"/>
-              <a:t>幅</a:t>
-            </a:r>
-            <a:r>
-              <a:rPr lang="en-US" altLang="ja-JP" sz="2800" dirty="0"/>
-              <a:t>);</a:t>
-            </a:r>
-          </a:p>
-          <a:p>
-            <a:r>
-              <a:rPr lang="ja-JP" altLang="en-US" sz="2800" dirty="0"/>
-              <a:t>→表示するテキストを</a:t>
-            </a:r>
-            <a:r>
-              <a:rPr lang="en-US" altLang="ja-JP" sz="2800" dirty="0"/>
-              <a:t>X</a:t>
-            </a:r>
-            <a:r>
-              <a:rPr lang="ja-JP" altLang="en-US" sz="2800" dirty="0" err="1"/>
-              <a:t>、</a:t>
-            </a:r>
-            <a:r>
-              <a:rPr lang="en-US" altLang="ja-JP" sz="2800" dirty="0"/>
-              <a:t>Y</a:t>
-            </a:r>
-            <a:r>
-              <a:rPr lang="ja-JP" altLang="en-US" sz="2800" dirty="0"/>
-              <a:t>の位置に指定幅</a:t>
-            </a:r>
-            <a:r>
-              <a:rPr lang="en-US" altLang="ja-JP" sz="2800" dirty="0"/>
-              <a:t>(</a:t>
-            </a:r>
-            <a:r>
-              <a:rPr lang="ja-JP" altLang="en-US" sz="2800" dirty="0"/>
-              <a:t>任意</a:t>
-            </a:r>
-            <a:r>
-              <a:rPr lang="en-US" altLang="ja-JP" sz="2800" dirty="0" smtClean="0"/>
-              <a:t>)</a:t>
-            </a:r>
-            <a:r>
-              <a:rPr lang="ja-JP" altLang="en-US" sz="2800" dirty="0" smtClean="0"/>
-              <a:t>　　　</a:t>
-            </a:r>
-            <a:endParaRPr lang="en-US" altLang="ja-JP" sz="2800" dirty="0" smtClean="0"/>
-          </a:p>
-          <a:p>
-            <a:r>
-              <a:rPr lang="ja-JP" altLang="en-US" sz="2800" dirty="0"/>
-              <a:t>　</a:t>
-            </a:r>
-            <a:r>
-              <a:rPr lang="ja-JP" altLang="en-US" sz="2800" dirty="0" smtClean="0"/>
-              <a:t>で</a:t>
-            </a:r>
-            <a:r>
-              <a:rPr lang="ja-JP" altLang="en-US" sz="2800" dirty="0"/>
-              <a:t>描画</a:t>
-            </a:r>
-            <a:r>
-              <a:rPr lang="ja-JP" altLang="en-US" sz="2800" dirty="0" smtClean="0"/>
-              <a:t>する</a:t>
-            </a:r>
-            <a:endParaRPr lang="en-US" altLang="ja-JP" sz="2800" dirty="0" smtClean="0"/>
-          </a:p>
-          <a:p>
-            <a:r>
-              <a:rPr lang="en-US" altLang="ja-JP" sz="2800" dirty="0" err="1" smtClean="0"/>
-              <a:t>ctx.strokeText</a:t>
-            </a:r>
-            <a:r>
-              <a:rPr lang="en-US" altLang="ja-JP" sz="2800" dirty="0" smtClean="0"/>
-              <a:t>(“</a:t>
-            </a:r>
-            <a:r>
-              <a:rPr lang="ja-JP" altLang="en-US" sz="2800" dirty="0" smtClean="0"/>
-              <a:t>表示する</a:t>
-            </a:r>
-            <a:r>
-              <a:rPr lang="ja-JP" altLang="en-US" sz="2800" dirty="0"/>
-              <a:t>文字</a:t>
-            </a:r>
-            <a:r>
-              <a:rPr lang="en-US" altLang="ja-JP" sz="2800" dirty="0" smtClean="0"/>
-              <a:t>",</a:t>
-            </a:r>
-            <a:r>
-              <a:rPr lang="en-US" altLang="ja-JP" sz="2800" dirty="0"/>
-              <a:t>X</a:t>
-            </a:r>
-            <a:r>
-              <a:rPr lang="ja-JP" altLang="en-US" sz="2800" dirty="0" smtClean="0"/>
-              <a:t>座標</a:t>
-            </a:r>
-            <a:r>
-              <a:rPr lang="en-US" altLang="ja-JP" sz="2800" dirty="0" smtClean="0"/>
-              <a:t>,</a:t>
-            </a:r>
-            <a:r>
-              <a:rPr lang="en-US" altLang="ja-JP" sz="2800" dirty="0"/>
-              <a:t>Y</a:t>
-            </a:r>
-            <a:r>
-              <a:rPr lang="ja-JP" altLang="en-US" sz="2800" dirty="0" smtClean="0"/>
-              <a:t>座標</a:t>
-            </a:r>
-            <a:r>
-              <a:rPr lang="en-US" altLang="ja-JP" sz="2800" dirty="0" smtClean="0"/>
-              <a:t>,</a:t>
-            </a:r>
-            <a:r>
-              <a:rPr lang="ja-JP" altLang="en-US" sz="2800" dirty="0"/>
-              <a:t>幅</a:t>
-            </a:r>
-            <a:r>
-              <a:rPr lang="en-US" altLang="ja-JP" sz="2800" dirty="0"/>
-              <a:t>);</a:t>
-            </a:r>
-            <a:endParaRPr kumimoji="1" lang="en-US" altLang="ja-JP" sz="2800" dirty="0"/>
-          </a:p>
-          <a:p>
-            <a:r>
-              <a:rPr lang="ja-JP" altLang="en-US" sz="2800" dirty="0"/>
-              <a:t>→表示</a:t>
-            </a:r>
-            <a:r>
-              <a:rPr lang="ja-JP" altLang="en-US" sz="2800" dirty="0" smtClean="0"/>
-              <a:t>する</a:t>
-            </a:r>
-            <a:r>
-              <a:rPr lang="ja-JP" altLang="en-US" sz="2800" dirty="0"/>
-              <a:t>文字</a:t>
-            </a:r>
-            <a:r>
-              <a:rPr lang="ja-JP" altLang="en-US" sz="2800" dirty="0" smtClean="0"/>
-              <a:t>を</a:t>
-            </a:r>
-            <a:r>
-              <a:rPr lang="en-US" altLang="ja-JP" sz="2800" dirty="0"/>
-              <a:t>X</a:t>
-            </a:r>
-            <a:r>
-              <a:rPr lang="ja-JP" altLang="en-US" sz="2800" dirty="0" err="1"/>
-              <a:t>、</a:t>
-            </a:r>
-            <a:r>
-              <a:rPr lang="en-US" altLang="ja-JP" sz="2800" dirty="0"/>
-              <a:t>Y</a:t>
-            </a:r>
-            <a:r>
-              <a:rPr lang="ja-JP" altLang="en-US" sz="2800" dirty="0"/>
-              <a:t>の位置に指定幅</a:t>
-            </a:r>
-            <a:r>
-              <a:rPr lang="en-US" altLang="ja-JP" sz="2800" dirty="0"/>
-              <a:t>(</a:t>
-            </a:r>
-            <a:r>
-              <a:rPr lang="ja-JP" altLang="en-US" sz="2800" dirty="0"/>
-              <a:t>任意</a:t>
-            </a:r>
-            <a:r>
-              <a:rPr lang="en-US" altLang="ja-JP" sz="2800" dirty="0" smtClean="0"/>
-              <a:t>)</a:t>
-            </a:r>
-            <a:r>
-              <a:rPr lang="ja-JP" altLang="en-US" sz="2800" dirty="0" smtClean="0"/>
-              <a:t>　</a:t>
-            </a:r>
-            <a:endParaRPr lang="en-US" altLang="ja-JP" sz="2800" dirty="0" smtClean="0"/>
-          </a:p>
-          <a:p>
-            <a:r>
-              <a:rPr lang="ja-JP" altLang="en-US" sz="2800" dirty="0"/>
-              <a:t>　</a:t>
-            </a:r>
-            <a:r>
-              <a:rPr lang="ja-JP" altLang="en-US" sz="2800" dirty="0" smtClean="0"/>
-              <a:t>で</a:t>
-            </a:r>
-            <a:r>
-              <a:rPr lang="ja-JP" altLang="en-US" sz="2800" dirty="0"/>
-              <a:t>枠線のみ描画</a:t>
-            </a:r>
-            <a:r>
-              <a:rPr lang="ja-JP" altLang="en-US" sz="2800" dirty="0" smtClean="0"/>
-              <a:t>する</a:t>
-            </a:r>
-            <a:endParaRPr kumimoji="1" lang="en-US" altLang="ja-JP" sz="2800" dirty="0"/>
-          </a:p>
-        </p:txBody>
-      </p:sp>
-      <p:sp>
-        <p:nvSpPr>
-          <p:cNvPr id="12" name="テキスト ボックス 11"/>
-          <p:cNvSpPr txBox="1"/>
-          <p:nvPr/>
-        </p:nvSpPr>
-        <p:spPr>
-          <a:xfrm>
-            <a:off x="647564" y="2617748"/>
-            <a:ext cx="3996444" cy="523220"/>
-          </a:xfrm>
-          <a:prstGeom prst="rect">
-            <a:avLst/>
-          </a:prstGeom>
-          <a:noFill/>
-        </p:spPr>
-        <p:txBody>
-          <a:bodyPr wrap="square" rtlCol="0">
-            <a:spAutoFit/>
-          </a:bodyPr>
-          <a:lstStyle/>
-          <a:p>
-            <a:r>
-              <a:rPr lang="ja-JP" altLang="en-US" sz="2800" dirty="0"/>
-              <a:t>画像</a:t>
-            </a:r>
-            <a:r>
-              <a:rPr kumimoji="1" lang="ja-JP" altLang="en-US" sz="2800" dirty="0" smtClean="0"/>
-              <a:t>の呼び出し</a:t>
-            </a:r>
-            <a:endParaRPr kumimoji="1" lang="en-US" altLang="ja-JP" sz="2800" dirty="0" smtClean="0"/>
-          </a:p>
-        </p:txBody>
-      </p:sp>
-      <p:sp>
-        <p:nvSpPr>
-          <p:cNvPr id="13" name="テキスト ボックス 12"/>
-          <p:cNvSpPr txBox="1"/>
-          <p:nvPr/>
-        </p:nvSpPr>
-        <p:spPr>
-          <a:xfrm>
-            <a:off x="683568" y="2996952"/>
-            <a:ext cx="7992888" cy="1384995"/>
-          </a:xfrm>
-          <a:prstGeom prst="rect">
-            <a:avLst/>
-          </a:prstGeom>
-          <a:noFill/>
-        </p:spPr>
-        <p:txBody>
-          <a:bodyPr wrap="square" rtlCol="0">
-            <a:spAutoFit/>
-          </a:bodyPr>
-          <a:lstStyle/>
-          <a:p>
-            <a:r>
-              <a:rPr lang="en-US" altLang="ja-JP" sz="2800" dirty="0" err="1"/>
-              <a:t>ctx.drawImage</a:t>
-            </a:r>
-            <a:r>
-              <a:rPr lang="en-US" altLang="ja-JP" sz="2800" dirty="0"/>
-              <a:t>(</a:t>
-            </a:r>
-            <a:r>
-              <a:rPr lang="en-US" altLang="ja-JP" sz="2800" dirty="0" err="1"/>
-              <a:t>img</a:t>
-            </a:r>
-            <a:r>
-              <a:rPr lang="en-US" altLang="ja-JP" sz="2800" dirty="0"/>
-              <a:t>, X</a:t>
-            </a:r>
-            <a:r>
-              <a:rPr lang="ja-JP" altLang="en-US" sz="2800" dirty="0"/>
-              <a:t>座標</a:t>
-            </a:r>
-            <a:r>
-              <a:rPr lang="en-US" altLang="ja-JP" sz="2800" dirty="0"/>
-              <a:t>, Y</a:t>
-            </a:r>
-            <a:r>
-              <a:rPr lang="ja-JP" altLang="en-US" sz="2800" dirty="0"/>
-              <a:t>座標</a:t>
-            </a:r>
-            <a:r>
-              <a:rPr lang="en-US" altLang="ja-JP" sz="2800" dirty="0"/>
-              <a:t>, </a:t>
-            </a:r>
-            <a:r>
-              <a:rPr lang="ja-JP" altLang="en-US" sz="2800" dirty="0"/>
-              <a:t>幅</a:t>
-            </a:r>
-            <a:r>
-              <a:rPr lang="en-US" altLang="ja-JP" sz="2800" dirty="0"/>
-              <a:t>, </a:t>
-            </a:r>
-            <a:r>
-              <a:rPr lang="ja-JP" altLang="en-US" sz="2800" dirty="0"/>
-              <a:t>高さ</a:t>
-            </a:r>
-            <a:r>
-              <a:rPr lang="en-US" altLang="ja-JP" sz="2800" dirty="0" smtClean="0"/>
-              <a:t>);</a:t>
-            </a:r>
-          </a:p>
-          <a:p>
-            <a:r>
-              <a:rPr kumimoji="1" lang="ja-JP" altLang="en-US" sz="2800" dirty="0" smtClean="0"/>
-              <a:t>→</a:t>
-            </a:r>
-            <a:r>
-              <a:rPr lang="ja-JP" altLang="en-US" sz="2800" dirty="0"/>
-              <a:t>画像</a:t>
-            </a:r>
-            <a:r>
-              <a:rPr lang="en-US" altLang="ja-JP" sz="2800" dirty="0"/>
-              <a:t>URL</a:t>
-            </a:r>
-            <a:r>
-              <a:rPr lang="ja-JP" altLang="en-US" sz="2800" dirty="0"/>
-              <a:t>を</a:t>
-            </a:r>
-            <a:r>
-              <a:rPr lang="en-US" altLang="ja-JP" sz="2800" dirty="0" err="1"/>
-              <a:t>img</a:t>
-            </a:r>
-            <a:r>
-              <a:rPr lang="ja-JP" altLang="en-US" sz="2800" dirty="0"/>
-              <a:t>に指定して、座標を指定し</a:t>
-            </a:r>
-            <a:r>
-              <a:rPr lang="ja-JP" altLang="en-US" sz="2800" dirty="0" smtClean="0"/>
-              <a:t>呼び　</a:t>
-            </a:r>
-            <a:endParaRPr lang="en-US" altLang="ja-JP" sz="2800" dirty="0" smtClean="0"/>
-          </a:p>
-          <a:p>
-            <a:r>
-              <a:rPr lang="ja-JP" altLang="en-US" sz="2800" dirty="0"/>
-              <a:t>　</a:t>
-            </a:r>
-            <a:r>
-              <a:rPr lang="ja-JP" altLang="en-US" sz="2800" dirty="0" smtClean="0"/>
-              <a:t>出す</a:t>
-            </a:r>
-            <a:r>
-              <a:rPr lang="en-US" altLang="ja-JP" sz="2800" dirty="0"/>
-              <a:t>※</a:t>
-            </a:r>
-            <a:r>
-              <a:rPr lang="ja-JP" altLang="en-US" sz="2800" dirty="0"/>
-              <a:t>事前に</a:t>
-            </a:r>
-            <a:r>
-              <a:rPr lang="en-US" altLang="ja-JP" sz="2800" dirty="0"/>
-              <a:t>Image</a:t>
-            </a:r>
-            <a:r>
-              <a:rPr lang="ja-JP" altLang="en-US" sz="2800" dirty="0"/>
-              <a:t>オブジェクトを生成する</a:t>
-            </a:r>
-            <a:endParaRPr lang="en-US" altLang="ja-JP" sz="2800" dirty="0" smtClean="0"/>
+              <a:t>外部</a:t>
+            </a:r>
+            <a:r>
+              <a:rPr lang="ja-JP" altLang="en-US" sz="2400" dirty="0" smtClean="0"/>
+              <a:t>ソフトで修正</a:t>
+            </a:r>
+            <a:endParaRPr kumimoji="1" lang="ja-JP" altLang="en-US" sz="2400" dirty="0"/>
           </a:p>
         </p:txBody>
       </p:sp>
     </p:spTree>
     <p:extLst>
       <p:ext uri="{BB962C8B-B14F-4D97-AF65-F5344CB8AC3E}">
-        <p14:creationId xmlns:p14="http://schemas.microsoft.com/office/powerpoint/2010/main" val="3750708866"/>
+        <p14:creationId xmlns:p14="http://schemas.microsoft.com/office/powerpoint/2010/main" val="4016406883"/>
       </p:ext>
     </p:extLst>
   </p:cSld>
@@ -6524,6 +5695,9 @@
                     <p:cTn id="3" fill="hold">
                       <p:stCondLst>
                         <p:cond delay="indefinite"/>
+                        <p:cond evt="onBegin" delay="0">
+                          <p:tn val="2"/>
+                        </p:cond>
                       </p:stCondLst>
                       <p:childTnLst>
                         <p:par>
@@ -6533,74 +5707,239 @@
                             </p:stCondLst>
                             <p:childTnLst>
                               <p:par>
-                                <p:cTn id="5" presetID="42" presetClass="exit" presetSubtype="0" fill="hold" grpId="0" nodeType="clickEffect">
+                                <p:cTn id="5" presetID="10" presetClass="entr" presetSubtype="0" fill="hold" grpId="0" nodeType="withEffect">
                                   <p:stCondLst>
                                     <p:cond delay="0"/>
                                   </p:stCondLst>
                                   <p:childTnLst>
-                                    <p:animEffect transition="out" filter="fade">
+                                    <p:set>
                                       <p:cBhvr>
-                                        <p:cTn id="6" dur="1000"/>
+                                        <p:cTn id="6" dur="1" fill="hold">
+                                          <p:stCondLst>
+                                            <p:cond delay="0"/>
+                                          </p:stCondLst>
+                                        </p:cTn>
                                         <p:tgtEl>
-                                          <p:spTgt spid="6"/>
+                                          <p:spTgt spid="25"/>
+                                        </p:tgtEl>
+                                        <p:attrNameLst>
+                                          <p:attrName>style.visibility</p:attrName>
+                                        </p:attrNameLst>
+                                      </p:cBhvr>
+                                      <p:to>
+                                        <p:strVal val="visible"/>
+                                      </p:to>
+                                    </p:set>
+                                    <p:animEffect transition="in" filter="fade">
+                                      <p:cBhvr>
+                                        <p:cTn id="7" dur="500"/>
+                                        <p:tgtEl>
+                                          <p:spTgt spid="25"/>
                                         </p:tgtEl>
                                       </p:cBhvr>
                                     </p:animEffect>
-                                    <p:anim calcmode="lin" valueType="num">
-                                      <p:cBhvr>
-                                        <p:cTn id="7" dur="1000"/>
-                                        <p:tgtEl>
-                                          <p:spTgt spid="6"/>
-                                        </p:tgtEl>
-                                        <p:attrNameLst>
-                                          <p:attrName>ppt_x</p:attrName>
-                                        </p:attrNameLst>
-                                      </p:cBhvr>
-                                      <p:tavLst>
-                                        <p:tav tm="0">
-                                          <p:val>
-                                            <p:strVal val="ppt_x"/>
-                                          </p:val>
-                                        </p:tav>
-                                        <p:tav tm="100000">
-                                          <p:val>
-                                            <p:strVal val="ppt_x"/>
-                                          </p:val>
-                                        </p:tav>
-                                      </p:tavLst>
-                                    </p:anim>
-                                    <p:anim calcmode="lin" valueType="num">
-                                      <p:cBhvr>
-                                        <p:cTn id="8" dur="1000"/>
-                                        <p:tgtEl>
-                                          <p:spTgt spid="6"/>
-                                        </p:tgtEl>
-                                        <p:attrNameLst>
-                                          <p:attrName>ppt_y</p:attrName>
-                                        </p:attrNameLst>
-                                      </p:cBhvr>
-                                      <p:tavLst>
-                                        <p:tav tm="0">
-                                          <p:val>
-                                            <p:strVal val="ppt_y"/>
-                                          </p:val>
-                                        </p:tav>
-                                        <p:tav tm="100000">
-                                          <p:val>
-                                            <p:strVal val="ppt_y+.1"/>
-                                          </p:val>
-                                        </p:tav>
-                                      </p:tavLst>
-                                    </p:anim>
+                                  </p:childTnLst>
+                                </p:cTn>
+                              </p:par>
+                              <p:par>
+                                <p:cTn id="8" presetID="10" presetClass="entr" presetSubtype="0" fill="hold" nodeType="withEffect">
+                                  <p:stCondLst>
+                                    <p:cond delay="0"/>
+                                  </p:stCondLst>
+                                  <p:childTnLst>
                                     <p:set>
                                       <p:cBhvr>
                                         <p:cTn id="9" dur="1" fill="hold">
                                           <p:stCondLst>
-                                            <p:cond delay="999"/>
+                                            <p:cond delay="0"/>
                                           </p:stCondLst>
                                         </p:cTn>
                                         <p:tgtEl>
-                                          <p:spTgt spid="6"/>
+                                          <p:spTgt spid="28"/>
+                                        </p:tgtEl>
+                                        <p:attrNameLst>
+                                          <p:attrName>style.visibility</p:attrName>
+                                        </p:attrNameLst>
+                                      </p:cBhvr>
+                                      <p:to>
+                                        <p:strVal val="visible"/>
+                                      </p:to>
+                                    </p:set>
+                                    <p:animEffect transition="in" filter="fade">
+                                      <p:cBhvr>
+                                        <p:cTn id="10" dur="500"/>
+                                        <p:tgtEl>
+                                          <p:spTgt spid="28"/>
+                                        </p:tgtEl>
+                                      </p:cBhvr>
+                                    </p:animEffect>
+                                  </p:childTnLst>
+                                </p:cTn>
+                              </p:par>
+                            </p:childTnLst>
+                          </p:cTn>
+                        </p:par>
+                      </p:childTnLst>
+                    </p:cTn>
+                  </p:par>
+                  <p:par>
+                    <p:cTn id="11" fill="hold">
+                      <p:stCondLst>
+                        <p:cond delay="indefinite"/>
+                      </p:stCondLst>
+                      <p:childTnLst>
+                        <p:par>
+                          <p:cTn id="12" fill="hold">
+                            <p:stCondLst>
+                              <p:cond delay="0"/>
+                            </p:stCondLst>
+                            <p:childTnLst>
+                              <p:par>
+                                <p:cTn id="13" presetID="10" presetClass="entr" presetSubtype="0" fill="hold" grpId="0" nodeType="clickEffect">
+                                  <p:stCondLst>
+                                    <p:cond delay="0"/>
+                                  </p:stCondLst>
+                                  <p:childTnLst>
+                                    <p:set>
+                                      <p:cBhvr>
+                                        <p:cTn id="14" dur="1" fill="hold">
+                                          <p:stCondLst>
+                                            <p:cond delay="0"/>
+                                          </p:stCondLst>
+                                        </p:cTn>
+                                        <p:tgtEl>
+                                          <p:spTgt spid="24"/>
+                                        </p:tgtEl>
+                                        <p:attrNameLst>
+                                          <p:attrName>style.visibility</p:attrName>
+                                        </p:attrNameLst>
+                                      </p:cBhvr>
+                                      <p:to>
+                                        <p:strVal val="visible"/>
+                                      </p:to>
+                                    </p:set>
+                                    <p:animEffect transition="in" filter="fade">
+                                      <p:cBhvr>
+                                        <p:cTn id="15" dur="500"/>
+                                        <p:tgtEl>
+                                          <p:spTgt spid="24"/>
+                                        </p:tgtEl>
+                                      </p:cBhvr>
+                                    </p:animEffect>
+                                  </p:childTnLst>
+                                </p:cTn>
+                              </p:par>
+                              <p:par>
+                                <p:cTn id="16" presetID="10" presetClass="entr" presetSubtype="0" fill="hold" grpId="0" nodeType="withEffect">
+                                  <p:stCondLst>
+                                    <p:cond delay="0"/>
+                                  </p:stCondLst>
+                                  <p:childTnLst>
+                                    <p:set>
+                                      <p:cBhvr>
+                                        <p:cTn id="17" dur="1" fill="hold">
+                                          <p:stCondLst>
+                                            <p:cond delay="0"/>
+                                          </p:stCondLst>
+                                        </p:cTn>
+                                        <p:tgtEl>
+                                          <p:spTgt spid="26"/>
+                                        </p:tgtEl>
+                                        <p:attrNameLst>
+                                          <p:attrName>style.visibility</p:attrName>
+                                        </p:attrNameLst>
+                                      </p:cBhvr>
+                                      <p:to>
+                                        <p:strVal val="visible"/>
+                                      </p:to>
+                                    </p:set>
+                                    <p:animEffect transition="in" filter="fade">
+                                      <p:cBhvr>
+                                        <p:cTn id="18" dur="500"/>
+                                        <p:tgtEl>
+                                          <p:spTgt spid="26"/>
+                                        </p:tgtEl>
+                                      </p:cBhvr>
+                                    </p:animEffect>
+                                  </p:childTnLst>
+                                </p:cTn>
+                              </p:par>
+                              <p:par>
+                                <p:cTn id="19" presetID="10" presetClass="entr" presetSubtype="0" fill="hold" nodeType="withEffect">
+                                  <p:stCondLst>
+                                    <p:cond delay="0"/>
+                                  </p:stCondLst>
+                                  <p:childTnLst>
+                                    <p:set>
+                                      <p:cBhvr>
+                                        <p:cTn id="20" dur="1" fill="hold">
+                                          <p:stCondLst>
+                                            <p:cond delay="0"/>
+                                          </p:stCondLst>
+                                        </p:cTn>
+                                        <p:tgtEl>
+                                          <p:spTgt spid="20"/>
+                                        </p:tgtEl>
+                                        <p:attrNameLst>
+                                          <p:attrName>style.visibility</p:attrName>
+                                        </p:attrNameLst>
+                                      </p:cBhvr>
+                                      <p:to>
+                                        <p:strVal val="visible"/>
+                                      </p:to>
+                                    </p:set>
+                                    <p:animEffect transition="in" filter="fade">
+                                      <p:cBhvr>
+                                        <p:cTn id="21" dur="500"/>
+                                        <p:tgtEl>
+                                          <p:spTgt spid="20"/>
+                                        </p:tgtEl>
+                                      </p:cBhvr>
+                                    </p:animEffect>
+                                  </p:childTnLst>
+                                </p:cTn>
+                              </p:par>
+                            </p:childTnLst>
+                          </p:cTn>
+                        </p:par>
+                      </p:childTnLst>
+                    </p:cTn>
+                  </p:par>
+                  <p:par>
+                    <p:cTn id="22" fill="hold">
+                      <p:stCondLst>
+                        <p:cond delay="indefinite"/>
+                      </p:stCondLst>
+                      <p:childTnLst>
+                        <p:par>
+                          <p:cTn id="23" fill="hold">
+                            <p:stCondLst>
+                              <p:cond delay="0"/>
+                            </p:stCondLst>
+                            <p:childTnLst>
+                              <p:par>
+                                <p:cTn id="24" presetID="22" presetClass="exit" presetSubtype="4" fill="hold" grpId="1" nodeType="clickEffect">
+                                  <p:stCondLst>
+                                    <p:cond delay="0"/>
+                                  </p:stCondLst>
+                                  <p:childTnLst>
+                                    <p:animEffect transition="out" filter="wipe(down)">
+                                      <p:cBhvr>
+                                        <p:cTn id="25" dur="500"/>
+                                        <p:tgtEl>
+                                          <p:spTgt spid="25"/>
+                                        </p:tgtEl>
+                                      </p:cBhvr>
+                                    </p:animEffect>
+                                    <p:set>
+                                      <p:cBhvr>
+                                        <p:cTn id="26" dur="1" fill="hold">
+                                          <p:stCondLst>
+                                            <p:cond delay="499"/>
+                                          </p:stCondLst>
+                                        </p:cTn>
+                                        <p:tgtEl>
+                                          <p:spTgt spid="25"/>
                                         </p:tgtEl>
                                         <p:attrNameLst>
                                           <p:attrName>style.visibility</p:attrName>
@@ -6614,74 +5953,28 @@
                                 </p:cTn>
                               </p:par>
                               <p:par>
-                                <p:cTn id="10" presetID="42" presetClass="exit" presetSubtype="0" fill="hold" grpId="0" nodeType="withEffect">
+                                <p:cTn id="27" presetID="22" presetClass="exit" presetSubtype="4" fill="hold" nodeType="withEffect">
                                   <p:stCondLst>
                                     <p:cond delay="0"/>
                                   </p:stCondLst>
                                   <p:childTnLst>
-                                    <p:animEffect transition="out" filter="fade">
+                                    <p:animEffect transition="out" filter="wipe(down)">
                                       <p:cBhvr>
-                                        <p:cTn id="11" dur="1000"/>
+                                        <p:cTn id="28" dur="500"/>
                                         <p:tgtEl>
-                                          <p:spTgt spid="5"/>
+                                          <p:spTgt spid="28"/>
                                         </p:tgtEl>
                                       </p:cBhvr>
                                     </p:animEffect>
-                                    <p:anim calcmode="lin" valueType="num">
-                                      <p:cBhvr>
-                                        <p:cTn id="12" dur="1000"/>
-                                        <p:tgtEl>
-                                          <p:spTgt spid="5"/>
-                                        </p:tgtEl>
-                                        <p:attrNameLst>
-                                          <p:attrName>ppt_x</p:attrName>
-                                        </p:attrNameLst>
-                                      </p:cBhvr>
-                                      <p:tavLst>
-                                        <p:tav tm="0">
-                                          <p:val>
-                                            <p:strVal val="ppt_x"/>
-                                          </p:val>
-                                        </p:tav>
-                                        <p:tav tm="100000">
-                                          <p:val>
-                                            <p:strVal val="ppt_x"/>
-                                          </p:val>
-                                        </p:tav>
-                                      </p:tavLst>
-                                    </p:anim>
-                                    <p:anim calcmode="lin" valueType="num">
-                                      <p:cBhvr>
-                                        <p:cTn id="13" dur="1000"/>
-                                        <p:tgtEl>
-                                          <p:spTgt spid="5"/>
-                                        </p:tgtEl>
-                                        <p:attrNameLst>
-                                          <p:attrName>ppt_y</p:attrName>
-                                        </p:attrNameLst>
-                                      </p:cBhvr>
-                                      <p:tavLst>
-                                        <p:tav tm="0">
-                                          <p:val>
-                                            <p:strVal val="ppt_y"/>
-                                          </p:val>
-                                        </p:tav>
-                                        <p:tav tm="100000">
-                                          <p:val>
-                                            <p:strVal val="ppt_y+.1"/>
-                                          </p:val>
-                                        </p:tav>
-                                      </p:tavLst>
-                                    </p:anim>
                                     <p:set>
                                       <p:cBhvr>
-                                        <p:cTn id="14" dur="1" fill="hold">
+                                        <p:cTn id="29" dur="1" fill="hold">
                                           <p:stCondLst>
-                                            <p:cond delay="999"/>
+                                            <p:cond delay="499"/>
                                           </p:stCondLst>
                                         </p:cTn>
                                         <p:tgtEl>
-                                          <p:spTgt spid="5"/>
+                                          <p:spTgt spid="28"/>
                                         </p:tgtEl>
                                         <p:attrNameLst>
                                           <p:attrName>style.visibility</p:attrName>
@@ -6701,32 +5994,32 @@
                     </p:cTn>
                   </p:par>
                   <p:par>
-                    <p:cTn id="15" fill="hold">
+                    <p:cTn id="30" fill="hold">
                       <p:stCondLst>
                         <p:cond delay="indefinite"/>
                       </p:stCondLst>
                       <p:childTnLst>
                         <p:par>
-                          <p:cTn id="16" fill="hold">
+                          <p:cTn id="31" fill="hold">
                             <p:stCondLst>
                               <p:cond delay="0"/>
                             </p:stCondLst>
                             <p:childTnLst>
                               <p:par>
-                                <p:cTn id="17" presetID="2" presetClass="entr" presetSubtype="4" fill="hold" grpId="1" nodeType="clickEffect">
+                                <p:cTn id="32" presetID="10" presetClass="entr" presetSubtype="0" fill="hold" nodeType="clickEffect">
                                   <p:stCondLst>
                                     <p:cond delay="0"/>
                                   </p:stCondLst>
                                   <p:childTnLst>
                                     <p:set>
                                       <p:cBhvr>
-                                        <p:cTn id="18" dur="1" fill="hold">
+                                        <p:cTn id="33" dur="1" fill="hold">
                                           <p:stCondLst>
                                             <p:cond delay="0"/>
                                           </p:stCondLst>
                                         </p:cTn>
                                         <p:tgtEl>
-                                          <p:spTgt spid="8"/>
+                                          <p:spTgt spid="29"/>
                                         </p:tgtEl>
                                         <p:attrNameLst>
                                           <p:attrName>style.visibility</p:attrName>
@@ -6736,70 +6029,32 @@
                                         <p:strVal val="visible"/>
                                       </p:to>
                                     </p:set>
-                                    <p:anim calcmode="lin" valueType="num">
-                                      <p:cBhvr additive="base">
-                                        <p:cTn id="19" dur="500" fill="hold"/>
+                                    <p:animEffect transition="in" filter="fade">
+                                      <p:cBhvr>
+                                        <p:cTn id="34" dur="500"/>
                                         <p:tgtEl>
-                                          <p:spTgt spid="8"/>
+                                          <p:spTgt spid="29"/>
                                         </p:tgtEl>
-                                        <p:attrNameLst>
-                                          <p:attrName>ppt_x</p:attrName>
-                                        </p:attrNameLst>
                                       </p:cBhvr>
-                                      <p:tavLst>
-                                        <p:tav tm="0">
-                                          <p:val>
-                                            <p:strVal val="#ppt_x"/>
-                                          </p:val>
-                                        </p:tav>
-                                        <p:tav tm="100000">
-                                          <p:val>
-                                            <p:strVal val="#ppt_x"/>
-                                          </p:val>
-                                        </p:tav>
-                                      </p:tavLst>
-                                    </p:anim>
-                                    <p:anim calcmode="lin" valueType="num">
-                                      <p:cBhvr additive="base">
-                                        <p:cTn id="20" dur="500" fill="hold"/>
-                                        <p:tgtEl>
-                                          <p:spTgt spid="8"/>
-                                        </p:tgtEl>
-                                        <p:attrNameLst>
-                                          <p:attrName>ppt_y</p:attrName>
-                                        </p:attrNameLst>
-                                      </p:cBhvr>
-                                      <p:tavLst>
-                                        <p:tav tm="0">
-                                          <p:val>
-                                            <p:strVal val="1+#ppt_h/2"/>
-                                          </p:val>
-                                        </p:tav>
-                                        <p:tav tm="100000">
-                                          <p:val>
-                                            <p:strVal val="#ppt_y"/>
-                                          </p:val>
-                                        </p:tav>
-                                      </p:tavLst>
-                                    </p:anim>
+                                    </p:animEffect>
                                   </p:childTnLst>
                                 </p:cTn>
                               </p:par>
                               <p:par>
-                                <p:cTn id="21" presetID="2" presetClass="entr" presetSubtype="4" fill="hold" grpId="1" nodeType="withEffect">
+                                <p:cTn id="35" presetID="10" presetClass="entr" presetSubtype="0" fill="hold" grpId="0" nodeType="withEffect">
                                   <p:stCondLst>
                                     <p:cond delay="0"/>
                                   </p:stCondLst>
                                   <p:childTnLst>
                                     <p:set>
                                       <p:cBhvr>
-                                        <p:cTn id="22" dur="1" fill="hold">
+                                        <p:cTn id="36" dur="1" fill="hold">
                                           <p:stCondLst>
                                             <p:cond delay="0"/>
                                           </p:stCondLst>
                                         </p:cTn>
                                         <p:tgtEl>
-                                          <p:spTgt spid="9"/>
+                                          <p:spTgt spid="31"/>
                                         </p:tgtEl>
                                         <p:attrNameLst>
                                           <p:attrName>style.visibility</p:attrName>
@@ -6809,52 +6064,14 @@
                                         <p:strVal val="visible"/>
                                       </p:to>
                                     </p:set>
-                                    <p:anim calcmode="lin" valueType="num">
-                                      <p:cBhvr additive="base">
-                                        <p:cTn id="23" dur="500" fill="hold"/>
+                                    <p:animEffect transition="in" filter="fade">
+                                      <p:cBhvr>
+                                        <p:cTn id="37" dur="500"/>
                                         <p:tgtEl>
-                                          <p:spTgt spid="9"/>
+                                          <p:spTgt spid="31"/>
                                         </p:tgtEl>
-                                        <p:attrNameLst>
-                                          <p:attrName>ppt_x</p:attrName>
-                                        </p:attrNameLst>
                                       </p:cBhvr>
-                                      <p:tavLst>
-                                        <p:tav tm="0">
-                                          <p:val>
-                                            <p:strVal val="#ppt_x"/>
-                                          </p:val>
-                                        </p:tav>
-                                        <p:tav tm="100000">
-                                          <p:val>
-                                            <p:strVal val="#ppt_x"/>
-                                          </p:val>
-                                        </p:tav>
-                                      </p:tavLst>
-                                    </p:anim>
-                                    <p:anim calcmode="lin" valueType="num">
-                                      <p:cBhvr additive="base">
-                                        <p:cTn id="24" dur="500" fill="hold"/>
-                                        <p:tgtEl>
-                                          <p:spTgt spid="9"/>
-                                        </p:tgtEl>
-                                        <p:attrNameLst>
-                                          <p:attrName>ppt_y</p:attrName>
-                                        </p:attrNameLst>
-                                      </p:cBhvr>
-                                      <p:tavLst>
-                                        <p:tav tm="0">
-                                          <p:val>
-                                            <p:strVal val="1+#ppt_h/2"/>
-                                          </p:val>
-                                        </p:tav>
-                                        <p:tav tm="100000">
-                                          <p:val>
-                                            <p:strVal val="#ppt_y"/>
-                                          </p:val>
-                                        </p:tav>
-                                      </p:tavLst>
-                                    </p:anim>
+                                    </p:animEffect>
                                   </p:childTnLst>
                                 </p:cTn>
                               </p:par>
@@ -6865,212 +6082,32 @@
                     </p:cTn>
                   </p:par>
                   <p:par>
-                    <p:cTn id="25" fill="hold">
+                    <p:cTn id="38" fill="hold">
                       <p:stCondLst>
                         <p:cond delay="indefinite"/>
                       </p:stCondLst>
                       <p:childTnLst>
                         <p:par>
-                          <p:cTn id="26" fill="hold">
+                          <p:cTn id="39" fill="hold">
                             <p:stCondLst>
                               <p:cond delay="0"/>
                             </p:stCondLst>
                             <p:childTnLst>
                               <p:par>
-                                <p:cTn id="27" presetID="42" presetClass="exit" presetSubtype="0" fill="hold" grpId="2" nodeType="clickEffect">
-                                  <p:stCondLst>
-                                    <p:cond delay="0"/>
-                                  </p:stCondLst>
-                                  <p:childTnLst>
-                                    <p:animEffect transition="out" filter="fade">
-                                      <p:cBhvr>
-                                        <p:cTn id="28" dur="1000"/>
-                                        <p:tgtEl>
-                                          <p:spTgt spid="8"/>
-                                        </p:tgtEl>
-                                      </p:cBhvr>
-                                    </p:animEffect>
-                                    <p:anim calcmode="lin" valueType="num">
-                                      <p:cBhvr>
-                                        <p:cTn id="29" dur="1000"/>
-                                        <p:tgtEl>
-                                          <p:spTgt spid="8"/>
-                                        </p:tgtEl>
-                                        <p:attrNameLst>
-                                          <p:attrName>ppt_x</p:attrName>
-                                        </p:attrNameLst>
-                                      </p:cBhvr>
-                                      <p:tavLst>
-                                        <p:tav tm="0">
-                                          <p:val>
-                                            <p:strVal val="ppt_x"/>
-                                          </p:val>
-                                        </p:tav>
-                                        <p:tav tm="100000">
-                                          <p:val>
-                                            <p:strVal val="ppt_x"/>
-                                          </p:val>
-                                        </p:tav>
-                                      </p:tavLst>
-                                    </p:anim>
-                                    <p:anim calcmode="lin" valueType="num">
-                                      <p:cBhvr>
-                                        <p:cTn id="30" dur="1000"/>
-                                        <p:tgtEl>
-                                          <p:spTgt spid="8"/>
-                                        </p:tgtEl>
-                                        <p:attrNameLst>
-                                          <p:attrName>ppt_y</p:attrName>
-                                        </p:attrNameLst>
-                                      </p:cBhvr>
-                                      <p:tavLst>
-                                        <p:tav tm="0">
-                                          <p:val>
-                                            <p:strVal val="ppt_y"/>
-                                          </p:val>
-                                        </p:tav>
-                                        <p:tav tm="100000">
-                                          <p:val>
-                                            <p:strVal val="ppt_y+.1"/>
-                                          </p:val>
-                                        </p:tav>
-                                      </p:tavLst>
-                                    </p:anim>
-                                    <p:set>
-                                      <p:cBhvr>
-                                        <p:cTn id="31" dur="1" fill="hold">
-                                          <p:stCondLst>
-                                            <p:cond delay="999"/>
-                                          </p:stCondLst>
-                                        </p:cTn>
-                                        <p:tgtEl>
-                                          <p:spTgt spid="8"/>
-                                        </p:tgtEl>
-                                        <p:attrNameLst>
-                                          <p:attrName>style.visibility</p:attrName>
-                                        </p:attrNameLst>
-                                      </p:cBhvr>
-                                      <p:to>
-                                        <p:strVal val="hidden"/>
-                                      </p:to>
-                                    </p:set>
-                                  </p:childTnLst>
-                                </p:cTn>
-                              </p:par>
-                              <p:par>
-                                <p:cTn id="32" presetID="42" presetClass="exit" presetSubtype="0" fill="hold" grpId="2" nodeType="withEffect">
-                                  <p:stCondLst>
-                                    <p:cond delay="0"/>
-                                  </p:stCondLst>
-                                  <p:childTnLst>
-                                    <p:animEffect transition="out" filter="fade">
-                                      <p:cBhvr>
-                                        <p:cTn id="33" dur="1000"/>
-                                        <p:tgtEl>
-                                          <p:spTgt spid="9"/>
-                                        </p:tgtEl>
-                                      </p:cBhvr>
-                                    </p:animEffect>
-                                    <p:anim calcmode="lin" valueType="num">
-                                      <p:cBhvr>
-                                        <p:cTn id="34" dur="1000"/>
-                                        <p:tgtEl>
-                                          <p:spTgt spid="9"/>
-                                        </p:tgtEl>
-                                        <p:attrNameLst>
-                                          <p:attrName>ppt_x</p:attrName>
-                                        </p:attrNameLst>
-                                      </p:cBhvr>
-                                      <p:tavLst>
-                                        <p:tav tm="0">
-                                          <p:val>
-                                            <p:strVal val="ppt_x"/>
-                                          </p:val>
-                                        </p:tav>
-                                        <p:tav tm="100000">
-                                          <p:val>
-                                            <p:strVal val="ppt_x"/>
-                                          </p:val>
-                                        </p:tav>
-                                      </p:tavLst>
-                                    </p:anim>
-                                    <p:anim calcmode="lin" valueType="num">
-                                      <p:cBhvr>
-                                        <p:cTn id="35" dur="1000"/>
-                                        <p:tgtEl>
-                                          <p:spTgt spid="9"/>
-                                        </p:tgtEl>
-                                        <p:attrNameLst>
-                                          <p:attrName>ppt_y</p:attrName>
-                                        </p:attrNameLst>
-                                      </p:cBhvr>
-                                      <p:tavLst>
-                                        <p:tav tm="0">
-                                          <p:val>
-                                            <p:strVal val="ppt_y"/>
-                                          </p:val>
-                                        </p:tav>
-                                        <p:tav tm="100000">
-                                          <p:val>
-                                            <p:strVal val="ppt_y+.1"/>
-                                          </p:val>
-                                        </p:tav>
-                                      </p:tavLst>
-                                    </p:anim>
-                                    <p:set>
-                                      <p:cBhvr>
-                                        <p:cTn id="36" dur="1" fill="hold">
-                                          <p:stCondLst>
-                                            <p:cond delay="999"/>
-                                          </p:stCondLst>
-                                        </p:cTn>
-                                        <p:tgtEl>
-                                          <p:spTgt spid="9"/>
-                                        </p:tgtEl>
-                                        <p:attrNameLst>
-                                          <p:attrName>style.visibility</p:attrName>
-                                        </p:attrNameLst>
-                                      </p:cBhvr>
-                                      <p:to>
-                                        <p:strVal val="hidden"/>
-                                      </p:to>
-                                    </p:set>
-                                  </p:childTnLst>
-                                </p:cTn>
-                              </p:par>
-                            </p:childTnLst>
-                          </p:cTn>
-                        </p:par>
-                      </p:childTnLst>
-                    </p:cTn>
-                  </p:par>
-                  <p:par>
-                    <p:cTn id="37" fill="hold">
-                      <p:stCondLst>
-                        <p:cond delay="indefinite"/>
-                      </p:stCondLst>
-                      <p:childTnLst>
-                        <p:par>
-                          <p:cTn id="38" fill="hold">
-                            <p:stCondLst>
-                              <p:cond delay="0"/>
-                            </p:stCondLst>
-                            <p:childTnLst>
-                              <p:par>
-                                <p:cTn id="39" presetID="2" presetClass="entr" presetSubtype="4" fill="hold" grpId="0" nodeType="clickEffect">
+                                <p:cTn id="40" presetID="10" presetClass="entr" presetSubtype="0" fill="hold" nodeType="clickEffect">
                                   <p:stCondLst>
                                     <p:cond delay="0"/>
                                   </p:stCondLst>
                                   <p:childTnLst>
                                     <p:set>
                                       <p:cBhvr>
-                                        <p:cTn id="40" dur="1" fill="hold">
+                                        <p:cTn id="41" dur="1" fill="hold">
                                           <p:stCondLst>
                                             <p:cond delay="0"/>
                                           </p:stCondLst>
                                         </p:cTn>
                                         <p:tgtEl>
-                                          <p:spTgt spid="10"/>
+                                          <p:spTgt spid="30"/>
                                         </p:tgtEl>
                                         <p:attrNameLst>
                                           <p:attrName>style.visibility</p:attrName>
@@ -7080,469 +6117,14 @@
                                         <p:strVal val="visible"/>
                                       </p:to>
                                     </p:set>
-                                    <p:anim calcmode="lin" valueType="num">
-                                      <p:cBhvr additive="base">
-                                        <p:cTn id="41" dur="500" fill="hold"/>
+                                    <p:animEffect transition="in" filter="fade">
+                                      <p:cBhvr>
+                                        <p:cTn id="42" dur="500"/>
                                         <p:tgtEl>
-                                          <p:spTgt spid="10"/>
-                                        </p:tgtEl>
-                                        <p:attrNameLst>
-                                          <p:attrName>ppt_x</p:attrName>
-                                        </p:attrNameLst>
-                                      </p:cBhvr>
-                                      <p:tavLst>
-                                        <p:tav tm="0">
-                                          <p:val>
-                                            <p:strVal val="#ppt_x"/>
-                                          </p:val>
-                                        </p:tav>
-                                        <p:tav tm="100000">
-                                          <p:val>
-                                            <p:strVal val="#ppt_x"/>
-                                          </p:val>
-                                        </p:tav>
-                                      </p:tavLst>
-                                    </p:anim>
-                                    <p:anim calcmode="lin" valueType="num">
-                                      <p:cBhvr additive="base">
-                                        <p:cTn id="42" dur="500" fill="hold"/>
-                                        <p:tgtEl>
-                                          <p:spTgt spid="10"/>
-                                        </p:tgtEl>
-                                        <p:attrNameLst>
-                                          <p:attrName>ppt_y</p:attrName>
-                                        </p:attrNameLst>
-                                      </p:cBhvr>
-                                      <p:tavLst>
-                                        <p:tav tm="0">
-                                          <p:val>
-                                            <p:strVal val="1+#ppt_h/2"/>
-                                          </p:val>
-                                        </p:tav>
-                                        <p:tav tm="100000">
-                                          <p:val>
-                                            <p:strVal val="#ppt_y"/>
-                                          </p:val>
-                                        </p:tav>
-                                      </p:tavLst>
-                                    </p:anim>
-                                  </p:childTnLst>
-                                </p:cTn>
-                              </p:par>
-                              <p:par>
-                                <p:cTn id="43" presetID="2" presetClass="entr" presetSubtype="4" fill="hold" grpId="0" nodeType="withEffect">
-                                  <p:stCondLst>
-                                    <p:cond delay="0"/>
-                                  </p:stCondLst>
-                                  <p:childTnLst>
-                                    <p:set>
-                                      <p:cBhvr>
-                                        <p:cTn id="44" dur="1" fill="hold">
-                                          <p:stCondLst>
-                                            <p:cond delay="0"/>
-                                          </p:stCondLst>
-                                        </p:cTn>
-                                        <p:tgtEl>
-                                          <p:spTgt spid="11"/>
-                                        </p:tgtEl>
-                                        <p:attrNameLst>
-                                          <p:attrName>style.visibility</p:attrName>
-                                        </p:attrNameLst>
-                                      </p:cBhvr>
-                                      <p:to>
-                                        <p:strVal val="visible"/>
-                                      </p:to>
-                                    </p:set>
-                                    <p:anim calcmode="lin" valueType="num">
-                                      <p:cBhvr additive="base">
-                                        <p:cTn id="45" dur="500" fill="hold"/>
-                                        <p:tgtEl>
-                                          <p:spTgt spid="11"/>
-                                        </p:tgtEl>
-                                        <p:attrNameLst>
-                                          <p:attrName>ppt_x</p:attrName>
-                                        </p:attrNameLst>
-                                      </p:cBhvr>
-                                      <p:tavLst>
-                                        <p:tav tm="0">
-                                          <p:val>
-                                            <p:strVal val="#ppt_x"/>
-                                          </p:val>
-                                        </p:tav>
-                                        <p:tav tm="100000">
-                                          <p:val>
-                                            <p:strVal val="#ppt_x"/>
-                                          </p:val>
-                                        </p:tav>
-                                      </p:tavLst>
-                                    </p:anim>
-                                    <p:anim calcmode="lin" valueType="num">
-                                      <p:cBhvr additive="base">
-                                        <p:cTn id="46" dur="500" fill="hold"/>
-                                        <p:tgtEl>
-                                          <p:spTgt spid="11"/>
-                                        </p:tgtEl>
-                                        <p:attrNameLst>
-                                          <p:attrName>ppt_y</p:attrName>
-                                        </p:attrNameLst>
-                                      </p:cBhvr>
-                                      <p:tavLst>
-                                        <p:tav tm="0">
-                                          <p:val>
-                                            <p:strVal val="1+#ppt_h/2"/>
-                                          </p:val>
-                                        </p:tav>
-                                        <p:tav tm="100000">
-                                          <p:val>
-                                            <p:strVal val="#ppt_y"/>
-                                          </p:val>
-                                        </p:tav>
-                                      </p:tavLst>
-                                    </p:anim>
-                                  </p:childTnLst>
-                                </p:cTn>
-                              </p:par>
-                            </p:childTnLst>
-                          </p:cTn>
-                        </p:par>
-                      </p:childTnLst>
-                    </p:cTn>
-                  </p:par>
-                  <p:par>
-                    <p:cTn id="47" fill="hold">
-                      <p:stCondLst>
-                        <p:cond delay="indefinite"/>
-                      </p:stCondLst>
-                      <p:childTnLst>
-                        <p:par>
-                          <p:cTn id="48" fill="hold">
-                            <p:stCondLst>
-                              <p:cond delay="0"/>
-                            </p:stCondLst>
-                            <p:childTnLst>
-                              <p:par>
-                                <p:cTn id="49" presetID="42" presetClass="exit" presetSubtype="0" fill="hold" grpId="1" nodeType="clickEffect">
-                                  <p:stCondLst>
-                                    <p:cond delay="0"/>
-                                  </p:stCondLst>
-                                  <p:childTnLst>
-                                    <p:animEffect transition="out" filter="fade">
-                                      <p:cBhvr>
-                                        <p:cTn id="50" dur="1000"/>
-                                        <p:tgtEl>
-                                          <p:spTgt spid="10"/>
+                                          <p:spTgt spid="30"/>
                                         </p:tgtEl>
                                       </p:cBhvr>
                                     </p:animEffect>
-                                    <p:anim calcmode="lin" valueType="num">
-                                      <p:cBhvr>
-                                        <p:cTn id="51" dur="1000"/>
-                                        <p:tgtEl>
-                                          <p:spTgt spid="10"/>
-                                        </p:tgtEl>
-                                        <p:attrNameLst>
-                                          <p:attrName>ppt_x</p:attrName>
-                                        </p:attrNameLst>
-                                      </p:cBhvr>
-                                      <p:tavLst>
-                                        <p:tav tm="0">
-                                          <p:val>
-                                            <p:strVal val="ppt_x"/>
-                                          </p:val>
-                                        </p:tav>
-                                        <p:tav tm="100000">
-                                          <p:val>
-                                            <p:strVal val="ppt_x"/>
-                                          </p:val>
-                                        </p:tav>
-                                      </p:tavLst>
-                                    </p:anim>
-                                    <p:anim calcmode="lin" valueType="num">
-                                      <p:cBhvr>
-                                        <p:cTn id="52" dur="1000"/>
-                                        <p:tgtEl>
-                                          <p:spTgt spid="10"/>
-                                        </p:tgtEl>
-                                        <p:attrNameLst>
-                                          <p:attrName>ppt_y</p:attrName>
-                                        </p:attrNameLst>
-                                      </p:cBhvr>
-                                      <p:tavLst>
-                                        <p:tav tm="0">
-                                          <p:val>
-                                            <p:strVal val="ppt_y"/>
-                                          </p:val>
-                                        </p:tav>
-                                        <p:tav tm="100000">
-                                          <p:val>
-                                            <p:strVal val="ppt_y+.1"/>
-                                          </p:val>
-                                        </p:tav>
-                                      </p:tavLst>
-                                    </p:anim>
-                                    <p:set>
-                                      <p:cBhvr>
-                                        <p:cTn id="53" dur="1" fill="hold">
-                                          <p:stCondLst>
-                                            <p:cond delay="999"/>
-                                          </p:stCondLst>
-                                        </p:cTn>
-                                        <p:tgtEl>
-                                          <p:spTgt spid="10"/>
-                                        </p:tgtEl>
-                                        <p:attrNameLst>
-                                          <p:attrName>style.visibility</p:attrName>
-                                        </p:attrNameLst>
-                                      </p:cBhvr>
-                                      <p:to>
-                                        <p:strVal val="hidden"/>
-                                      </p:to>
-                                    </p:set>
-                                  </p:childTnLst>
-                                </p:cTn>
-                              </p:par>
-                              <p:par>
-                                <p:cTn id="54" presetID="42" presetClass="exit" presetSubtype="0" fill="hold" grpId="1" nodeType="withEffect">
-                                  <p:stCondLst>
-                                    <p:cond delay="0"/>
-                                  </p:stCondLst>
-                                  <p:childTnLst>
-                                    <p:animEffect transition="out" filter="fade">
-                                      <p:cBhvr>
-                                        <p:cTn id="55" dur="1000"/>
-                                        <p:tgtEl>
-                                          <p:spTgt spid="11"/>
-                                        </p:tgtEl>
-                                      </p:cBhvr>
-                                    </p:animEffect>
-                                    <p:anim calcmode="lin" valueType="num">
-                                      <p:cBhvr>
-                                        <p:cTn id="56" dur="1000"/>
-                                        <p:tgtEl>
-                                          <p:spTgt spid="11"/>
-                                        </p:tgtEl>
-                                        <p:attrNameLst>
-                                          <p:attrName>ppt_x</p:attrName>
-                                        </p:attrNameLst>
-                                      </p:cBhvr>
-                                      <p:tavLst>
-                                        <p:tav tm="0">
-                                          <p:val>
-                                            <p:strVal val="ppt_x"/>
-                                          </p:val>
-                                        </p:tav>
-                                        <p:tav tm="100000">
-                                          <p:val>
-                                            <p:strVal val="ppt_x"/>
-                                          </p:val>
-                                        </p:tav>
-                                      </p:tavLst>
-                                    </p:anim>
-                                    <p:anim calcmode="lin" valueType="num">
-                                      <p:cBhvr>
-                                        <p:cTn id="57" dur="1000"/>
-                                        <p:tgtEl>
-                                          <p:spTgt spid="11"/>
-                                        </p:tgtEl>
-                                        <p:attrNameLst>
-                                          <p:attrName>ppt_y</p:attrName>
-                                        </p:attrNameLst>
-                                      </p:cBhvr>
-                                      <p:tavLst>
-                                        <p:tav tm="0">
-                                          <p:val>
-                                            <p:strVal val="ppt_y"/>
-                                          </p:val>
-                                        </p:tav>
-                                        <p:tav tm="100000">
-                                          <p:val>
-                                            <p:strVal val="ppt_y+.1"/>
-                                          </p:val>
-                                        </p:tav>
-                                      </p:tavLst>
-                                    </p:anim>
-                                    <p:set>
-                                      <p:cBhvr>
-                                        <p:cTn id="58" dur="1" fill="hold">
-                                          <p:stCondLst>
-                                            <p:cond delay="999"/>
-                                          </p:stCondLst>
-                                        </p:cTn>
-                                        <p:tgtEl>
-                                          <p:spTgt spid="11"/>
-                                        </p:tgtEl>
-                                        <p:attrNameLst>
-                                          <p:attrName>style.visibility</p:attrName>
-                                        </p:attrNameLst>
-                                      </p:cBhvr>
-                                      <p:to>
-                                        <p:strVal val="hidden"/>
-                                      </p:to>
-                                    </p:set>
-                                  </p:childTnLst>
-                                </p:cTn>
-                              </p:par>
-                            </p:childTnLst>
-                          </p:cTn>
-                        </p:par>
-                      </p:childTnLst>
-                    </p:cTn>
-                  </p:par>
-                  <p:par>
-                    <p:cTn id="59" fill="hold">
-                      <p:stCondLst>
-                        <p:cond delay="indefinite"/>
-                      </p:stCondLst>
-                      <p:childTnLst>
-                        <p:par>
-                          <p:cTn id="60" fill="hold">
-                            <p:stCondLst>
-                              <p:cond delay="0"/>
-                            </p:stCondLst>
-                            <p:childTnLst>
-                              <p:par>
-                                <p:cTn id="61" presetID="2" presetClass="entr" presetSubtype="4" fill="hold" grpId="0" nodeType="clickEffect">
-                                  <p:stCondLst>
-                                    <p:cond delay="0"/>
-                                  </p:stCondLst>
-                                  <p:childTnLst>
-                                    <p:set>
-                                      <p:cBhvr>
-                                        <p:cTn id="62" dur="1" fill="hold">
-                                          <p:stCondLst>
-                                            <p:cond delay="0"/>
-                                          </p:stCondLst>
-                                        </p:cTn>
-                                        <p:tgtEl>
-                                          <p:spTgt spid="12"/>
-                                        </p:tgtEl>
-                                        <p:attrNameLst>
-                                          <p:attrName>style.visibility</p:attrName>
-                                        </p:attrNameLst>
-                                      </p:cBhvr>
-                                      <p:to>
-                                        <p:strVal val="visible"/>
-                                      </p:to>
-                                    </p:set>
-                                    <p:anim calcmode="lin" valueType="num">
-                                      <p:cBhvr additive="base">
-                                        <p:cTn id="63" dur="500" fill="hold"/>
-                                        <p:tgtEl>
-                                          <p:spTgt spid="12"/>
-                                        </p:tgtEl>
-                                        <p:attrNameLst>
-                                          <p:attrName>ppt_x</p:attrName>
-                                        </p:attrNameLst>
-                                      </p:cBhvr>
-                                      <p:tavLst>
-                                        <p:tav tm="0">
-                                          <p:val>
-                                            <p:strVal val="#ppt_x"/>
-                                          </p:val>
-                                        </p:tav>
-                                        <p:tav tm="100000">
-                                          <p:val>
-                                            <p:strVal val="#ppt_x"/>
-                                          </p:val>
-                                        </p:tav>
-                                      </p:tavLst>
-                                    </p:anim>
-                                    <p:anim calcmode="lin" valueType="num">
-                                      <p:cBhvr additive="base">
-                                        <p:cTn id="64" dur="500" fill="hold"/>
-                                        <p:tgtEl>
-                                          <p:spTgt spid="12"/>
-                                        </p:tgtEl>
-                                        <p:attrNameLst>
-                                          <p:attrName>ppt_y</p:attrName>
-                                        </p:attrNameLst>
-                                      </p:cBhvr>
-                                      <p:tavLst>
-                                        <p:tav tm="0">
-                                          <p:val>
-                                            <p:strVal val="1+#ppt_h/2"/>
-                                          </p:val>
-                                        </p:tav>
-                                        <p:tav tm="100000">
-                                          <p:val>
-                                            <p:strVal val="#ppt_y"/>
-                                          </p:val>
-                                        </p:tav>
-                                      </p:tavLst>
-                                    </p:anim>
-                                  </p:childTnLst>
-                                </p:cTn>
-                              </p:par>
-                              <p:par>
-                                <p:cTn id="65" presetID="2" presetClass="entr" presetSubtype="4" fill="hold" grpId="0" nodeType="withEffect">
-                                  <p:stCondLst>
-                                    <p:cond delay="0"/>
-                                  </p:stCondLst>
-                                  <p:childTnLst>
-                                    <p:set>
-                                      <p:cBhvr>
-                                        <p:cTn id="66" dur="1" fill="hold">
-                                          <p:stCondLst>
-                                            <p:cond delay="0"/>
-                                          </p:stCondLst>
-                                        </p:cTn>
-                                        <p:tgtEl>
-                                          <p:spTgt spid="13"/>
-                                        </p:tgtEl>
-                                        <p:attrNameLst>
-                                          <p:attrName>style.visibility</p:attrName>
-                                        </p:attrNameLst>
-                                      </p:cBhvr>
-                                      <p:to>
-                                        <p:strVal val="visible"/>
-                                      </p:to>
-                                    </p:set>
-                                    <p:anim calcmode="lin" valueType="num">
-                                      <p:cBhvr additive="base">
-                                        <p:cTn id="67" dur="500" fill="hold"/>
-                                        <p:tgtEl>
-                                          <p:spTgt spid="13"/>
-                                        </p:tgtEl>
-                                        <p:attrNameLst>
-                                          <p:attrName>ppt_x</p:attrName>
-                                        </p:attrNameLst>
-                                      </p:cBhvr>
-                                      <p:tavLst>
-                                        <p:tav tm="0">
-                                          <p:val>
-                                            <p:strVal val="#ppt_x"/>
-                                          </p:val>
-                                        </p:tav>
-                                        <p:tav tm="100000">
-                                          <p:val>
-                                            <p:strVal val="#ppt_x"/>
-                                          </p:val>
-                                        </p:tav>
-                                      </p:tavLst>
-                                    </p:anim>
-                                    <p:anim calcmode="lin" valueType="num">
-                                      <p:cBhvr additive="base">
-                                        <p:cTn id="68" dur="500" fill="hold"/>
-                                        <p:tgtEl>
-                                          <p:spTgt spid="13"/>
-                                        </p:tgtEl>
-                                        <p:attrNameLst>
-                                          <p:attrName>ppt_y</p:attrName>
-                                        </p:attrNameLst>
-                                      </p:cBhvr>
-                                      <p:tavLst>
-                                        <p:tav tm="0">
-                                          <p:val>
-                                            <p:strVal val="1+#ppt_h/2"/>
-                                          </p:val>
-                                        </p:tav>
-                                        <p:tav tm="100000">
-                                          <p:val>
-                                            <p:strVal val="#ppt_y"/>
-                                          </p:val>
-                                        </p:tav>
-                                      </p:tavLst>
-                                    </p:anim>
                                   </p:childTnLst>
                                 </p:cTn>
                               </p:par>
@@ -7574,24 +6156,1184 @@
       </p:par>
     </p:tnLst>
     <p:bldLst>
-      <p:bldP spid="5" grpId="0"/>
-      <p:bldP spid="6" grpId="0"/>
-      <p:bldP spid="8" grpId="1"/>
-      <p:bldP spid="8" grpId="2"/>
-      <p:bldP spid="9" grpId="1"/>
-      <p:bldP spid="9" grpId="2"/>
-      <p:bldP spid="10" grpId="0"/>
-      <p:bldP spid="10" grpId="1"/>
-      <p:bldP spid="11" grpId="0"/>
-      <p:bldP spid="11" grpId="1"/>
-      <p:bldP spid="12" grpId="0"/>
-      <p:bldP spid="13" grpId="0"/>
+      <p:bldP spid="24" grpId="0" animBg="1"/>
+      <p:bldP spid="25" grpId="0"/>
+      <p:bldP spid="25" grpId="1"/>
+      <p:bldP spid="26" grpId="0"/>
+      <p:bldP spid="31" grpId="0"/>
     </p:bldLst>
   </p:timing>
 </p:sld>
 </file>
 
+<file path=ppt/slides/slide4.xml><?xml version="1.0" encoding="utf-8"?>
+<p:sld xmlns:a="http://schemas.openxmlformats.org/drawingml/2006/main" xmlns:r="http://schemas.openxmlformats.org/officeDocument/2006/relationships" xmlns:p="http://schemas.openxmlformats.org/presentationml/2006/main">
+  <p:cSld>
+    <p:spTree>
+      <p:nvGrpSpPr>
+        <p:cNvPr id="1" name=""/>
+        <p:cNvGrpSpPr/>
+        <p:nvPr/>
+      </p:nvGrpSpPr>
+      <p:grpSpPr>
+        <a:xfrm>
+          <a:off x="0" y="0"/>
+          <a:ext cx="0" cy="0"/>
+          <a:chOff x="0" y="0"/>
+          <a:chExt cx="0" cy="0"/>
+        </a:xfrm>
+      </p:grpSpPr>
+      <p:sp>
+        <p:nvSpPr>
+          <p:cNvPr id="4" name="テキスト ボックス 3"/>
+          <p:cNvSpPr txBox="1"/>
+          <p:nvPr/>
+        </p:nvSpPr>
+        <p:spPr>
+          <a:xfrm>
+            <a:off x="683568" y="836712"/>
+            <a:ext cx="5904656" cy="646331"/>
+          </a:xfrm>
+          <a:prstGeom prst="rect">
+            <a:avLst/>
+          </a:prstGeom>
+          <a:noFill/>
+        </p:spPr>
+        <p:txBody>
+          <a:bodyPr wrap="square" rtlCol="0">
+            <a:spAutoFit/>
+          </a:bodyPr>
+          <a:lstStyle/>
+          <a:p>
+            <a:r>
+              <a:rPr lang="en-US" altLang="ja-JP" sz="3600" dirty="0"/>
+              <a:t>c</a:t>
+            </a:r>
+            <a:r>
+              <a:rPr lang="en-US" altLang="ja-JP" sz="3600" dirty="0" smtClean="0"/>
+              <a:t>anvas</a:t>
+            </a:r>
+            <a:r>
+              <a:rPr lang="ja-JP" altLang="en-US" sz="3600" dirty="0" smtClean="0"/>
+              <a:t>タグとそのメリット</a:t>
+            </a:r>
+            <a:endParaRPr kumimoji="1" lang="ja-JP" altLang="en-US" sz="3600" dirty="0"/>
+          </a:p>
+        </p:txBody>
+      </p:sp>
+      <p:grpSp>
+        <p:nvGrpSpPr>
+          <p:cNvPr id="20" name="グループ化 19"/>
+          <p:cNvGrpSpPr/>
+          <p:nvPr/>
+        </p:nvGrpSpPr>
+        <p:grpSpPr>
+          <a:xfrm>
+            <a:off x="6500007" y="2276872"/>
+            <a:ext cx="2032433" cy="2091630"/>
+            <a:chOff x="6876256" y="2718158"/>
+            <a:chExt cx="2032433" cy="2091630"/>
+          </a:xfrm>
+        </p:grpSpPr>
+        <p:pic>
+          <p:nvPicPr>
+            <p:cNvPr id="12" name="図 11"/>
+            <p:cNvPicPr>
+              <a:picLocks noChangeAspect="1"/>
+            </p:cNvPicPr>
+            <p:nvPr/>
+          </p:nvPicPr>
+          <p:blipFill rotWithShape="1">
+            <a:blip r:embed="rId2">
+              <a:extLst>
+                <a:ext uri="{28A0092B-C50C-407E-A947-70E740481C1C}">
+                  <a14:useLocalDpi xmlns:a14="http://schemas.microsoft.com/office/drawing/2010/main" val="0"/>
+                </a:ext>
+              </a:extLst>
+            </a:blip>
+            <a:srcRect l="16732" t="15191" r="16013" b="15326"/>
+            <a:stretch/>
+          </p:blipFill>
+          <p:spPr>
+            <a:xfrm>
+              <a:off x="6876256" y="2718158"/>
+              <a:ext cx="2032433" cy="2091630"/>
+            </a:xfrm>
+            <a:prstGeom prst="rect">
+              <a:avLst/>
+            </a:prstGeom>
+          </p:spPr>
+        </p:pic>
+        <p:pic>
+          <p:nvPicPr>
+            <p:cNvPr id="19" name="図 18"/>
+            <p:cNvPicPr>
+              <a:picLocks noChangeAspect="1"/>
+            </p:cNvPicPr>
+            <p:nvPr/>
+          </p:nvPicPr>
+          <p:blipFill>
+            <a:blip r:embed="rId3" cstate="print">
+              <a:extLst>
+                <a:ext uri="{28A0092B-C50C-407E-A947-70E740481C1C}">
+                  <a14:useLocalDpi xmlns:a14="http://schemas.microsoft.com/office/drawing/2010/main" val="0"/>
+                </a:ext>
+              </a:extLst>
+            </a:blip>
+            <a:stretch>
+              <a:fillRect/>
+            </a:stretch>
+          </p:blipFill>
+          <p:spPr>
+            <a:xfrm>
+              <a:off x="7416130" y="3428839"/>
+              <a:ext cx="1404341" cy="754624"/>
+            </a:xfrm>
+            <a:prstGeom prst="rect">
+              <a:avLst/>
+            </a:prstGeom>
+            <a:noFill/>
+            <a:ln>
+              <a:noFill/>
+            </a:ln>
+          </p:spPr>
+        </p:pic>
+      </p:grpSp>
+      <p:grpSp>
+        <p:nvGrpSpPr>
+          <p:cNvPr id="13" name="グループ化 12"/>
+          <p:cNvGrpSpPr/>
+          <p:nvPr/>
+        </p:nvGrpSpPr>
+        <p:grpSpPr>
+          <a:xfrm>
+            <a:off x="9664439" y="2784138"/>
+            <a:ext cx="2032433" cy="2091630"/>
+            <a:chOff x="6788039" y="2348880"/>
+            <a:chExt cx="2032433" cy="2091630"/>
+          </a:xfrm>
+        </p:grpSpPr>
+        <p:pic>
+          <p:nvPicPr>
+            <p:cNvPr id="27" name="図 26"/>
+            <p:cNvPicPr>
+              <a:picLocks noChangeAspect="1"/>
+            </p:cNvPicPr>
+            <p:nvPr/>
+          </p:nvPicPr>
+          <p:blipFill>
+            <a:blip r:embed="rId4" cstate="print">
+              <a:extLst>
+                <a:ext uri="{BEBA8EAE-BF5A-486C-A8C5-ECC9F3942E4B}">
+                  <a14:imgProps xmlns:a14="http://schemas.microsoft.com/office/drawing/2010/main">
+                    <a14:imgLayer r:embed="rId5">
+                      <a14:imgEffect>
+                        <a14:brightnessContrast bright="40000" contrast="40000"/>
+                      </a14:imgEffect>
+                    </a14:imgLayer>
+                  </a14:imgProps>
+                </a:ext>
+                <a:ext uri="{28A0092B-C50C-407E-A947-70E740481C1C}">
+                  <a14:useLocalDpi xmlns:a14="http://schemas.microsoft.com/office/drawing/2010/main" val="0"/>
+                </a:ext>
+              </a:extLst>
+            </a:blip>
+            <a:stretch>
+              <a:fillRect/>
+            </a:stretch>
+          </p:blipFill>
+          <p:spPr>
+            <a:xfrm>
+              <a:off x="7272114" y="3044785"/>
+              <a:ext cx="1404341" cy="770158"/>
+            </a:xfrm>
+            <a:prstGeom prst="rect">
+              <a:avLst/>
+            </a:prstGeom>
+          </p:spPr>
+        </p:pic>
+        <p:grpSp>
+          <p:nvGrpSpPr>
+            <p:cNvPr id="8" name="グループ化 7"/>
+            <p:cNvGrpSpPr/>
+            <p:nvPr/>
+          </p:nvGrpSpPr>
+          <p:grpSpPr>
+            <a:xfrm>
+              <a:off x="6788039" y="2348880"/>
+              <a:ext cx="2032433" cy="2091630"/>
+              <a:chOff x="6788039" y="2348880"/>
+              <a:chExt cx="2032433" cy="2091630"/>
+            </a:xfrm>
+          </p:grpSpPr>
+          <p:pic>
+            <p:nvPicPr>
+              <p:cNvPr id="29" name="図 28"/>
+              <p:cNvPicPr>
+                <a:picLocks noChangeAspect="1"/>
+              </p:cNvPicPr>
+              <p:nvPr/>
+            </p:nvPicPr>
+            <p:blipFill rotWithShape="1">
+              <a:blip r:embed="rId2">
+                <a:extLst>
+                  <a:ext uri="{28A0092B-C50C-407E-A947-70E740481C1C}">
+                    <a14:useLocalDpi xmlns:a14="http://schemas.microsoft.com/office/drawing/2010/main" val="0"/>
+                  </a:ext>
+                </a:extLst>
+              </a:blip>
+              <a:srcRect l="16732" t="15191" r="16013" b="15326"/>
+              <a:stretch/>
+            </p:blipFill>
+            <p:spPr>
+              <a:xfrm>
+                <a:off x="6788039" y="2348880"/>
+                <a:ext cx="2032433" cy="2091630"/>
+              </a:xfrm>
+              <a:prstGeom prst="rect">
+                <a:avLst/>
+              </a:prstGeom>
+            </p:spPr>
+          </p:pic>
+          <p:pic>
+            <p:nvPicPr>
+              <p:cNvPr id="32" name="図 31"/>
+              <p:cNvPicPr>
+                <a:picLocks noChangeAspect="1"/>
+              </p:cNvPicPr>
+              <p:nvPr/>
+            </p:nvPicPr>
+            <p:blipFill>
+              <a:blip r:embed="rId4" cstate="print">
+                <a:extLst>
+                  <a:ext uri="{BEBA8EAE-BF5A-486C-A8C5-ECC9F3942E4B}">
+                    <a14:imgProps xmlns:a14="http://schemas.microsoft.com/office/drawing/2010/main">
+                      <a14:imgLayer r:embed="rId5">
+                        <a14:imgEffect>
+                          <a14:brightnessContrast bright="40000" contrast="40000"/>
+                        </a14:imgEffect>
+                      </a14:imgLayer>
+                    </a14:imgProps>
+                  </a:ext>
+                  <a:ext uri="{28A0092B-C50C-407E-A947-70E740481C1C}">
+                    <a14:useLocalDpi xmlns:a14="http://schemas.microsoft.com/office/drawing/2010/main" val="0"/>
+                  </a:ext>
+                </a:extLst>
+              </a:blip>
+              <a:stretch>
+                <a:fillRect/>
+              </a:stretch>
+            </p:blipFill>
+            <p:spPr>
+              <a:xfrm>
+                <a:off x="7308304" y="3068960"/>
+                <a:ext cx="1404341" cy="770158"/>
+              </a:xfrm>
+              <a:prstGeom prst="rect">
+                <a:avLst/>
+              </a:prstGeom>
+            </p:spPr>
+          </p:pic>
+        </p:grpSp>
+      </p:grpSp>
+      <p:grpSp>
+        <p:nvGrpSpPr>
+          <p:cNvPr id="15" name="グループ化 14"/>
+          <p:cNvGrpSpPr/>
+          <p:nvPr/>
+        </p:nvGrpSpPr>
+        <p:grpSpPr>
+          <a:xfrm>
+            <a:off x="4126041" y="2564904"/>
+            <a:ext cx="2102143" cy="1371503"/>
+            <a:chOff x="3472740" y="2967335"/>
+            <a:chExt cx="2102143" cy="1371503"/>
+          </a:xfrm>
+        </p:grpSpPr>
+        <p:sp>
+          <p:nvSpPr>
+            <p:cNvPr id="24" name="右矢印 23"/>
+            <p:cNvSpPr/>
+            <p:nvPr/>
+          </p:nvSpPr>
+          <p:spPr>
+            <a:xfrm>
+              <a:off x="3635896" y="3439756"/>
+              <a:ext cx="1775832" cy="899082"/>
+            </a:xfrm>
+            <a:prstGeom prst="rightArrow">
+              <a:avLst/>
+            </a:prstGeom>
+            <a:solidFill>
+              <a:srgbClr val="FFFF00"/>
+            </a:solidFill>
+          </p:spPr>
+          <p:style>
+            <a:lnRef idx="2">
+              <a:schemeClr val="dk1">
+                <a:shade val="50000"/>
+              </a:schemeClr>
+            </a:lnRef>
+            <a:fillRef idx="1">
+              <a:schemeClr val="dk1"/>
+            </a:fillRef>
+            <a:effectRef idx="0">
+              <a:schemeClr val="dk1"/>
+            </a:effectRef>
+            <a:fontRef idx="minor">
+              <a:schemeClr val="lt1"/>
+            </a:fontRef>
+          </p:style>
+          <p:txBody>
+            <a:bodyPr rtlCol="0" anchor="ctr"/>
+            <a:lstStyle/>
+            <a:p>
+              <a:pPr algn="ctr"/>
+              <a:endParaRPr kumimoji="1" lang="ja-JP" altLang="en-US"/>
+            </a:p>
+          </p:txBody>
+        </p:sp>
+        <p:sp>
+          <p:nvSpPr>
+            <p:cNvPr id="33" name="テキスト ボックス 32"/>
+            <p:cNvSpPr txBox="1"/>
+            <p:nvPr/>
+          </p:nvSpPr>
+          <p:spPr>
+            <a:xfrm>
+              <a:off x="3472740" y="2967335"/>
+              <a:ext cx="2102143" cy="461665"/>
+            </a:xfrm>
+            <a:prstGeom prst="rect">
+              <a:avLst/>
+            </a:prstGeom>
+            <a:noFill/>
+          </p:spPr>
+          <p:txBody>
+            <a:bodyPr wrap="square" rtlCol="0">
+              <a:spAutoFit/>
+            </a:bodyPr>
+            <a:lstStyle/>
+            <a:p>
+              <a:pPr algn="ctr"/>
+              <a:r>
+                <a:rPr kumimoji="1" lang="en-US" altLang="ja-JP" sz="2400" dirty="0" smtClean="0"/>
+                <a:t>HTML</a:t>
+              </a:r>
+              <a:r>
+                <a:rPr kumimoji="1" lang="ja-JP" altLang="en-US" sz="2400" dirty="0" smtClean="0"/>
+                <a:t>に反映</a:t>
+              </a:r>
+              <a:endParaRPr kumimoji="1" lang="ja-JP" altLang="en-US" sz="2400" dirty="0"/>
+            </a:p>
+          </p:txBody>
+        </p:sp>
+      </p:grpSp>
+      <p:grpSp>
+        <p:nvGrpSpPr>
+          <p:cNvPr id="18" name="グループ化 17"/>
+          <p:cNvGrpSpPr/>
+          <p:nvPr/>
+        </p:nvGrpSpPr>
+        <p:grpSpPr>
+          <a:xfrm>
+            <a:off x="539552" y="2112209"/>
+            <a:ext cx="4451198" cy="3888432"/>
+            <a:chOff x="539552" y="2420888"/>
+            <a:chExt cx="4451198" cy="3888432"/>
+          </a:xfrm>
+        </p:grpSpPr>
+        <p:grpSp>
+          <p:nvGrpSpPr>
+            <p:cNvPr id="17" name="グループ化 16"/>
+            <p:cNvGrpSpPr/>
+            <p:nvPr/>
+          </p:nvGrpSpPr>
+          <p:grpSpPr>
+            <a:xfrm>
+              <a:off x="539552" y="2420888"/>
+              <a:ext cx="4451198" cy="3888432"/>
+              <a:chOff x="539552" y="2420888"/>
+              <a:chExt cx="4451198" cy="3888432"/>
+            </a:xfrm>
+          </p:grpSpPr>
+          <p:grpSp>
+            <p:nvGrpSpPr>
+              <p:cNvPr id="14" name="グループ化 13"/>
+              <p:cNvGrpSpPr/>
+              <p:nvPr/>
+            </p:nvGrpSpPr>
+            <p:grpSpPr>
+              <a:xfrm>
+                <a:off x="539552" y="2420888"/>
+                <a:ext cx="2736304" cy="2003768"/>
+                <a:chOff x="324681" y="2270608"/>
+                <a:chExt cx="2736304" cy="2003768"/>
+              </a:xfrm>
+            </p:grpSpPr>
+            <p:sp>
+              <p:nvSpPr>
+                <p:cNvPr id="25" name="テキスト ボックス 24"/>
+                <p:cNvSpPr txBox="1"/>
+                <p:nvPr/>
+              </p:nvSpPr>
+              <p:spPr>
+                <a:xfrm>
+                  <a:off x="324681" y="2270608"/>
+                  <a:ext cx="2736304" cy="461665"/>
+                </a:xfrm>
+                <a:prstGeom prst="rect">
+                  <a:avLst/>
+                </a:prstGeom>
+                <a:noFill/>
+              </p:spPr>
+              <p:txBody>
+                <a:bodyPr wrap="square" rtlCol="0">
+                  <a:spAutoFit/>
+                </a:bodyPr>
+                <a:lstStyle/>
+                <a:p>
+                  <a:r>
+                    <a:rPr lang="en-US" altLang="ja-JP" sz="2400" dirty="0" smtClean="0"/>
+                    <a:t>JavaScript</a:t>
+                  </a:r>
+                  <a:r>
+                    <a:rPr lang="ja-JP" altLang="en-US" sz="2400" dirty="0" smtClean="0"/>
+                    <a:t>で記述</a:t>
+                  </a:r>
+                  <a:endParaRPr kumimoji="1" lang="ja-JP" altLang="en-US" sz="2400" dirty="0"/>
+                </a:p>
+              </p:txBody>
+            </p:sp>
+            <p:pic>
+              <p:nvPicPr>
+                <p:cNvPr id="5" name="図 4"/>
+                <p:cNvPicPr>
+                  <a:picLocks noChangeAspect="1"/>
+                </p:cNvPicPr>
+                <p:nvPr/>
+              </p:nvPicPr>
+              <p:blipFill>
+                <a:blip r:embed="rId6" cstate="print">
+                  <a:extLst>
+                    <a:ext uri="{28A0092B-C50C-407E-A947-70E740481C1C}">
+                      <a14:useLocalDpi xmlns:a14="http://schemas.microsoft.com/office/drawing/2010/main" val="0"/>
+                    </a:ext>
+                  </a:extLst>
+                </a:blip>
+                <a:stretch>
+                  <a:fillRect/>
+                </a:stretch>
+              </p:blipFill>
+              <p:spPr>
+                <a:xfrm>
+                  <a:off x="1187624" y="2923973"/>
+                  <a:ext cx="1010419" cy="1350403"/>
+                </a:xfrm>
+                <a:prstGeom prst="rect">
+                  <a:avLst/>
+                </a:prstGeom>
+              </p:spPr>
+            </p:pic>
+          </p:grpSp>
+          <p:sp>
+            <p:nvSpPr>
+              <p:cNvPr id="35" name="円形吹き出し 34"/>
+              <p:cNvSpPr/>
+              <p:nvPr/>
+            </p:nvSpPr>
+            <p:spPr>
+              <a:xfrm>
+                <a:off x="1835696" y="4437112"/>
+                <a:ext cx="3155054" cy="1872208"/>
+              </a:xfrm>
+              <a:prstGeom prst="wedgeEllipseCallout">
+                <a:avLst>
+                  <a:gd name="adj1" fmla="val -39445"/>
+                  <a:gd name="adj2" fmla="val -54791"/>
+                </a:avLst>
+              </a:prstGeom>
+            </p:spPr>
+            <p:style>
+              <a:lnRef idx="2">
+                <a:schemeClr val="accent1"/>
+              </a:lnRef>
+              <a:fillRef idx="1">
+                <a:schemeClr val="lt1"/>
+              </a:fillRef>
+              <a:effectRef idx="0">
+                <a:schemeClr val="accent1"/>
+              </a:effectRef>
+              <a:fontRef idx="minor">
+                <a:schemeClr val="dk1"/>
+              </a:fontRef>
+            </p:style>
+            <p:txBody>
+              <a:bodyPr rtlCol="0" anchor="ctr"/>
+              <a:lstStyle/>
+              <a:p>
+                <a:pPr algn="ctr"/>
+                <a:endParaRPr kumimoji="1" lang="ja-JP" altLang="en-US"/>
+              </a:p>
+            </p:txBody>
+          </p:sp>
+        </p:grpSp>
+        <p:pic>
+          <p:nvPicPr>
+            <p:cNvPr id="36" name="図 35"/>
+            <p:cNvPicPr>
+              <a:picLocks noChangeAspect="1"/>
+            </p:cNvPicPr>
+            <p:nvPr/>
+          </p:nvPicPr>
+          <p:blipFill>
+            <a:blip r:embed="rId3" cstate="print">
+              <a:extLst>
+                <a:ext uri="{28A0092B-C50C-407E-A947-70E740481C1C}">
+                  <a14:useLocalDpi xmlns:a14="http://schemas.microsoft.com/office/drawing/2010/main" val="0"/>
+                </a:ext>
+              </a:extLst>
+            </a:blip>
+            <a:stretch>
+              <a:fillRect/>
+            </a:stretch>
+          </p:blipFill>
+          <p:spPr>
+            <a:xfrm>
+              <a:off x="2627784" y="4640051"/>
+              <a:ext cx="1584176" cy="1453245"/>
+            </a:xfrm>
+            <a:prstGeom prst="rect">
+              <a:avLst/>
+            </a:prstGeom>
+            <a:noFill/>
+            <a:ln>
+              <a:noFill/>
+            </a:ln>
+          </p:spPr>
+        </p:pic>
+      </p:grpSp>
+    </p:spTree>
+    <p:extLst>
+      <p:ext uri="{BB962C8B-B14F-4D97-AF65-F5344CB8AC3E}">
+        <p14:creationId xmlns:p14="http://schemas.microsoft.com/office/powerpoint/2010/main" val="1022936372"/>
+      </p:ext>
+    </p:extLst>
+  </p:cSld>
+  <p:clrMapOvr>
+    <a:masterClrMapping/>
+  </p:clrMapOvr>
+  <p:timing>
+    <p:tnLst>
+      <p:par>
+        <p:cTn id="1" dur="indefinite" restart="never" nodeType="tmRoot">
+          <p:childTnLst>
+            <p:seq concurrent="1" nextAc="seek">
+              <p:cTn id="2" dur="indefinite" nodeType="mainSeq">
+                <p:childTnLst>
+                  <p:par>
+                    <p:cTn id="3" fill="hold">
+                      <p:stCondLst>
+                        <p:cond delay="indefinite"/>
+                      </p:stCondLst>
+                      <p:childTnLst>
+                        <p:par>
+                          <p:cTn id="4" fill="hold">
+                            <p:stCondLst>
+                              <p:cond delay="0"/>
+                            </p:stCondLst>
+                            <p:childTnLst>
+                              <p:par>
+                                <p:cTn id="5" presetID="10" presetClass="entr" presetSubtype="0" fill="hold" nodeType="clickEffect">
+                                  <p:stCondLst>
+                                    <p:cond delay="0"/>
+                                  </p:stCondLst>
+                                  <p:childTnLst>
+                                    <p:set>
+                                      <p:cBhvr>
+                                        <p:cTn id="6" dur="1" fill="hold">
+                                          <p:stCondLst>
+                                            <p:cond delay="0"/>
+                                          </p:stCondLst>
+                                        </p:cTn>
+                                        <p:tgtEl>
+                                          <p:spTgt spid="18"/>
+                                        </p:tgtEl>
+                                        <p:attrNameLst>
+                                          <p:attrName>style.visibility</p:attrName>
+                                        </p:attrNameLst>
+                                      </p:cBhvr>
+                                      <p:to>
+                                        <p:strVal val="visible"/>
+                                      </p:to>
+                                    </p:set>
+                                    <p:animEffect transition="in" filter="fade">
+                                      <p:cBhvr>
+                                        <p:cTn id="7" dur="500"/>
+                                        <p:tgtEl>
+                                          <p:spTgt spid="18"/>
+                                        </p:tgtEl>
+                                      </p:cBhvr>
+                                    </p:animEffect>
+                                  </p:childTnLst>
+                                </p:cTn>
+                              </p:par>
+                            </p:childTnLst>
+                          </p:cTn>
+                        </p:par>
+                      </p:childTnLst>
+                    </p:cTn>
+                  </p:par>
+                  <p:par>
+                    <p:cTn id="8" fill="hold">
+                      <p:stCondLst>
+                        <p:cond delay="indefinite"/>
+                      </p:stCondLst>
+                      <p:childTnLst>
+                        <p:par>
+                          <p:cTn id="9" fill="hold">
+                            <p:stCondLst>
+                              <p:cond delay="0"/>
+                            </p:stCondLst>
+                            <p:childTnLst>
+                              <p:par>
+                                <p:cTn id="10" presetID="10" presetClass="entr" presetSubtype="0" fill="hold" nodeType="clickEffect">
+                                  <p:stCondLst>
+                                    <p:cond delay="0"/>
+                                  </p:stCondLst>
+                                  <p:childTnLst>
+                                    <p:set>
+                                      <p:cBhvr>
+                                        <p:cTn id="11" dur="1" fill="hold">
+                                          <p:stCondLst>
+                                            <p:cond delay="0"/>
+                                          </p:stCondLst>
+                                        </p:cTn>
+                                        <p:tgtEl>
+                                          <p:spTgt spid="15"/>
+                                        </p:tgtEl>
+                                        <p:attrNameLst>
+                                          <p:attrName>style.visibility</p:attrName>
+                                        </p:attrNameLst>
+                                      </p:cBhvr>
+                                      <p:to>
+                                        <p:strVal val="visible"/>
+                                      </p:to>
+                                    </p:set>
+                                    <p:animEffect transition="in" filter="fade">
+                                      <p:cBhvr>
+                                        <p:cTn id="12" dur="500"/>
+                                        <p:tgtEl>
+                                          <p:spTgt spid="15"/>
+                                        </p:tgtEl>
+                                      </p:cBhvr>
+                                    </p:animEffect>
+                                  </p:childTnLst>
+                                </p:cTn>
+                              </p:par>
+                              <p:par>
+                                <p:cTn id="13" presetID="10" presetClass="entr" presetSubtype="0" fill="hold" nodeType="withEffect">
+                                  <p:stCondLst>
+                                    <p:cond delay="0"/>
+                                  </p:stCondLst>
+                                  <p:childTnLst>
+                                    <p:set>
+                                      <p:cBhvr>
+                                        <p:cTn id="14" dur="1" fill="hold">
+                                          <p:stCondLst>
+                                            <p:cond delay="0"/>
+                                          </p:stCondLst>
+                                        </p:cTn>
+                                        <p:tgtEl>
+                                          <p:spTgt spid="20"/>
+                                        </p:tgtEl>
+                                        <p:attrNameLst>
+                                          <p:attrName>style.visibility</p:attrName>
+                                        </p:attrNameLst>
+                                      </p:cBhvr>
+                                      <p:to>
+                                        <p:strVal val="visible"/>
+                                      </p:to>
+                                    </p:set>
+                                    <p:animEffect transition="in" filter="fade">
+                                      <p:cBhvr>
+                                        <p:cTn id="15" dur="500"/>
+                                        <p:tgtEl>
+                                          <p:spTgt spid="20"/>
+                                        </p:tgtEl>
+                                      </p:cBhvr>
+                                    </p:animEffect>
+                                  </p:childTnLst>
+                                </p:cTn>
+                              </p:par>
+                            </p:childTnLst>
+                          </p:cTn>
+                        </p:par>
+                      </p:childTnLst>
+                    </p:cTn>
+                  </p:par>
+                </p:childTnLst>
+              </p:cTn>
+              <p:prevCondLst>
+                <p:cond evt="onPrev" delay="0">
+                  <p:tgtEl>
+                    <p:sldTgt/>
+                  </p:tgtEl>
+                </p:cond>
+              </p:prevCondLst>
+              <p:nextCondLst>
+                <p:cond evt="onNext" delay="0">
+                  <p:tgtEl>
+                    <p:sldTgt/>
+                  </p:tgtEl>
+                </p:cond>
+              </p:nextCondLst>
+            </p:seq>
+          </p:childTnLst>
+        </p:cTn>
+      </p:par>
+    </p:tnLst>
+  </p:timing>
+</p:sld>
+</file>
+
 <file path=ppt/slides/slide5.xml><?xml version="1.0" encoding="utf-8"?>
+<p:sld xmlns:a="http://schemas.openxmlformats.org/drawingml/2006/main" xmlns:r="http://schemas.openxmlformats.org/officeDocument/2006/relationships" xmlns:p="http://schemas.openxmlformats.org/presentationml/2006/main">
+  <p:cSld>
+    <p:spTree>
+      <p:nvGrpSpPr>
+        <p:cNvPr id="1" name=""/>
+        <p:cNvGrpSpPr/>
+        <p:nvPr/>
+      </p:nvGrpSpPr>
+      <p:grpSpPr>
+        <a:xfrm>
+          <a:off x="0" y="0"/>
+          <a:ext cx="0" cy="0"/>
+          <a:chOff x="0" y="0"/>
+          <a:chExt cx="0" cy="0"/>
+        </a:xfrm>
+      </p:grpSpPr>
+      <p:sp>
+        <p:nvSpPr>
+          <p:cNvPr id="4" name="テキスト ボックス 3"/>
+          <p:cNvSpPr txBox="1"/>
+          <p:nvPr/>
+        </p:nvSpPr>
+        <p:spPr>
+          <a:xfrm>
+            <a:off x="683568" y="620688"/>
+            <a:ext cx="5904656" cy="646331"/>
+          </a:xfrm>
+          <a:prstGeom prst="rect">
+            <a:avLst/>
+          </a:prstGeom>
+          <a:noFill/>
+        </p:spPr>
+        <p:txBody>
+          <a:bodyPr wrap="square" rtlCol="0">
+            <a:spAutoFit/>
+          </a:bodyPr>
+          <a:lstStyle/>
+          <a:p>
+            <a:r>
+              <a:rPr lang="en-US" altLang="ja-JP" sz="3600" dirty="0"/>
+              <a:t>c</a:t>
+            </a:r>
+            <a:r>
+              <a:rPr lang="en-US" altLang="ja-JP" sz="3600" dirty="0" smtClean="0"/>
+              <a:t>anvas</a:t>
+            </a:r>
+            <a:r>
+              <a:rPr lang="ja-JP" altLang="en-US" sz="3600" dirty="0" smtClean="0"/>
+              <a:t>タグとそのメリット</a:t>
+            </a:r>
+            <a:endParaRPr kumimoji="1" lang="ja-JP" altLang="en-US" sz="3600" dirty="0"/>
+          </a:p>
+        </p:txBody>
+      </p:sp>
+      <p:grpSp>
+        <p:nvGrpSpPr>
+          <p:cNvPr id="2" name="グループ化 1"/>
+          <p:cNvGrpSpPr/>
+          <p:nvPr/>
+        </p:nvGrpSpPr>
+        <p:grpSpPr>
+          <a:xfrm>
+            <a:off x="1259632" y="2708920"/>
+            <a:ext cx="2736304" cy="2055364"/>
+            <a:chOff x="1332793" y="3101828"/>
+            <a:chExt cx="2736304" cy="2055364"/>
+          </a:xfrm>
+        </p:grpSpPr>
+        <p:pic>
+          <p:nvPicPr>
+            <p:cNvPr id="16" name="図 15"/>
+            <p:cNvPicPr>
+              <a:picLocks noChangeAspect="1"/>
+            </p:cNvPicPr>
+            <p:nvPr/>
+          </p:nvPicPr>
+          <p:blipFill>
+            <a:blip r:embed="rId2" cstate="print">
+              <a:extLst>
+                <a:ext uri="{28A0092B-C50C-407E-A947-70E740481C1C}">
+                  <a14:useLocalDpi xmlns:a14="http://schemas.microsoft.com/office/drawing/2010/main" val="0"/>
+                </a:ext>
+              </a:extLst>
+            </a:blip>
+            <a:stretch>
+              <a:fillRect/>
+            </a:stretch>
+          </p:blipFill>
+          <p:spPr>
+            <a:xfrm>
+              <a:off x="2195736" y="3101828"/>
+              <a:ext cx="1010419" cy="1350403"/>
+            </a:xfrm>
+            <a:prstGeom prst="rect">
+              <a:avLst/>
+            </a:prstGeom>
+          </p:spPr>
+        </p:pic>
+        <p:sp>
+          <p:nvSpPr>
+            <p:cNvPr id="17" name="テキスト ボックス 16"/>
+            <p:cNvSpPr txBox="1"/>
+            <p:nvPr/>
+          </p:nvSpPr>
+          <p:spPr>
+            <a:xfrm>
+              <a:off x="1332793" y="4695527"/>
+              <a:ext cx="2736304" cy="461665"/>
+            </a:xfrm>
+            <a:prstGeom prst="rect">
+              <a:avLst/>
+            </a:prstGeom>
+            <a:noFill/>
+          </p:spPr>
+          <p:txBody>
+            <a:bodyPr wrap="square" rtlCol="0">
+              <a:spAutoFit/>
+            </a:bodyPr>
+            <a:lstStyle/>
+            <a:p>
+              <a:pPr algn="ctr"/>
+              <a:r>
+                <a:rPr kumimoji="1" lang="ja-JP" altLang="en-US" sz="2400" dirty="0" smtClean="0"/>
+                <a:t>テキストエディタ</a:t>
+              </a:r>
+              <a:endParaRPr kumimoji="1" lang="ja-JP" altLang="en-US" sz="2400" dirty="0"/>
+            </a:p>
+          </p:txBody>
+        </p:sp>
+      </p:grpSp>
+      <p:grpSp>
+        <p:nvGrpSpPr>
+          <p:cNvPr id="3" name="グループ化 2"/>
+          <p:cNvGrpSpPr/>
+          <p:nvPr/>
+        </p:nvGrpSpPr>
+        <p:grpSpPr>
+          <a:xfrm>
+            <a:off x="5004048" y="2535287"/>
+            <a:ext cx="2736304" cy="2261865"/>
+            <a:chOff x="4851855" y="2996952"/>
+            <a:chExt cx="2736304" cy="2261865"/>
+          </a:xfrm>
+        </p:grpSpPr>
+        <p:pic>
+          <p:nvPicPr>
+            <p:cNvPr id="11" name="図 10"/>
+            <p:cNvPicPr>
+              <a:picLocks noChangeAspect="1"/>
+            </p:cNvPicPr>
+            <p:nvPr/>
+          </p:nvPicPr>
+          <p:blipFill>
+            <a:blip r:embed="rId3" cstate="print">
+              <a:extLst>
+                <a:ext uri="{28A0092B-C50C-407E-A947-70E740481C1C}">
+                  <a14:useLocalDpi xmlns:a14="http://schemas.microsoft.com/office/drawing/2010/main" val="0"/>
+                </a:ext>
+              </a:extLst>
+            </a:blip>
+            <a:stretch>
+              <a:fillRect/>
+            </a:stretch>
+          </p:blipFill>
+          <p:spPr>
+            <a:xfrm>
+              <a:off x="5364088" y="2996952"/>
+              <a:ext cx="1711839" cy="1560157"/>
+            </a:xfrm>
+            <a:prstGeom prst="rect">
+              <a:avLst/>
+            </a:prstGeom>
+          </p:spPr>
+        </p:pic>
+        <p:sp>
+          <p:nvSpPr>
+            <p:cNvPr id="18" name="テキスト ボックス 17"/>
+            <p:cNvSpPr txBox="1"/>
+            <p:nvPr/>
+          </p:nvSpPr>
+          <p:spPr>
+            <a:xfrm>
+              <a:off x="4851855" y="4797152"/>
+              <a:ext cx="2736304" cy="461665"/>
+            </a:xfrm>
+            <a:prstGeom prst="rect">
+              <a:avLst/>
+            </a:prstGeom>
+            <a:noFill/>
+          </p:spPr>
+          <p:txBody>
+            <a:bodyPr wrap="square" rtlCol="0">
+              <a:spAutoFit/>
+            </a:bodyPr>
+            <a:lstStyle/>
+            <a:p>
+              <a:pPr algn="ctr"/>
+              <a:r>
+                <a:rPr kumimoji="1" lang="ja-JP" altLang="en-US" sz="2400" dirty="0" smtClean="0"/>
+                <a:t>外部ソフト</a:t>
+              </a:r>
+              <a:endParaRPr kumimoji="1" lang="ja-JP" altLang="en-US" sz="2400" dirty="0"/>
+            </a:p>
+          </p:txBody>
+        </p:sp>
+      </p:grpSp>
+      <p:sp>
+        <p:nvSpPr>
+          <p:cNvPr id="5" name="ドーナツ 4"/>
+          <p:cNvSpPr/>
+          <p:nvPr/>
+        </p:nvSpPr>
+        <p:spPr>
+          <a:xfrm>
+            <a:off x="1655676" y="2448017"/>
+            <a:ext cx="1944216" cy="1872208"/>
+          </a:xfrm>
+          <a:prstGeom prst="donut">
+            <a:avLst>
+              <a:gd name="adj" fmla="val 10478"/>
+            </a:avLst>
+          </a:prstGeom>
+          <a:solidFill>
+            <a:schemeClr val="accent6"/>
+          </a:solidFill>
+        </p:spPr>
+        <p:style>
+          <a:lnRef idx="2">
+            <a:schemeClr val="dk1">
+              <a:shade val="50000"/>
+            </a:schemeClr>
+          </a:lnRef>
+          <a:fillRef idx="1">
+            <a:schemeClr val="dk1"/>
+          </a:fillRef>
+          <a:effectRef idx="0">
+            <a:schemeClr val="dk1"/>
+          </a:effectRef>
+          <a:fontRef idx="minor">
+            <a:schemeClr val="lt1"/>
+          </a:fontRef>
+        </p:style>
+        <p:txBody>
+          <a:bodyPr rtlCol="0" anchor="ctr"/>
+          <a:lstStyle/>
+          <a:p>
+            <a:pPr algn="ctr"/>
+            <a:endParaRPr kumimoji="1" lang="ja-JP" altLang="en-US">
+              <a:solidFill>
+                <a:schemeClr val="tx1"/>
+              </a:solidFill>
+            </a:endParaRPr>
+          </a:p>
+        </p:txBody>
+      </p:sp>
+      <p:sp>
+        <p:nvSpPr>
+          <p:cNvPr id="6" name="乗算記号 5"/>
+          <p:cNvSpPr/>
+          <p:nvPr/>
+        </p:nvSpPr>
+        <p:spPr>
+          <a:xfrm>
+            <a:off x="5004048" y="2294815"/>
+            <a:ext cx="2735150" cy="2178612"/>
+          </a:xfrm>
+          <a:prstGeom prst="mathMultiply">
+            <a:avLst>
+              <a:gd name="adj1" fmla="val 11251"/>
+            </a:avLst>
+          </a:prstGeom>
+          <a:solidFill>
+            <a:schemeClr val="accent6"/>
+          </a:solidFill>
+        </p:spPr>
+        <p:style>
+          <a:lnRef idx="2">
+            <a:schemeClr val="dk1">
+              <a:shade val="50000"/>
+            </a:schemeClr>
+          </a:lnRef>
+          <a:fillRef idx="1">
+            <a:schemeClr val="dk1"/>
+          </a:fillRef>
+          <a:effectRef idx="0">
+            <a:schemeClr val="dk1"/>
+          </a:effectRef>
+          <a:fontRef idx="minor">
+            <a:schemeClr val="lt1"/>
+          </a:fontRef>
+        </p:style>
+        <p:txBody>
+          <a:bodyPr rtlCol="0" anchor="ctr"/>
+          <a:lstStyle/>
+          <a:p>
+            <a:pPr algn="ctr"/>
+            <a:endParaRPr kumimoji="1" lang="ja-JP" altLang="en-US"/>
+          </a:p>
+        </p:txBody>
+      </p:sp>
+    </p:spTree>
+    <p:extLst>
+      <p:ext uri="{BB962C8B-B14F-4D97-AF65-F5344CB8AC3E}">
+        <p14:creationId xmlns:p14="http://schemas.microsoft.com/office/powerpoint/2010/main" val="398524423"/>
+      </p:ext>
+    </p:extLst>
+  </p:cSld>
+  <p:clrMapOvr>
+    <a:masterClrMapping/>
+  </p:clrMapOvr>
+  <p:timing>
+    <p:tnLst>
+      <p:par>
+        <p:cTn id="1" dur="indefinite" restart="never" nodeType="tmRoot">
+          <p:childTnLst>
+            <p:seq concurrent="1" nextAc="seek">
+              <p:cTn id="2" dur="indefinite" nodeType="mainSeq">
+                <p:childTnLst>
+                  <p:par>
+                    <p:cTn id="3" fill="hold">
+                      <p:stCondLst>
+                        <p:cond delay="indefinite"/>
+                      </p:stCondLst>
+                      <p:childTnLst>
+                        <p:par>
+                          <p:cTn id="4" fill="hold">
+                            <p:stCondLst>
+                              <p:cond delay="0"/>
+                            </p:stCondLst>
+                            <p:childTnLst>
+                              <p:par>
+                                <p:cTn id="5" presetID="10" presetClass="entr" presetSubtype="0" fill="hold" grpId="0" nodeType="clickEffect">
+                                  <p:stCondLst>
+                                    <p:cond delay="0"/>
+                                  </p:stCondLst>
+                                  <p:childTnLst>
+                                    <p:set>
+                                      <p:cBhvr>
+                                        <p:cTn id="6" dur="1" fill="hold">
+                                          <p:stCondLst>
+                                            <p:cond delay="0"/>
+                                          </p:stCondLst>
+                                        </p:cTn>
+                                        <p:tgtEl>
+                                          <p:spTgt spid="5"/>
+                                        </p:tgtEl>
+                                        <p:attrNameLst>
+                                          <p:attrName>style.visibility</p:attrName>
+                                        </p:attrNameLst>
+                                      </p:cBhvr>
+                                      <p:to>
+                                        <p:strVal val="visible"/>
+                                      </p:to>
+                                    </p:set>
+                                    <p:animEffect transition="in" filter="fade">
+                                      <p:cBhvr>
+                                        <p:cTn id="7" dur="500"/>
+                                        <p:tgtEl>
+                                          <p:spTgt spid="5"/>
+                                        </p:tgtEl>
+                                      </p:cBhvr>
+                                    </p:animEffect>
+                                  </p:childTnLst>
+                                </p:cTn>
+                              </p:par>
+                              <p:par>
+                                <p:cTn id="8" presetID="10" presetClass="entr" presetSubtype="0" fill="hold" grpId="0" nodeType="withEffect">
+                                  <p:stCondLst>
+                                    <p:cond delay="0"/>
+                                  </p:stCondLst>
+                                  <p:childTnLst>
+                                    <p:set>
+                                      <p:cBhvr>
+                                        <p:cTn id="9" dur="1" fill="hold">
+                                          <p:stCondLst>
+                                            <p:cond delay="0"/>
+                                          </p:stCondLst>
+                                        </p:cTn>
+                                        <p:tgtEl>
+                                          <p:spTgt spid="6"/>
+                                        </p:tgtEl>
+                                        <p:attrNameLst>
+                                          <p:attrName>style.visibility</p:attrName>
+                                        </p:attrNameLst>
+                                      </p:cBhvr>
+                                      <p:to>
+                                        <p:strVal val="visible"/>
+                                      </p:to>
+                                    </p:set>
+                                    <p:animEffect transition="in" filter="fade">
+                                      <p:cBhvr>
+                                        <p:cTn id="10" dur="500"/>
+                                        <p:tgtEl>
+                                          <p:spTgt spid="6"/>
+                                        </p:tgtEl>
+                                      </p:cBhvr>
+                                    </p:animEffect>
+                                  </p:childTnLst>
+                                </p:cTn>
+                              </p:par>
+                            </p:childTnLst>
+                          </p:cTn>
+                        </p:par>
+                      </p:childTnLst>
+                    </p:cTn>
+                  </p:par>
+                </p:childTnLst>
+              </p:cTn>
+              <p:prevCondLst>
+                <p:cond evt="onPrev" delay="0">
+                  <p:tgtEl>
+                    <p:sldTgt/>
+                  </p:tgtEl>
+                </p:cond>
+              </p:prevCondLst>
+              <p:nextCondLst>
+                <p:cond evt="onNext" delay="0">
+                  <p:tgtEl>
+                    <p:sldTgt/>
+                  </p:tgtEl>
+                </p:cond>
+              </p:nextCondLst>
+            </p:seq>
+          </p:childTnLst>
+        </p:cTn>
+      </p:par>
+    </p:tnLst>
+    <p:bldLst>
+      <p:bldP spid="5" grpId="0" animBg="1"/>
+      <p:bldP spid="6" grpId="0" animBg="1"/>
+    </p:bldLst>
+  </p:timing>
+</p:sld>
+</file>
+
+<file path=ppt/slides/slide6.xml><?xml version="1.0" encoding="utf-8"?>
 <p:sld xmlns:a="http://schemas.openxmlformats.org/drawingml/2006/main" xmlns:r="http://schemas.openxmlformats.org/officeDocument/2006/relationships" xmlns:p="http://schemas.openxmlformats.org/presentationml/2006/main">
   <p:cSld>
     <p:spTree>

--- a/最終発表用.pptx
+++ b/最終発表用.pptx
@@ -6,11 +6,15 @@
   </p:sldMasterIdLst>
   <p:sldIdLst>
     <p:sldId id="256" r:id="rId2"/>
-    <p:sldId id="258" r:id="rId3"/>
-    <p:sldId id="262" r:id="rId4"/>
-    <p:sldId id="263" r:id="rId5"/>
-    <p:sldId id="264" r:id="rId6"/>
-    <p:sldId id="261" r:id="rId7"/>
+    <p:sldId id="268" r:id="rId3"/>
+    <p:sldId id="267" r:id="rId4"/>
+    <p:sldId id="265" r:id="rId5"/>
+    <p:sldId id="258" r:id="rId6"/>
+    <p:sldId id="266" r:id="rId7"/>
+    <p:sldId id="262" r:id="rId8"/>
+    <p:sldId id="263" r:id="rId9"/>
+    <p:sldId id="264" r:id="rId10"/>
+    <p:sldId id="261" r:id="rId11"/>
   </p:sldIdLst>
   <p:sldSz cx="9144000" cy="6858000" type="screen4x3"/>
   <p:notesSz cx="6858000" cy="9144000"/>
@@ -534,7 +538,7 @@
           <a:p>
             <a:fld id="{299FEBA0-4DB9-4EE0-B326-733087988B64}" type="datetimeFigureOut">
               <a:rPr kumimoji="1" lang="ja-JP" altLang="en-US" smtClean="0"/>
-              <a:t>2015/5/21</a:t>
+              <a:t>2015/5/22</a:t>
             </a:fld>
             <a:endParaRPr kumimoji="1" lang="ja-JP" altLang="en-US"/>
           </a:p>
@@ -778,7 +782,7 @@
           <a:p>
             <a:fld id="{299FEBA0-4DB9-4EE0-B326-733087988B64}" type="datetimeFigureOut">
               <a:rPr kumimoji="1" lang="ja-JP" altLang="en-US" smtClean="0"/>
-              <a:t>2015/5/21</a:t>
+              <a:t>2015/5/22</a:t>
             </a:fld>
             <a:endParaRPr kumimoji="1" lang="ja-JP" altLang="en-US"/>
           </a:p>
@@ -997,7 +1001,7 @@
           <a:p>
             <a:fld id="{299FEBA0-4DB9-4EE0-B326-733087988B64}" type="datetimeFigureOut">
               <a:rPr kumimoji="1" lang="ja-JP" altLang="en-US" smtClean="0"/>
-              <a:t>2015/5/21</a:t>
+              <a:t>2015/5/22</a:t>
             </a:fld>
             <a:endParaRPr kumimoji="1" lang="ja-JP" altLang="en-US"/>
           </a:p>
@@ -1094,7 +1098,7 @@
           <a:p>
             <a:fld id="{299FEBA0-4DB9-4EE0-B326-733087988B64}" type="datetimeFigureOut">
               <a:rPr kumimoji="1" lang="ja-JP" altLang="en-US" smtClean="0"/>
-              <a:t>2015/5/21</a:t>
+              <a:t>2015/5/22</a:t>
             </a:fld>
             <a:endParaRPr kumimoji="1" lang="ja-JP" altLang="en-US"/>
           </a:p>
@@ -1722,7 +1726,7 @@
           <a:p>
             <a:fld id="{299FEBA0-4DB9-4EE0-B326-733087988B64}" type="datetimeFigureOut">
               <a:rPr kumimoji="1" lang="ja-JP" altLang="en-US" smtClean="0"/>
-              <a:t>2015/5/21</a:t>
+              <a:t>2015/5/22</a:t>
             </a:fld>
             <a:endParaRPr kumimoji="1" lang="ja-JP" altLang="en-US"/>
           </a:p>
@@ -1819,7 +1823,7 @@
           <a:p>
             <a:fld id="{299FEBA0-4DB9-4EE0-B326-733087988B64}" type="datetimeFigureOut">
               <a:rPr kumimoji="1" lang="ja-JP" altLang="en-US" smtClean="0"/>
-              <a:t>2015/5/21</a:t>
+              <a:t>2015/5/22</a:t>
             </a:fld>
             <a:endParaRPr kumimoji="1" lang="ja-JP" altLang="en-US"/>
           </a:p>
@@ -2552,7 +2556,7 @@
           <a:p>
             <a:fld id="{299FEBA0-4DB9-4EE0-B326-733087988B64}" type="datetimeFigureOut">
               <a:rPr kumimoji="1" lang="ja-JP" altLang="en-US" smtClean="0"/>
-              <a:t>2015/5/21</a:t>
+              <a:t>2015/5/22</a:t>
             </a:fld>
             <a:endParaRPr kumimoji="1" lang="ja-JP" altLang="en-US"/>
           </a:p>
@@ -2695,7 +2699,7 @@
           <a:p>
             <a:fld id="{299FEBA0-4DB9-4EE0-B326-733087988B64}" type="datetimeFigureOut">
               <a:rPr kumimoji="1" lang="ja-JP" altLang="en-US" smtClean="0"/>
-              <a:t>2015/5/21</a:t>
+              <a:t>2015/5/22</a:t>
             </a:fld>
             <a:endParaRPr kumimoji="1" lang="ja-JP" altLang="en-US"/>
           </a:p>
@@ -2792,7 +2796,7 @@
           <a:p>
             <a:fld id="{299FEBA0-4DB9-4EE0-B326-733087988B64}" type="datetimeFigureOut">
               <a:rPr kumimoji="1" lang="ja-JP" altLang="en-US" smtClean="0"/>
-              <a:t>2015/5/21</a:t>
+              <a:t>2015/5/22</a:t>
             </a:fld>
             <a:endParaRPr kumimoji="1" lang="ja-JP" altLang="en-US"/>
           </a:p>
@@ -3108,7 +3112,7 @@
           <a:p>
             <a:fld id="{299FEBA0-4DB9-4EE0-B326-733087988B64}" type="datetimeFigureOut">
               <a:rPr kumimoji="1" lang="ja-JP" altLang="en-US" smtClean="0"/>
-              <a:t>2015/5/21</a:t>
+              <a:t>2015/5/22</a:t>
             </a:fld>
             <a:endParaRPr kumimoji="1" lang="ja-JP" altLang="en-US"/>
           </a:p>
@@ -3630,7 +3634,7 @@
           <a:p>
             <a:fld id="{299FEBA0-4DB9-4EE0-B326-733087988B64}" type="datetimeFigureOut">
               <a:rPr kumimoji="1" lang="ja-JP" altLang="en-US" smtClean="0"/>
-              <a:t>2015/5/21</a:t>
+              <a:t>2015/5/22</a:t>
             </a:fld>
             <a:endParaRPr kumimoji="1" lang="ja-JP" altLang="en-US"/>
           </a:p>
@@ -4182,7 +4186,7 @@
           <a:p>
             <a:fld id="{299FEBA0-4DB9-4EE0-B326-733087988B64}" type="datetimeFigureOut">
               <a:rPr kumimoji="1" lang="ja-JP" altLang="en-US" smtClean="0"/>
-              <a:t>2015/5/21</a:t>
+              <a:t>2015/5/22</a:t>
             </a:fld>
             <a:endParaRPr kumimoji="1" lang="ja-JP" altLang="en-US"/>
           </a:p>
@@ -4840,6 +4844,82 @@
 </p:sld>
 </file>
 
+<file path=ppt/slides/slide10.xml><?xml version="1.0" encoding="utf-8"?>
+<p:sld xmlns:a="http://schemas.openxmlformats.org/drawingml/2006/main" xmlns:r="http://schemas.openxmlformats.org/officeDocument/2006/relationships" xmlns:p="http://schemas.openxmlformats.org/presentationml/2006/main">
+  <p:cSld>
+    <p:spTree>
+      <p:nvGrpSpPr>
+        <p:cNvPr id="1" name=""/>
+        <p:cNvGrpSpPr/>
+        <p:nvPr/>
+      </p:nvGrpSpPr>
+      <p:grpSpPr>
+        <a:xfrm>
+          <a:off x="0" y="0"/>
+          <a:ext cx="0" cy="0"/>
+          <a:chOff x="0" y="0"/>
+          <a:chExt cx="0" cy="0"/>
+        </a:xfrm>
+      </p:grpSpPr>
+      <p:sp>
+        <p:nvSpPr>
+          <p:cNvPr id="4" name="テキスト ボックス 3"/>
+          <p:cNvSpPr txBox="1"/>
+          <p:nvPr/>
+        </p:nvSpPr>
+        <p:spPr>
+          <a:xfrm>
+            <a:off x="0" y="2924944"/>
+            <a:ext cx="9144000" cy="830997"/>
+          </a:xfrm>
+          <a:prstGeom prst="rect">
+            <a:avLst/>
+          </a:prstGeom>
+          <a:noFill/>
+        </p:spPr>
+        <p:txBody>
+          <a:bodyPr wrap="square" rtlCol="0">
+            <a:spAutoFit/>
+          </a:bodyPr>
+          <a:lstStyle/>
+          <a:p>
+            <a:pPr algn="ctr"/>
+            <a:r>
+              <a:rPr lang="ja-JP" altLang="en-US" sz="4800" dirty="0"/>
+              <a:t>制作</a:t>
+            </a:r>
+            <a:r>
+              <a:rPr lang="ja-JP" altLang="en-US" sz="4800" dirty="0" smtClean="0"/>
+              <a:t>した</a:t>
+            </a:r>
+            <a:r>
+              <a:rPr lang="ja-JP" altLang="en-US" sz="4800" dirty="0"/>
+              <a:t>デモの動作</a:t>
+            </a:r>
+            <a:endParaRPr kumimoji="1" lang="ja-JP" altLang="en-US" sz="4800" dirty="0"/>
+          </a:p>
+        </p:txBody>
+      </p:sp>
+    </p:spTree>
+    <p:extLst>
+      <p:ext uri="{BB962C8B-B14F-4D97-AF65-F5344CB8AC3E}">
+        <p14:creationId xmlns:p14="http://schemas.microsoft.com/office/powerpoint/2010/main" val="98643213"/>
+      </p:ext>
+    </p:extLst>
+  </p:cSld>
+  <p:clrMapOvr>
+    <a:masterClrMapping/>
+  </p:clrMapOvr>
+  <p:timing>
+    <p:tnLst>
+      <p:par>
+        <p:cTn id="1" dur="indefinite" restart="never" nodeType="tmRoot"/>
+      </p:par>
+    </p:tnLst>
+  </p:timing>
+</p:sld>
+</file>
+
 <file path=ppt/slides/slide2.xml><?xml version="1.0" encoding="utf-8"?>
 <p:sld xmlns:a="http://schemas.openxmlformats.org/drawingml/2006/main" xmlns:r="http://schemas.openxmlformats.org/officeDocument/2006/relationships" xmlns:p="http://schemas.openxmlformats.org/presentationml/2006/main">
   <p:cSld>
@@ -4865,6 +4945,1711 @@
         </p:nvSpPr>
         <p:spPr>
           <a:xfrm>
+            <a:off x="0" y="2852936"/>
+            <a:ext cx="9144000" cy="1569660"/>
+          </a:xfrm>
+          <a:prstGeom prst="rect">
+            <a:avLst/>
+          </a:prstGeom>
+          <a:noFill/>
+        </p:spPr>
+        <p:txBody>
+          <a:bodyPr wrap="square" rtlCol="0">
+            <a:spAutoFit/>
+          </a:bodyPr>
+          <a:lstStyle/>
+          <a:p>
+            <a:pPr algn="ctr"/>
+            <a:r>
+              <a:rPr kumimoji="1" lang="en-US" altLang="ja-JP" sz="4800" dirty="0" smtClean="0"/>
+              <a:t>HTML5</a:t>
+            </a:r>
+            <a:r>
+              <a:rPr kumimoji="1" lang="ja-JP" altLang="en-US" sz="4800" dirty="0" smtClean="0"/>
+              <a:t>の新機能のデモを</a:t>
+            </a:r>
+            <a:endParaRPr kumimoji="1" lang="en-US" altLang="ja-JP" sz="4800" dirty="0" smtClean="0"/>
+          </a:p>
+          <a:p>
+            <a:pPr algn="ctr"/>
+            <a:r>
+              <a:rPr lang="ja-JP" altLang="en-US" sz="4800" dirty="0" smtClean="0"/>
+              <a:t>選んだ</a:t>
+            </a:r>
+            <a:r>
+              <a:rPr kumimoji="1" lang="ja-JP" altLang="en-US" sz="4800" dirty="0" smtClean="0"/>
+              <a:t>理由</a:t>
+            </a:r>
+            <a:endParaRPr kumimoji="1" lang="ja-JP" altLang="en-US" sz="4800" dirty="0"/>
+          </a:p>
+        </p:txBody>
+      </p:sp>
+    </p:spTree>
+    <p:extLst>
+      <p:ext uri="{BB962C8B-B14F-4D97-AF65-F5344CB8AC3E}">
+        <p14:creationId xmlns:p14="http://schemas.microsoft.com/office/powerpoint/2010/main" val="3790454786"/>
+      </p:ext>
+    </p:extLst>
+  </p:cSld>
+  <p:clrMapOvr>
+    <a:masterClrMapping/>
+  </p:clrMapOvr>
+  <p:timing>
+    <p:tnLst>
+      <p:par>
+        <p:cTn id="1" dur="indefinite" restart="never" nodeType="tmRoot"/>
+      </p:par>
+    </p:tnLst>
+  </p:timing>
+</p:sld>
+</file>
+
+<file path=ppt/slides/slide3.xml><?xml version="1.0" encoding="utf-8"?>
+<p:sld xmlns:a="http://schemas.openxmlformats.org/drawingml/2006/main" xmlns:r="http://schemas.openxmlformats.org/officeDocument/2006/relationships" xmlns:p="http://schemas.openxmlformats.org/presentationml/2006/main">
+  <p:cSld>
+    <p:spTree>
+      <p:nvGrpSpPr>
+        <p:cNvPr id="1" name=""/>
+        <p:cNvGrpSpPr/>
+        <p:nvPr/>
+      </p:nvGrpSpPr>
+      <p:grpSpPr>
+        <a:xfrm>
+          <a:off x="0" y="0"/>
+          <a:ext cx="0" cy="0"/>
+          <a:chOff x="0" y="0"/>
+          <a:chExt cx="0" cy="0"/>
+        </a:xfrm>
+      </p:grpSpPr>
+      <p:sp>
+        <p:nvSpPr>
+          <p:cNvPr id="4" name="テキスト ボックス 3"/>
+          <p:cNvSpPr txBox="1"/>
+          <p:nvPr/>
+        </p:nvSpPr>
+        <p:spPr>
+          <a:xfrm>
+            <a:off x="683568" y="334397"/>
+            <a:ext cx="7632848" cy="646331"/>
+          </a:xfrm>
+          <a:prstGeom prst="rect">
+            <a:avLst/>
+          </a:prstGeom>
+          <a:noFill/>
+        </p:spPr>
+        <p:txBody>
+          <a:bodyPr wrap="square" rtlCol="0">
+            <a:spAutoFit/>
+          </a:bodyPr>
+          <a:lstStyle/>
+          <a:p>
+            <a:r>
+              <a:rPr kumimoji="1" lang="en-US" altLang="ja-JP" sz="3600" dirty="0" smtClean="0"/>
+              <a:t>HTML5</a:t>
+            </a:r>
+            <a:r>
+              <a:rPr kumimoji="1" lang="ja-JP" altLang="en-US" sz="3600" dirty="0" smtClean="0"/>
+              <a:t>の</a:t>
+            </a:r>
+            <a:r>
+              <a:rPr kumimoji="1" lang="ja-JP" altLang="en-US" sz="3600" dirty="0" smtClean="0"/>
+              <a:t>新機能のデモを</a:t>
+            </a:r>
+            <a:r>
+              <a:rPr lang="ja-JP" altLang="en-US" sz="3600" dirty="0"/>
+              <a:t>選んだ理由</a:t>
+            </a:r>
+            <a:endParaRPr kumimoji="1" lang="ja-JP" altLang="en-US" sz="3600" dirty="0"/>
+          </a:p>
+        </p:txBody>
+      </p:sp>
+      <p:sp>
+        <p:nvSpPr>
+          <p:cNvPr id="5" name="テキスト ボックス 4"/>
+          <p:cNvSpPr txBox="1"/>
+          <p:nvPr/>
+        </p:nvSpPr>
+        <p:spPr>
+          <a:xfrm>
+            <a:off x="611560" y="1124744"/>
+            <a:ext cx="3960440" cy="523220"/>
+          </a:xfrm>
+          <a:prstGeom prst="rect">
+            <a:avLst/>
+          </a:prstGeom>
+          <a:noFill/>
+        </p:spPr>
+        <p:txBody>
+          <a:bodyPr wrap="square" rtlCol="0">
+            <a:spAutoFit/>
+          </a:bodyPr>
+          <a:lstStyle/>
+          <a:p>
+            <a:r>
+              <a:rPr lang="ja-JP" altLang="en-US" sz="2800" dirty="0" smtClean="0"/>
+              <a:t>・</a:t>
+            </a:r>
+            <a:r>
+              <a:rPr lang="en-US" altLang="ja-JP" sz="2800" dirty="0" smtClean="0"/>
+              <a:t>Yahoo</a:t>
+            </a:r>
+            <a:r>
+              <a:rPr lang="ja-JP" altLang="en-US" sz="2800" dirty="0"/>
+              <a:t>！</a:t>
+            </a:r>
+            <a:r>
+              <a:rPr lang="ja-JP" altLang="en-US" sz="2800" dirty="0" err="1"/>
+              <a:t>での</a:t>
+            </a:r>
+            <a:r>
+              <a:rPr lang="en-US" altLang="ja-JP" sz="2800" dirty="0"/>
+              <a:t>SEO</a:t>
+            </a:r>
+            <a:r>
+              <a:rPr lang="ja-JP" altLang="en-US" sz="2800" dirty="0"/>
+              <a:t>対策</a:t>
+            </a:r>
+            <a:endParaRPr lang="en-US" altLang="ja-JP" sz="2800" dirty="0"/>
+          </a:p>
+        </p:txBody>
+      </p:sp>
+      <p:sp>
+        <p:nvSpPr>
+          <p:cNvPr id="14" name="テキスト ボックス 13"/>
+          <p:cNvSpPr txBox="1"/>
+          <p:nvPr/>
+        </p:nvSpPr>
+        <p:spPr>
+          <a:xfrm>
+            <a:off x="611560" y="1556792"/>
+            <a:ext cx="4247937" cy="523220"/>
+          </a:xfrm>
+          <a:prstGeom prst="rect">
+            <a:avLst/>
+          </a:prstGeom>
+          <a:noFill/>
+        </p:spPr>
+        <p:txBody>
+          <a:bodyPr wrap="square" rtlCol="0">
+            <a:spAutoFit/>
+          </a:bodyPr>
+          <a:lstStyle/>
+          <a:p>
+            <a:r>
+              <a:rPr lang="ja-JP" altLang="en-US" sz="2800" dirty="0" smtClean="0"/>
+              <a:t>・国内技術ブログ </a:t>
+            </a:r>
+            <a:r>
+              <a:rPr lang="en-US" altLang="ja-JP" sz="2800" dirty="0" smtClean="0"/>
+              <a:t>Top10</a:t>
+            </a:r>
+            <a:endParaRPr lang="en-US" altLang="ja-JP" sz="2800" dirty="0"/>
+          </a:p>
+        </p:txBody>
+      </p:sp>
+      <p:sp>
+        <p:nvSpPr>
+          <p:cNvPr id="15" name="テキスト ボックス 14"/>
+          <p:cNvSpPr txBox="1"/>
+          <p:nvPr/>
+        </p:nvSpPr>
+        <p:spPr>
+          <a:xfrm>
+            <a:off x="620479" y="2420888"/>
+            <a:ext cx="2223329" cy="523220"/>
+          </a:xfrm>
+          <a:prstGeom prst="rect">
+            <a:avLst/>
+          </a:prstGeom>
+          <a:noFill/>
+        </p:spPr>
+        <p:txBody>
+          <a:bodyPr wrap="square" rtlCol="0">
+            <a:spAutoFit/>
+          </a:bodyPr>
+          <a:lstStyle/>
+          <a:p>
+            <a:r>
+              <a:rPr lang="ja-JP" altLang="en-US" sz="2800" dirty="0" smtClean="0"/>
+              <a:t>・</a:t>
+            </a:r>
+            <a:r>
+              <a:rPr lang="en-US" altLang="ja-JP" sz="2800" dirty="0" smtClean="0"/>
+              <a:t>CMS Top10</a:t>
+            </a:r>
+            <a:endParaRPr lang="en-US" altLang="ja-JP" sz="2800" dirty="0"/>
+          </a:p>
+        </p:txBody>
+      </p:sp>
+      <p:sp>
+        <p:nvSpPr>
+          <p:cNvPr id="16" name="テキスト ボックス 15"/>
+          <p:cNvSpPr txBox="1"/>
+          <p:nvPr/>
+        </p:nvSpPr>
+        <p:spPr>
+          <a:xfrm>
+            <a:off x="611560" y="2833772"/>
+            <a:ext cx="3416345" cy="523220"/>
+          </a:xfrm>
+          <a:prstGeom prst="rect">
+            <a:avLst/>
+          </a:prstGeom>
+          <a:noFill/>
+        </p:spPr>
+        <p:txBody>
+          <a:bodyPr wrap="square" rtlCol="0">
+            <a:spAutoFit/>
+          </a:bodyPr>
+          <a:lstStyle/>
+          <a:p>
+            <a:r>
+              <a:rPr lang="ja-JP" altLang="en-US" sz="2800" dirty="0" smtClean="0"/>
+              <a:t>・コーディング</a:t>
+            </a:r>
+            <a:r>
+              <a:rPr lang="ja-JP" altLang="en-US" sz="2800" dirty="0"/>
+              <a:t>規約</a:t>
+            </a:r>
+            <a:endParaRPr lang="en-US" altLang="ja-JP" sz="2800" dirty="0"/>
+          </a:p>
+        </p:txBody>
+      </p:sp>
+      <p:sp>
+        <p:nvSpPr>
+          <p:cNvPr id="17" name="テキスト ボックス 16"/>
+          <p:cNvSpPr txBox="1"/>
+          <p:nvPr/>
+        </p:nvSpPr>
+        <p:spPr>
+          <a:xfrm>
+            <a:off x="611560" y="1988840"/>
+            <a:ext cx="3208392" cy="523220"/>
+          </a:xfrm>
+          <a:prstGeom prst="rect">
+            <a:avLst/>
+          </a:prstGeom>
+          <a:noFill/>
+        </p:spPr>
+        <p:txBody>
+          <a:bodyPr wrap="square" rtlCol="0">
+            <a:spAutoFit/>
+          </a:bodyPr>
+          <a:lstStyle/>
+          <a:p>
+            <a:r>
+              <a:rPr lang="ja-JP" altLang="en-US" sz="2800" dirty="0" smtClean="0"/>
+              <a:t>・</a:t>
+            </a:r>
+            <a:r>
+              <a:rPr lang="en-US" altLang="ja-JP" sz="2800" dirty="0" err="1" smtClean="0"/>
+              <a:t>Git</a:t>
+            </a:r>
+            <a:r>
+              <a:rPr lang="ja-JP" altLang="en-US" sz="2800" dirty="0" err="1" smtClean="0"/>
+              <a:t>での</a:t>
+            </a:r>
+            <a:r>
+              <a:rPr lang="ja-JP" altLang="en-US" sz="2800" dirty="0" smtClean="0"/>
+              <a:t>成果管理</a:t>
+            </a:r>
+            <a:endParaRPr lang="en-US" altLang="ja-JP" sz="2800" dirty="0"/>
+          </a:p>
+        </p:txBody>
+      </p:sp>
+      <p:sp>
+        <p:nvSpPr>
+          <p:cNvPr id="18" name="テキスト ボックス 17"/>
+          <p:cNvSpPr txBox="1"/>
+          <p:nvPr/>
+        </p:nvSpPr>
+        <p:spPr>
+          <a:xfrm>
+            <a:off x="611560" y="3265820"/>
+            <a:ext cx="4120176" cy="523220"/>
+          </a:xfrm>
+          <a:prstGeom prst="rect">
+            <a:avLst/>
+          </a:prstGeom>
+          <a:noFill/>
+        </p:spPr>
+        <p:txBody>
+          <a:bodyPr wrap="square" rtlCol="0">
+            <a:spAutoFit/>
+          </a:bodyPr>
+          <a:lstStyle/>
+          <a:p>
+            <a:r>
+              <a:rPr lang="ja-JP" altLang="en-US" sz="2800" dirty="0" smtClean="0"/>
+              <a:t>・</a:t>
+            </a:r>
+            <a:r>
+              <a:rPr lang="en-US" altLang="ja-JP" sz="2800" dirty="0" smtClean="0"/>
+              <a:t>HTML5</a:t>
+            </a:r>
+            <a:r>
+              <a:rPr lang="ja-JP" altLang="en-US" sz="2800" dirty="0" smtClean="0"/>
+              <a:t>の新機能のデモ</a:t>
+            </a:r>
+            <a:endParaRPr lang="en-US" altLang="ja-JP" sz="2800" dirty="0"/>
+          </a:p>
+        </p:txBody>
+      </p:sp>
+      <p:sp>
+        <p:nvSpPr>
+          <p:cNvPr id="19" name="テキスト ボックス 18"/>
+          <p:cNvSpPr txBox="1"/>
+          <p:nvPr/>
+        </p:nvSpPr>
+        <p:spPr>
+          <a:xfrm>
+            <a:off x="611560" y="3697868"/>
+            <a:ext cx="3976907" cy="523220"/>
+          </a:xfrm>
+          <a:prstGeom prst="rect">
+            <a:avLst/>
+          </a:prstGeom>
+          <a:noFill/>
+        </p:spPr>
+        <p:txBody>
+          <a:bodyPr wrap="square" rtlCol="0">
+            <a:spAutoFit/>
+          </a:bodyPr>
+          <a:lstStyle/>
+          <a:p>
+            <a:r>
+              <a:rPr lang="ja-JP" altLang="en-US" sz="2800" dirty="0" smtClean="0"/>
+              <a:t>・</a:t>
+            </a:r>
+            <a:r>
+              <a:rPr lang="en-US" altLang="ja-JP" sz="2800" dirty="0" smtClean="0"/>
+              <a:t>OSS</a:t>
+            </a:r>
+            <a:r>
+              <a:rPr lang="ja-JP" altLang="en-US" sz="2800" dirty="0" smtClean="0"/>
+              <a:t>のライセンス形態</a:t>
+            </a:r>
+            <a:endParaRPr lang="en-US" altLang="ja-JP" sz="2800" dirty="0"/>
+          </a:p>
+        </p:txBody>
+      </p:sp>
+      <p:sp>
+        <p:nvSpPr>
+          <p:cNvPr id="20" name="テキスト ボックス 19"/>
+          <p:cNvSpPr txBox="1"/>
+          <p:nvPr/>
+        </p:nvSpPr>
+        <p:spPr>
+          <a:xfrm>
+            <a:off x="611560" y="4129916"/>
+            <a:ext cx="3416345" cy="523220"/>
+          </a:xfrm>
+          <a:prstGeom prst="rect">
+            <a:avLst/>
+          </a:prstGeom>
+          <a:noFill/>
+        </p:spPr>
+        <p:txBody>
+          <a:bodyPr wrap="square" rtlCol="0">
+            <a:spAutoFit/>
+          </a:bodyPr>
+          <a:lstStyle/>
+          <a:p>
+            <a:r>
+              <a:rPr lang="ja-JP" altLang="en-US" sz="2800" dirty="0" smtClean="0"/>
+              <a:t>・</a:t>
+            </a:r>
+            <a:r>
+              <a:rPr lang="en-US" altLang="ja-JP" sz="2800" dirty="0" smtClean="0"/>
+              <a:t>OSS</a:t>
+            </a:r>
+            <a:r>
+              <a:rPr lang="ja-JP" altLang="en-US" sz="2800" dirty="0" smtClean="0"/>
+              <a:t>のコミッター</a:t>
+            </a:r>
+            <a:endParaRPr lang="en-US" altLang="ja-JP" sz="2800" dirty="0"/>
+          </a:p>
+        </p:txBody>
+      </p:sp>
+      <p:sp>
+        <p:nvSpPr>
+          <p:cNvPr id="21" name="テキスト ボックス 20"/>
+          <p:cNvSpPr txBox="1"/>
+          <p:nvPr/>
+        </p:nvSpPr>
+        <p:spPr>
+          <a:xfrm>
+            <a:off x="611560" y="4561964"/>
+            <a:ext cx="3416345" cy="523220"/>
+          </a:xfrm>
+          <a:prstGeom prst="rect">
+            <a:avLst/>
+          </a:prstGeom>
+          <a:noFill/>
+        </p:spPr>
+        <p:txBody>
+          <a:bodyPr wrap="square" rtlCol="0">
+            <a:spAutoFit/>
+          </a:bodyPr>
+          <a:lstStyle/>
+          <a:p>
+            <a:r>
+              <a:rPr lang="ja-JP" altLang="en-US" sz="2800" dirty="0" smtClean="0"/>
+              <a:t>・技術パートナー</a:t>
+            </a:r>
+            <a:endParaRPr lang="en-US" altLang="ja-JP" sz="2800" dirty="0"/>
+          </a:p>
+        </p:txBody>
+      </p:sp>
+      <p:sp>
+        <p:nvSpPr>
+          <p:cNvPr id="22" name="テキスト ボックス 21"/>
+          <p:cNvSpPr txBox="1"/>
+          <p:nvPr/>
+        </p:nvSpPr>
+        <p:spPr>
+          <a:xfrm>
+            <a:off x="611560" y="4994012"/>
+            <a:ext cx="3416345" cy="523220"/>
+          </a:xfrm>
+          <a:prstGeom prst="rect">
+            <a:avLst/>
+          </a:prstGeom>
+          <a:noFill/>
+        </p:spPr>
+        <p:txBody>
+          <a:bodyPr wrap="square" rtlCol="0">
+            <a:spAutoFit/>
+          </a:bodyPr>
+          <a:lstStyle/>
+          <a:p>
+            <a:r>
+              <a:rPr lang="ja-JP" altLang="en-US" sz="2800" dirty="0" smtClean="0"/>
+              <a:t>・面白いモノづくり</a:t>
+            </a:r>
+            <a:endParaRPr lang="en-US" altLang="ja-JP" sz="2800" dirty="0"/>
+          </a:p>
+        </p:txBody>
+      </p:sp>
+      <p:sp>
+        <p:nvSpPr>
+          <p:cNvPr id="23" name="テキスト ボックス 22"/>
+          <p:cNvSpPr txBox="1"/>
+          <p:nvPr/>
+        </p:nvSpPr>
+        <p:spPr>
+          <a:xfrm>
+            <a:off x="611560" y="5858108"/>
+            <a:ext cx="5996683" cy="523220"/>
+          </a:xfrm>
+          <a:prstGeom prst="rect">
+            <a:avLst/>
+          </a:prstGeom>
+          <a:noFill/>
+        </p:spPr>
+        <p:txBody>
+          <a:bodyPr wrap="square" rtlCol="0">
+            <a:spAutoFit/>
+          </a:bodyPr>
+          <a:lstStyle/>
+          <a:p>
+            <a:r>
+              <a:rPr lang="ja-JP" altLang="en-US" sz="2800" dirty="0" smtClean="0"/>
+              <a:t>・</a:t>
+            </a:r>
+            <a:r>
+              <a:rPr lang="en-US" altLang="ja-JP" sz="2800" dirty="0"/>
+              <a:t>vi</a:t>
+            </a:r>
+            <a:r>
+              <a:rPr lang="ja-JP" altLang="en-US" sz="2800" dirty="0"/>
+              <a:t>エディタでお役立ちシェル作成</a:t>
+            </a:r>
+            <a:endParaRPr lang="en-US" altLang="ja-JP" sz="2800" dirty="0"/>
+          </a:p>
+        </p:txBody>
+      </p:sp>
+      <p:sp>
+        <p:nvSpPr>
+          <p:cNvPr id="24" name="テキスト ボックス 23"/>
+          <p:cNvSpPr txBox="1"/>
+          <p:nvPr/>
+        </p:nvSpPr>
+        <p:spPr>
+          <a:xfrm>
+            <a:off x="611560" y="5426060"/>
+            <a:ext cx="3888431" cy="523220"/>
+          </a:xfrm>
+          <a:prstGeom prst="rect">
+            <a:avLst/>
+          </a:prstGeom>
+          <a:noFill/>
+        </p:spPr>
+        <p:txBody>
+          <a:bodyPr wrap="square" rtlCol="0">
+            <a:spAutoFit/>
+          </a:bodyPr>
+          <a:lstStyle/>
+          <a:p>
+            <a:r>
+              <a:rPr lang="ja-JP" altLang="en-US" sz="2800" dirty="0" smtClean="0"/>
+              <a:t>・</a:t>
+            </a:r>
+            <a:r>
+              <a:rPr lang="en-US" altLang="ja-JP" sz="2800" dirty="0" smtClean="0"/>
+              <a:t>Ruby On Rails</a:t>
+            </a:r>
+            <a:r>
+              <a:rPr lang="ja-JP" altLang="en-US" sz="2800" dirty="0" smtClean="0"/>
+              <a:t>のデモ</a:t>
+            </a:r>
+            <a:endParaRPr lang="en-US" altLang="ja-JP" sz="2800" dirty="0"/>
+          </a:p>
+        </p:txBody>
+      </p:sp>
+      <p:grpSp>
+        <p:nvGrpSpPr>
+          <p:cNvPr id="3" name="グループ化 2"/>
+          <p:cNvGrpSpPr/>
+          <p:nvPr/>
+        </p:nvGrpSpPr>
+        <p:grpSpPr>
+          <a:xfrm>
+            <a:off x="5004048" y="1772816"/>
+            <a:ext cx="3744416" cy="3437220"/>
+            <a:chOff x="5076056" y="1935996"/>
+            <a:chExt cx="3744416" cy="3437220"/>
+          </a:xfrm>
+        </p:grpSpPr>
+        <p:sp>
+          <p:nvSpPr>
+            <p:cNvPr id="2" name="爆発 1 1"/>
+            <p:cNvSpPr/>
+            <p:nvPr/>
+          </p:nvSpPr>
+          <p:spPr>
+            <a:xfrm>
+              <a:off x="5076056" y="1935996"/>
+              <a:ext cx="3744416" cy="3437220"/>
+            </a:xfrm>
+            <a:prstGeom prst="irregularSeal1">
+              <a:avLst/>
+            </a:prstGeom>
+            <a:solidFill>
+              <a:srgbClr val="FFFF00"/>
+            </a:solidFill>
+          </p:spPr>
+          <p:style>
+            <a:lnRef idx="2">
+              <a:schemeClr val="dk1">
+                <a:shade val="50000"/>
+              </a:schemeClr>
+            </a:lnRef>
+            <a:fillRef idx="1">
+              <a:schemeClr val="dk1"/>
+            </a:fillRef>
+            <a:effectRef idx="0">
+              <a:schemeClr val="dk1"/>
+            </a:effectRef>
+            <a:fontRef idx="minor">
+              <a:schemeClr val="lt1"/>
+            </a:fontRef>
+          </p:style>
+          <p:txBody>
+            <a:bodyPr rtlCol="0" anchor="ctr"/>
+            <a:lstStyle/>
+            <a:p>
+              <a:pPr algn="ctr"/>
+              <a:endParaRPr kumimoji="1" lang="ja-JP" altLang="en-US"/>
+            </a:p>
+          </p:txBody>
+        </p:sp>
+        <p:sp>
+          <p:nvSpPr>
+            <p:cNvPr id="25" name="テキスト ボックス 24"/>
+            <p:cNvSpPr txBox="1"/>
+            <p:nvPr/>
+          </p:nvSpPr>
+          <p:spPr>
+            <a:xfrm>
+              <a:off x="5363553" y="3244914"/>
+              <a:ext cx="3168887" cy="400110"/>
+            </a:xfrm>
+            <a:prstGeom prst="rect">
+              <a:avLst/>
+            </a:prstGeom>
+            <a:noFill/>
+          </p:spPr>
+          <p:txBody>
+            <a:bodyPr wrap="square" rtlCol="0">
+              <a:spAutoFit/>
+            </a:bodyPr>
+            <a:lstStyle/>
+            <a:p>
+              <a:r>
+                <a:rPr lang="ja-JP" altLang="en-US" sz="2000" b="1" dirty="0" smtClean="0">
+                  <a:solidFill>
+                    <a:srgbClr val="FF0000"/>
+                  </a:solidFill>
+                </a:rPr>
+                <a:t>目に見えて動きがわかる</a:t>
+              </a:r>
+              <a:endParaRPr lang="en-US" altLang="ja-JP" sz="2000" b="1" dirty="0">
+                <a:solidFill>
+                  <a:srgbClr val="FF0000"/>
+                </a:solidFill>
+              </a:endParaRPr>
+            </a:p>
+          </p:txBody>
+        </p:sp>
+        <p:sp>
+          <p:nvSpPr>
+            <p:cNvPr id="26" name="テキスト ボックス 25"/>
+            <p:cNvSpPr txBox="1"/>
+            <p:nvPr/>
+          </p:nvSpPr>
+          <p:spPr>
+            <a:xfrm>
+              <a:off x="5811091" y="3748970"/>
+              <a:ext cx="2289301" cy="400110"/>
+            </a:xfrm>
+            <a:prstGeom prst="rect">
+              <a:avLst/>
+            </a:prstGeom>
+            <a:noFill/>
+          </p:spPr>
+          <p:txBody>
+            <a:bodyPr wrap="square" rtlCol="0">
+              <a:spAutoFit/>
+            </a:bodyPr>
+            <a:lstStyle/>
+            <a:p>
+              <a:r>
+                <a:rPr lang="ja-JP" altLang="en-US" sz="2000" b="1" dirty="0" smtClean="0">
+                  <a:solidFill>
+                    <a:srgbClr val="FF0000"/>
+                  </a:solidFill>
+                </a:rPr>
+                <a:t>作っていて楽しい</a:t>
+              </a:r>
+              <a:endParaRPr lang="en-US" altLang="ja-JP" sz="2000" b="1" dirty="0">
+                <a:solidFill>
+                  <a:srgbClr val="FF0000"/>
+                </a:solidFill>
+              </a:endParaRPr>
+            </a:p>
+          </p:txBody>
+        </p:sp>
+      </p:grpSp>
+    </p:spTree>
+    <p:extLst>
+      <p:ext uri="{BB962C8B-B14F-4D97-AF65-F5344CB8AC3E}">
+        <p14:creationId xmlns:p14="http://schemas.microsoft.com/office/powerpoint/2010/main" val="3427874993"/>
+      </p:ext>
+    </p:extLst>
+  </p:cSld>
+  <p:clrMapOvr>
+    <a:masterClrMapping/>
+  </p:clrMapOvr>
+  <p:timing>
+    <p:tnLst>
+      <p:par>
+        <p:cTn id="1" dur="indefinite" restart="never" nodeType="tmRoot">
+          <p:childTnLst>
+            <p:seq concurrent="1" nextAc="seek">
+              <p:cTn id="2" dur="indefinite" nodeType="mainSeq">
+                <p:childTnLst>
+                  <p:par>
+                    <p:cTn id="3" fill="hold">
+                      <p:stCondLst>
+                        <p:cond delay="indefinite"/>
+                      </p:stCondLst>
+                      <p:childTnLst>
+                        <p:par>
+                          <p:cTn id="4" fill="hold">
+                            <p:stCondLst>
+                              <p:cond delay="0"/>
+                            </p:stCondLst>
+                            <p:childTnLst>
+                              <p:par>
+                                <p:cTn id="5" presetID="2" presetClass="exit" presetSubtype="4" fill="hold" grpId="0" nodeType="clickEffect">
+                                  <p:stCondLst>
+                                    <p:cond delay="0"/>
+                                  </p:stCondLst>
+                                  <p:childTnLst>
+                                    <p:anim calcmode="lin" valueType="num">
+                                      <p:cBhvr additive="base">
+                                        <p:cTn id="6" dur="500"/>
+                                        <p:tgtEl>
+                                          <p:spTgt spid="5"/>
+                                        </p:tgtEl>
+                                        <p:attrNameLst>
+                                          <p:attrName>ppt_x</p:attrName>
+                                        </p:attrNameLst>
+                                      </p:cBhvr>
+                                      <p:tavLst>
+                                        <p:tav tm="0">
+                                          <p:val>
+                                            <p:strVal val="ppt_x"/>
+                                          </p:val>
+                                        </p:tav>
+                                        <p:tav tm="100000">
+                                          <p:val>
+                                            <p:strVal val="ppt_x"/>
+                                          </p:val>
+                                        </p:tav>
+                                      </p:tavLst>
+                                    </p:anim>
+                                    <p:anim calcmode="lin" valueType="num">
+                                      <p:cBhvr additive="base">
+                                        <p:cTn id="7" dur="500"/>
+                                        <p:tgtEl>
+                                          <p:spTgt spid="5"/>
+                                        </p:tgtEl>
+                                        <p:attrNameLst>
+                                          <p:attrName>ppt_y</p:attrName>
+                                        </p:attrNameLst>
+                                      </p:cBhvr>
+                                      <p:tavLst>
+                                        <p:tav tm="0">
+                                          <p:val>
+                                            <p:strVal val="ppt_y"/>
+                                          </p:val>
+                                        </p:tav>
+                                        <p:tav tm="100000">
+                                          <p:val>
+                                            <p:strVal val="1+ppt_h/2"/>
+                                          </p:val>
+                                        </p:tav>
+                                      </p:tavLst>
+                                    </p:anim>
+                                    <p:set>
+                                      <p:cBhvr>
+                                        <p:cTn id="8" dur="1" fill="hold">
+                                          <p:stCondLst>
+                                            <p:cond delay="499"/>
+                                          </p:stCondLst>
+                                        </p:cTn>
+                                        <p:tgtEl>
+                                          <p:spTgt spid="5"/>
+                                        </p:tgtEl>
+                                        <p:attrNameLst>
+                                          <p:attrName>style.visibility</p:attrName>
+                                        </p:attrNameLst>
+                                      </p:cBhvr>
+                                      <p:to>
+                                        <p:strVal val="hidden"/>
+                                      </p:to>
+                                    </p:set>
+                                  </p:childTnLst>
+                                </p:cTn>
+                              </p:par>
+                              <p:par>
+                                <p:cTn id="9" presetID="2" presetClass="exit" presetSubtype="4" fill="hold" grpId="0" nodeType="withEffect">
+                                  <p:stCondLst>
+                                    <p:cond delay="0"/>
+                                  </p:stCondLst>
+                                  <p:childTnLst>
+                                    <p:anim calcmode="lin" valueType="num">
+                                      <p:cBhvr additive="base">
+                                        <p:cTn id="10" dur="500"/>
+                                        <p:tgtEl>
+                                          <p:spTgt spid="14"/>
+                                        </p:tgtEl>
+                                        <p:attrNameLst>
+                                          <p:attrName>ppt_x</p:attrName>
+                                        </p:attrNameLst>
+                                      </p:cBhvr>
+                                      <p:tavLst>
+                                        <p:tav tm="0">
+                                          <p:val>
+                                            <p:strVal val="ppt_x"/>
+                                          </p:val>
+                                        </p:tav>
+                                        <p:tav tm="100000">
+                                          <p:val>
+                                            <p:strVal val="ppt_x"/>
+                                          </p:val>
+                                        </p:tav>
+                                      </p:tavLst>
+                                    </p:anim>
+                                    <p:anim calcmode="lin" valueType="num">
+                                      <p:cBhvr additive="base">
+                                        <p:cTn id="11" dur="500"/>
+                                        <p:tgtEl>
+                                          <p:spTgt spid="14"/>
+                                        </p:tgtEl>
+                                        <p:attrNameLst>
+                                          <p:attrName>ppt_y</p:attrName>
+                                        </p:attrNameLst>
+                                      </p:cBhvr>
+                                      <p:tavLst>
+                                        <p:tav tm="0">
+                                          <p:val>
+                                            <p:strVal val="ppt_y"/>
+                                          </p:val>
+                                        </p:tav>
+                                        <p:tav tm="100000">
+                                          <p:val>
+                                            <p:strVal val="1+ppt_h/2"/>
+                                          </p:val>
+                                        </p:tav>
+                                      </p:tavLst>
+                                    </p:anim>
+                                    <p:set>
+                                      <p:cBhvr>
+                                        <p:cTn id="12" dur="1" fill="hold">
+                                          <p:stCondLst>
+                                            <p:cond delay="499"/>
+                                          </p:stCondLst>
+                                        </p:cTn>
+                                        <p:tgtEl>
+                                          <p:spTgt spid="14"/>
+                                        </p:tgtEl>
+                                        <p:attrNameLst>
+                                          <p:attrName>style.visibility</p:attrName>
+                                        </p:attrNameLst>
+                                      </p:cBhvr>
+                                      <p:to>
+                                        <p:strVal val="hidden"/>
+                                      </p:to>
+                                    </p:set>
+                                  </p:childTnLst>
+                                </p:cTn>
+                              </p:par>
+                              <p:par>
+                                <p:cTn id="13" presetID="2" presetClass="exit" presetSubtype="4" fill="hold" grpId="0" nodeType="withEffect">
+                                  <p:stCondLst>
+                                    <p:cond delay="0"/>
+                                  </p:stCondLst>
+                                  <p:childTnLst>
+                                    <p:anim calcmode="lin" valueType="num">
+                                      <p:cBhvr additive="base">
+                                        <p:cTn id="14" dur="500"/>
+                                        <p:tgtEl>
+                                          <p:spTgt spid="17"/>
+                                        </p:tgtEl>
+                                        <p:attrNameLst>
+                                          <p:attrName>ppt_x</p:attrName>
+                                        </p:attrNameLst>
+                                      </p:cBhvr>
+                                      <p:tavLst>
+                                        <p:tav tm="0">
+                                          <p:val>
+                                            <p:strVal val="ppt_x"/>
+                                          </p:val>
+                                        </p:tav>
+                                        <p:tav tm="100000">
+                                          <p:val>
+                                            <p:strVal val="ppt_x"/>
+                                          </p:val>
+                                        </p:tav>
+                                      </p:tavLst>
+                                    </p:anim>
+                                    <p:anim calcmode="lin" valueType="num">
+                                      <p:cBhvr additive="base">
+                                        <p:cTn id="15" dur="500"/>
+                                        <p:tgtEl>
+                                          <p:spTgt spid="17"/>
+                                        </p:tgtEl>
+                                        <p:attrNameLst>
+                                          <p:attrName>ppt_y</p:attrName>
+                                        </p:attrNameLst>
+                                      </p:cBhvr>
+                                      <p:tavLst>
+                                        <p:tav tm="0">
+                                          <p:val>
+                                            <p:strVal val="ppt_y"/>
+                                          </p:val>
+                                        </p:tav>
+                                        <p:tav tm="100000">
+                                          <p:val>
+                                            <p:strVal val="1+ppt_h/2"/>
+                                          </p:val>
+                                        </p:tav>
+                                      </p:tavLst>
+                                    </p:anim>
+                                    <p:set>
+                                      <p:cBhvr>
+                                        <p:cTn id="16" dur="1" fill="hold">
+                                          <p:stCondLst>
+                                            <p:cond delay="499"/>
+                                          </p:stCondLst>
+                                        </p:cTn>
+                                        <p:tgtEl>
+                                          <p:spTgt spid="17"/>
+                                        </p:tgtEl>
+                                        <p:attrNameLst>
+                                          <p:attrName>style.visibility</p:attrName>
+                                        </p:attrNameLst>
+                                      </p:cBhvr>
+                                      <p:to>
+                                        <p:strVal val="hidden"/>
+                                      </p:to>
+                                    </p:set>
+                                  </p:childTnLst>
+                                </p:cTn>
+                              </p:par>
+                              <p:par>
+                                <p:cTn id="17" presetID="2" presetClass="exit" presetSubtype="4" fill="hold" grpId="0" nodeType="withEffect">
+                                  <p:stCondLst>
+                                    <p:cond delay="0"/>
+                                  </p:stCondLst>
+                                  <p:childTnLst>
+                                    <p:anim calcmode="lin" valueType="num">
+                                      <p:cBhvr additive="base">
+                                        <p:cTn id="18" dur="500"/>
+                                        <p:tgtEl>
+                                          <p:spTgt spid="15"/>
+                                        </p:tgtEl>
+                                        <p:attrNameLst>
+                                          <p:attrName>ppt_x</p:attrName>
+                                        </p:attrNameLst>
+                                      </p:cBhvr>
+                                      <p:tavLst>
+                                        <p:tav tm="0">
+                                          <p:val>
+                                            <p:strVal val="ppt_x"/>
+                                          </p:val>
+                                        </p:tav>
+                                        <p:tav tm="100000">
+                                          <p:val>
+                                            <p:strVal val="ppt_x"/>
+                                          </p:val>
+                                        </p:tav>
+                                      </p:tavLst>
+                                    </p:anim>
+                                    <p:anim calcmode="lin" valueType="num">
+                                      <p:cBhvr additive="base">
+                                        <p:cTn id="19" dur="500"/>
+                                        <p:tgtEl>
+                                          <p:spTgt spid="15"/>
+                                        </p:tgtEl>
+                                        <p:attrNameLst>
+                                          <p:attrName>ppt_y</p:attrName>
+                                        </p:attrNameLst>
+                                      </p:cBhvr>
+                                      <p:tavLst>
+                                        <p:tav tm="0">
+                                          <p:val>
+                                            <p:strVal val="ppt_y"/>
+                                          </p:val>
+                                        </p:tav>
+                                        <p:tav tm="100000">
+                                          <p:val>
+                                            <p:strVal val="1+ppt_h/2"/>
+                                          </p:val>
+                                        </p:tav>
+                                      </p:tavLst>
+                                    </p:anim>
+                                    <p:set>
+                                      <p:cBhvr>
+                                        <p:cTn id="20" dur="1" fill="hold">
+                                          <p:stCondLst>
+                                            <p:cond delay="499"/>
+                                          </p:stCondLst>
+                                        </p:cTn>
+                                        <p:tgtEl>
+                                          <p:spTgt spid="15"/>
+                                        </p:tgtEl>
+                                        <p:attrNameLst>
+                                          <p:attrName>style.visibility</p:attrName>
+                                        </p:attrNameLst>
+                                      </p:cBhvr>
+                                      <p:to>
+                                        <p:strVal val="hidden"/>
+                                      </p:to>
+                                    </p:set>
+                                  </p:childTnLst>
+                                </p:cTn>
+                              </p:par>
+                              <p:par>
+                                <p:cTn id="21" presetID="2" presetClass="exit" presetSubtype="4" fill="hold" grpId="0" nodeType="withEffect">
+                                  <p:stCondLst>
+                                    <p:cond delay="0"/>
+                                  </p:stCondLst>
+                                  <p:childTnLst>
+                                    <p:anim calcmode="lin" valueType="num">
+                                      <p:cBhvr additive="base">
+                                        <p:cTn id="22" dur="500"/>
+                                        <p:tgtEl>
+                                          <p:spTgt spid="16"/>
+                                        </p:tgtEl>
+                                        <p:attrNameLst>
+                                          <p:attrName>ppt_x</p:attrName>
+                                        </p:attrNameLst>
+                                      </p:cBhvr>
+                                      <p:tavLst>
+                                        <p:tav tm="0">
+                                          <p:val>
+                                            <p:strVal val="ppt_x"/>
+                                          </p:val>
+                                        </p:tav>
+                                        <p:tav tm="100000">
+                                          <p:val>
+                                            <p:strVal val="ppt_x"/>
+                                          </p:val>
+                                        </p:tav>
+                                      </p:tavLst>
+                                    </p:anim>
+                                    <p:anim calcmode="lin" valueType="num">
+                                      <p:cBhvr additive="base">
+                                        <p:cTn id="23" dur="500"/>
+                                        <p:tgtEl>
+                                          <p:spTgt spid="16"/>
+                                        </p:tgtEl>
+                                        <p:attrNameLst>
+                                          <p:attrName>ppt_y</p:attrName>
+                                        </p:attrNameLst>
+                                      </p:cBhvr>
+                                      <p:tavLst>
+                                        <p:tav tm="0">
+                                          <p:val>
+                                            <p:strVal val="ppt_y"/>
+                                          </p:val>
+                                        </p:tav>
+                                        <p:tav tm="100000">
+                                          <p:val>
+                                            <p:strVal val="1+ppt_h/2"/>
+                                          </p:val>
+                                        </p:tav>
+                                      </p:tavLst>
+                                    </p:anim>
+                                    <p:set>
+                                      <p:cBhvr>
+                                        <p:cTn id="24" dur="1" fill="hold">
+                                          <p:stCondLst>
+                                            <p:cond delay="499"/>
+                                          </p:stCondLst>
+                                        </p:cTn>
+                                        <p:tgtEl>
+                                          <p:spTgt spid="16"/>
+                                        </p:tgtEl>
+                                        <p:attrNameLst>
+                                          <p:attrName>style.visibility</p:attrName>
+                                        </p:attrNameLst>
+                                      </p:cBhvr>
+                                      <p:to>
+                                        <p:strVal val="hidden"/>
+                                      </p:to>
+                                    </p:set>
+                                  </p:childTnLst>
+                                </p:cTn>
+                              </p:par>
+                              <p:par>
+                                <p:cTn id="25" presetID="2" presetClass="exit" presetSubtype="4" fill="hold" grpId="0" nodeType="withEffect">
+                                  <p:stCondLst>
+                                    <p:cond delay="0"/>
+                                  </p:stCondLst>
+                                  <p:childTnLst>
+                                    <p:anim calcmode="lin" valueType="num">
+                                      <p:cBhvr additive="base">
+                                        <p:cTn id="26" dur="500"/>
+                                        <p:tgtEl>
+                                          <p:spTgt spid="19"/>
+                                        </p:tgtEl>
+                                        <p:attrNameLst>
+                                          <p:attrName>ppt_x</p:attrName>
+                                        </p:attrNameLst>
+                                      </p:cBhvr>
+                                      <p:tavLst>
+                                        <p:tav tm="0">
+                                          <p:val>
+                                            <p:strVal val="ppt_x"/>
+                                          </p:val>
+                                        </p:tav>
+                                        <p:tav tm="100000">
+                                          <p:val>
+                                            <p:strVal val="ppt_x"/>
+                                          </p:val>
+                                        </p:tav>
+                                      </p:tavLst>
+                                    </p:anim>
+                                    <p:anim calcmode="lin" valueType="num">
+                                      <p:cBhvr additive="base">
+                                        <p:cTn id="27" dur="500"/>
+                                        <p:tgtEl>
+                                          <p:spTgt spid="19"/>
+                                        </p:tgtEl>
+                                        <p:attrNameLst>
+                                          <p:attrName>ppt_y</p:attrName>
+                                        </p:attrNameLst>
+                                      </p:cBhvr>
+                                      <p:tavLst>
+                                        <p:tav tm="0">
+                                          <p:val>
+                                            <p:strVal val="ppt_y"/>
+                                          </p:val>
+                                        </p:tav>
+                                        <p:tav tm="100000">
+                                          <p:val>
+                                            <p:strVal val="1+ppt_h/2"/>
+                                          </p:val>
+                                        </p:tav>
+                                      </p:tavLst>
+                                    </p:anim>
+                                    <p:set>
+                                      <p:cBhvr>
+                                        <p:cTn id="28" dur="1" fill="hold">
+                                          <p:stCondLst>
+                                            <p:cond delay="499"/>
+                                          </p:stCondLst>
+                                        </p:cTn>
+                                        <p:tgtEl>
+                                          <p:spTgt spid="19"/>
+                                        </p:tgtEl>
+                                        <p:attrNameLst>
+                                          <p:attrName>style.visibility</p:attrName>
+                                        </p:attrNameLst>
+                                      </p:cBhvr>
+                                      <p:to>
+                                        <p:strVal val="hidden"/>
+                                      </p:to>
+                                    </p:set>
+                                  </p:childTnLst>
+                                </p:cTn>
+                              </p:par>
+                              <p:par>
+                                <p:cTn id="29" presetID="2" presetClass="exit" presetSubtype="4" fill="hold" grpId="0" nodeType="withEffect">
+                                  <p:stCondLst>
+                                    <p:cond delay="0"/>
+                                  </p:stCondLst>
+                                  <p:childTnLst>
+                                    <p:anim calcmode="lin" valueType="num">
+                                      <p:cBhvr additive="base">
+                                        <p:cTn id="30" dur="500"/>
+                                        <p:tgtEl>
+                                          <p:spTgt spid="20"/>
+                                        </p:tgtEl>
+                                        <p:attrNameLst>
+                                          <p:attrName>ppt_x</p:attrName>
+                                        </p:attrNameLst>
+                                      </p:cBhvr>
+                                      <p:tavLst>
+                                        <p:tav tm="0">
+                                          <p:val>
+                                            <p:strVal val="ppt_x"/>
+                                          </p:val>
+                                        </p:tav>
+                                        <p:tav tm="100000">
+                                          <p:val>
+                                            <p:strVal val="ppt_x"/>
+                                          </p:val>
+                                        </p:tav>
+                                      </p:tavLst>
+                                    </p:anim>
+                                    <p:anim calcmode="lin" valueType="num">
+                                      <p:cBhvr additive="base">
+                                        <p:cTn id="31" dur="500"/>
+                                        <p:tgtEl>
+                                          <p:spTgt spid="20"/>
+                                        </p:tgtEl>
+                                        <p:attrNameLst>
+                                          <p:attrName>ppt_y</p:attrName>
+                                        </p:attrNameLst>
+                                      </p:cBhvr>
+                                      <p:tavLst>
+                                        <p:tav tm="0">
+                                          <p:val>
+                                            <p:strVal val="ppt_y"/>
+                                          </p:val>
+                                        </p:tav>
+                                        <p:tav tm="100000">
+                                          <p:val>
+                                            <p:strVal val="1+ppt_h/2"/>
+                                          </p:val>
+                                        </p:tav>
+                                      </p:tavLst>
+                                    </p:anim>
+                                    <p:set>
+                                      <p:cBhvr>
+                                        <p:cTn id="32" dur="1" fill="hold">
+                                          <p:stCondLst>
+                                            <p:cond delay="499"/>
+                                          </p:stCondLst>
+                                        </p:cTn>
+                                        <p:tgtEl>
+                                          <p:spTgt spid="20"/>
+                                        </p:tgtEl>
+                                        <p:attrNameLst>
+                                          <p:attrName>style.visibility</p:attrName>
+                                        </p:attrNameLst>
+                                      </p:cBhvr>
+                                      <p:to>
+                                        <p:strVal val="hidden"/>
+                                      </p:to>
+                                    </p:set>
+                                  </p:childTnLst>
+                                </p:cTn>
+                              </p:par>
+                              <p:par>
+                                <p:cTn id="33" presetID="2" presetClass="exit" presetSubtype="4" fill="hold" grpId="0" nodeType="withEffect">
+                                  <p:stCondLst>
+                                    <p:cond delay="0"/>
+                                  </p:stCondLst>
+                                  <p:childTnLst>
+                                    <p:anim calcmode="lin" valueType="num">
+                                      <p:cBhvr additive="base">
+                                        <p:cTn id="34" dur="500"/>
+                                        <p:tgtEl>
+                                          <p:spTgt spid="21"/>
+                                        </p:tgtEl>
+                                        <p:attrNameLst>
+                                          <p:attrName>ppt_x</p:attrName>
+                                        </p:attrNameLst>
+                                      </p:cBhvr>
+                                      <p:tavLst>
+                                        <p:tav tm="0">
+                                          <p:val>
+                                            <p:strVal val="ppt_x"/>
+                                          </p:val>
+                                        </p:tav>
+                                        <p:tav tm="100000">
+                                          <p:val>
+                                            <p:strVal val="ppt_x"/>
+                                          </p:val>
+                                        </p:tav>
+                                      </p:tavLst>
+                                    </p:anim>
+                                    <p:anim calcmode="lin" valueType="num">
+                                      <p:cBhvr additive="base">
+                                        <p:cTn id="35" dur="500"/>
+                                        <p:tgtEl>
+                                          <p:spTgt spid="21"/>
+                                        </p:tgtEl>
+                                        <p:attrNameLst>
+                                          <p:attrName>ppt_y</p:attrName>
+                                        </p:attrNameLst>
+                                      </p:cBhvr>
+                                      <p:tavLst>
+                                        <p:tav tm="0">
+                                          <p:val>
+                                            <p:strVal val="ppt_y"/>
+                                          </p:val>
+                                        </p:tav>
+                                        <p:tav tm="100000">
+                                          <p:val>
+                                            <p:strVal val="1+ppt_h/2"/>
+                                          </p:val>
+                                        </p:tav>
+                                      </p:tavLst>
+                                    </p:anim>
+                                    <p:set>
+                                      <p:cBhvr>
+                                        <p:cTn id="36" dur="1" fill="hold">
+                                          <p:stCondLst>
+                                            <p:cond delay="499"/>
+                                          </p:stCondLst>
+                                        </p:cTn>
+                                        <p:tgtEl>
+                                          <p:spTgt spid="21"/>
+                                        </p:tgtEl>
+                                        <p:attrNameLst>
+                                          <p:attrName>style.visibility</p:attrName>
+                                        </p:attrNameLst>
+                                      </p:cBhvr>
+                                      <p:to>
+                                        <p:strVal val="hidden"/>
+                                      </p:to>
+                                    </p:set>
+                                  </p:childTnLst>
+                                </p:cTn>
+                              </p:par>
+                              <p:par>
+                                <p:cTn id="37" presetID="2" presetClass="exit" presetSubtype="4" fill="hold" grpId="0" nodeType="withEffect">
+                                  <p:stCondLst>
+                                    <p:cond delay="0"/>
+                                  </p:stCondLst>
+                                  <p:childTnLst>
+                                    <p:anim calcmode="lin" valueType="num">
+                                      <p:cBhvr additive="base">
+                                        <p:cTn id="38" dur="500"/>
+                                        <p:tgtEl>
+                                          <p:spTgt spid="22"/>
+                                        </p:tgtEl>
+                                        <p:attrNameLst>
+                                          <p:attrName>ppt_x</p:attrName>
+                                        </p:attrNameLst>
+                                      </p:cBhvr>
+                                      <p:tavLst>
+                                        <p:tav tm="0">
+                                          <p:val>
+                                            <p:strVal val="ppt_x"/>
+                                          </p:val>
+                                        </p:tav>
+                                        <p:tav tm="100000">
+                                          <p:val>
+                                            <p:strVal val="ppt_x"/>
+                                          </p:val>
+                                        </p:tav>
+                                      </p:tavLst>
+                                    </p:anim>
+                                    <p:anim calcmode="lin" valueType="num">
+                                      <p:cBhvr additive="base">
+                                        <p:cTn id="39" dur="500"/>
+                                        <p:tgtEl>
+                                          <p:spTgt spid="22"/>
+                                        </p:tgtEl>
+                                        <p:attrNameLst>
+                                          <p:attrName>ppt_y</p:attrName>
+                                        </p:attrNameLst>
+                                      </p:cBhvr>
+                                      <p:tavLst>
+                                        <p:tav tm="0">
+                                          <p:val>
+                                            <p:strVal val="ppt_y"/>
+                                          </p:val>
+                                        </p:tav>
+                                        <p:tav tm="100000">
+                                          <p:val>
+                                            <p:strVal val="1+ppt_h/2"/>
+                                          </p:val>
+                                        </p:tav>
+                                      </p:tavLst>
+                                    </p:anim>
+                                    <p:set>
+                                      <p:cBhvr>
+                                        <p:cTn id="40" dur="1" fill="hold">
+                                          <p:stCondLst>
+                                            <p:cond delay="499"/>
+                                          </p:stCondLst>
+                                        </p:cTn>
+                                        <p:tgtEl>
+                                          <p:spTgt spid="22"/>
+                                        </p:tgtEl>
+                                        <p:attrNameLst>
+                                          <p:attrName>style.visibility</p:attrName>
+                                        </p:attrNameLst>
+                                      </p:cBhvr>
+                                      <p:to>
+                                        <p:strVal val="hidden"/>
+                                      </p:to>
+                                    </p:set>
+                                  </p:childTnLst>
+                                </p:cTn>
+                              </p:par>
+                              <p:par>
+                                <p:cTn id="41" presetID="2" presetClass="exit" presetSubtype="4" fill="hold" grpId="0" nodeType="withEffect">
+                                  <p:stCondLst>
+                                    <p:cond delay="0"/>
+                                  </p:stCondLst>
+                                  <p:childTnLst>
+                                    <p:anim calcmode="lin" valueType="num">
+                                      <p:cBhvr additive="base">
+                                        <p:cTn id="42" dur="500"/>
+                                        <p:tgtEl>
+                                          <p:spTgt spid="24"/>
+                                        </p:tgtEl>
+                                        <p:attrNameLst>
+                                          <p:attrName>ppt_x</p:attrName>
+                                        </p:attrNameLst>
+                                      </p:cBhvr>
+                                      <p:tavLst>
+                                        <p:tav tm="0">
+                                          <p:val>
+                                            <p:strVal val="ppt_x"/>
+                                          </p:val>
+                                        </p:tav>
+                                        <p:tav tm="100000">
+                                          <p:val>
+                                            <p:strVal val="ppt_x"/>
+                                          </p:val>
+                                        </p:tav>
+                                      </p:tavLst>
+                                    </p:anim>
+                                    <p:anim calcmode="lin" valueType="num">
+                                      <p:cBhvr additive="base">
+                                        <p:cTn id="43" dur="500"/>
+                                        <p:tgtEl>
+                                          <p:spTgt spid="24"/>
+                                        </p:tgtEl>
+                                        <p:attrNameLst>
+                                          <p:attrName>ppt_y</p:attrName>
+                                        </p:attrNameLst>
+                                      </p:cBhvr>
+                                      <p:tavLst>
+                                        <p:tav tm="0">
+                                          <p:val>
+                                            <p:strVal val="ppt_y"/>
+                                          </p:val>
+                                        </p:tav>
+                                        <p:tav tm="100000">
+                                          <p:val>
+                                            <p:strVal val="1+ppt_h/2"/>
+                                          </p:val>
+                                        </p:tav>
+                                      </p:tavLst>
+                                    </p:anim>
+                                    <p:set>
+                                      <p:cBhvr>
+                                        <p:cTn id="44" dur="1" fill="hold">
+                                          <p:stCondLst>
+                                            <p:cond delay="499"/>
+                                          </p:stCondLst>
+                                        </p:cTn>
+                                        <p:tgtEl>
+                                          <p:spTgt spid="24"/>
+                                        </p:tgtEl>
+                                        <p:attrNameLst>
+                                          <p:attrName>style.visibility</p:attrName>
+                                        </p:attrNameLst>
+                                      </p:cBhvr>
+                                      <p:to>
+                                        <p:strVal val="hidden"/>
+                                      </p:to>
+                                    </p:set>
+                                  </p:childTnLst>
+                                </p:cTn>
+                              </p:par>
+                              <p:par>
+                                <p:cTn id="45" presetID="2" presetClass="exit" presetSubtype="4" fill="hold" grpId="0" nodeType="withEffect">
+                                  <p:stCondLst>
+                                    <p:cond delay="0"/>
+                                  </p:stCondLst>
+                                  <p:childTnLst>
+                                    <p:anim calcmode="lin" valueType="num">
+                                      <p:cBhvr additive="base">
+                                        <p:cTn id="46" dur="500"/>
+                                        <p:tgtEl>
+                                          <p:spTgt spid="23"/>
+                                        </p:tgtEl>
+                                        <p:attrNameLst>
+                                          <p:attrName>ppt_x</p:attrName>
+                                        </p:attrNameLst>
+                                      </p:cBhvr>
+                                      <p:tavLst>
+                                        <p:tav tm="0">
+                                          <p:val>
+                                            <p:strVal val="ppt_x"/>
+                                          </p:val>
+                                        </p:tav>
+                                        <p:tav tm="100000">
+                                          <p:val>
+                                            <p:strVal val="ppt_x"/>
+                                          </p:val>
+                                        </p:tav>
+                                      </p:tavLst>
+                                    </p:anim>
+                                    <p:anim calcmode="lin" valueType="num">
+                                      <p:cBhvr additive="base">
+                                        <p:cTn id="47" dur="500"/>
+                                        <p:tgtEl>
+                                          <p:spTgt spid="23"/>
+                                        </p:tgtEl>
+                                        <p:attrNameLst>
+                                          <p:attrName>ppt_y</p:attrName>
+                                        </p:attrNameLst>
+                                      </p:cBhvr>
+                                      <p:tavLst>
+                                        <p:tav tm="0">
+                                          <p:val>
+                                            <p:strVal val="ppt_y"/>
+                                          </p:val>
+                                        </p:tav>
+                                        <p:tav tm="100000">
+                                          <p:val>
+                                            <p:strVal val="1+ppt_h/2"/>
+                                          </p:val>
+                                        </p:tav>
+                                      </p:tavLst>
+                                    </p:anim>
+                                    <p:set>
+                                      <p:cBhvr>
+                                        <p:cTn id="48" dur="1" fill="hold">
+                                          <p:stCondLst>
+                                            <p:cond delay="499"/>
+                                          </p:stCondLst>
+                                        </p:cTn>
+                                        <p:tgtEl>
+                                          <p:spTgt spid="23"/>
+                                        </p:tgtEl>
+                                        <p:attrNameLst>
+                                          <p:attrName>style.visibility</p:attrName>
+                                        </p:attrNameLst>
+                                      </p:cBhvr>
+                                      <p:to>
+                                        <p:strVal val="hidden"/>
+                                      </p:to>
+                                    </p:set>
+                                  </p:childTnLst>
+                                </p:cTn>
+                              </p:par>
+                              <p:par>
+                                <p:cTn id="49" presetID="16" presetClass="entr" presetSubtype="21" fill="hold" nodeType="withEffect">
+                                  <p:stCondLst>
+                                    <p:cond delay="0"/>
+                                  </p:stCondLst>
+                                  <p:childTnLst>
+                                    <p:set>
+                                      <p:cBhvr>
+                                        <p:cTn id="50" dur="1" fill="hold">
+                                          <p:stCondLst>
+                                            <p:cond delay="0"/>
+                                          </p:stCondLst>
+                                        </p:cTn>
+                                        <p:tgtEl>
+                                          <p:spTgt spid="3"/>
+                                        </p:tgtEl>
+                                        <p:attrNameLst>
+                                          <p:attrName>style.visibility</p:attrName>
+                                        </p:attrNameLst>
+                                      </p:cBhvr>
+                                      <p:to>
+                                        <p:strVal val="visible"/>
+                                      </p:to>
+                                    </p:set>
+                                    <p:animEffect transition="in" filter="barn(inVertical)">
+                                      <p:cBhvr>
+                                        <p:cTn id="51" dur="500"/>
+                                        <p:tgtEl>
+                                          <p:spTgt spid="3"/>
+                                        </p:tgtEl>
+                                      </p:cBhvr>
+                                    </p:animEffect>
+                                  </p:childTnLst>
+                                </p:cTn>
+                              </p:par>
+                            </p:childTnLst>
+                          </p:cTn>
+                        </p:par>
+                      </p:childTnLst>
+                    </p:cTn>
+                  </p:par>
+                </p:childTnLst>
+              </p:cTn>
+              <p:prevCondLst>
+                <p:cond evt="onPrev" delay="0">
+                  <p:tgtEl>
+                    <p:sldTgt/>
+                  </p:tgtEl>
+                </p:cond>
+              </p:prevCondLst>
+              <p:nextCondLst>
+                <p:cond evt="onNext" delay="0">
+                  <p:tgtEl>
+                    <p:sldTgt/>
+                  </p:tgtEl>
+                </p:cond>
+              </p:nextCondLst>
+            </p:seq>
+          </p:childTnLst>
+        </p:cTn>
+      </p:par>
+    </p:tnLst>
+    <p:bldLst>
+      <p:bldP spid="5" grpId="0"/>
+      <p:bldP spid="14" grpId="0"/>
+      <p:bldP spid="15" grpId="0"/>
+      <p:bldP spid="16" grpId="0"/>
+      <p:bldP spid="17" grpId="0"/>
+      <p:bldP spid="19" grpId="0"/>
+      <p:bldP spid="20" grpId="0"/>
+      <p:bldP spid="21" grpId="0"/>
+      <p:bldP spid="22" grpId="0"/>
+      <p:bldP spid="23" grpId="0"/>
+      <p:bldP spid="24" grpId="0"/>
+    </p:bldLst>
+  </p:timing>
+</p:sld>
+</file>
+
+<file path=ppt/slides/slide4.xml><?xml version="1.0" encoding="utf-8"?>
+<p:sld xmlns:a="http://schemas.openxmlformats.org/drawingml/2006/main" xmlns:r="http://schemas.openxmlformats.org/officeDocument/2006/relationships" xmlns:p="http://schemas.openxmlformats.org/presentationml/2006/main">
+  <p:cSld>
+    <p:spTree>
+      <p:nvGrpSpPr>
+        <p:cNvPr id="1" name=""/>
+        <p:cNvGrpSpPr/>
+        <p:nvPr/>
+      </p:nvGrpSpPr>
+      <p:grpSpPr>
+        <a:xfrm>
+          <a:off x="0" y="0"/>
+          <a:ext cx="0" cy="0"/>
+          <a:chOff x="0" y="0"/>
+          <a:chExt cx="0" cy="0"/>
+        </a:xfrm>
+      </p:grpSpPr>
+      <p:sp>
+        <p:nvSpPr>
+          <p:cNvPr id="4" name="テキスト ボックス 3"/>
+          <p:cNvSpPr txBox="1"/>
+          <p:nvPr/>
+        </p:nvSpPr>
+        <p:spPr>
+          <a:xfrm>
+            <a:off x="0" y="2924944"/>
+            <a:ext cx="9144000" cy="830997"/>
+          </a:xfrm>
+          <a:prstGeom prst="rect">
+            <a:avLst/>
+          </a:prstGeom>
+          <a:noFill/>
+        </p:spPr>
+        <p:txBody>
+          <a:bodyPr wrap="square" rtlCol="0">
+            <a:spAutoFit/>
+          </a:bodyPr>
+          <a:lstStyle/>
+          <a:p>
+            <a:pPr algn="ctr"/>
+            <a:r>
+              <a:rPr kumimoji="1" lang="en-US" altLang="ja-JP" sz="4800" dirty="0" smtClean="0"/>
+              <a:t>HTML5</a:t>
+            </a:r>
+            <a:r>
+              <a:rPr kumimoji="1" lang="ja-JP" altLang="en-US" sz="4800" dirty="0" smtClean="0"/>
+              <a:t>の新機能</a:t>
+            </a:r>
+            <a:endParaRPr kumimoji="1" lang="ja-JP" altLang="en-US" sz="4800" dirty="0"/>
+          </a:p>
+        </p:txBody>
+      </p:sp>
+    </p:spTree>
+    <p:extLst>
+      <p:ext uri="{BB962C8B-B14F-4D97-AF65-F5344CB8AC3E}">
+        <p14:creationId xmlns:p14="http://schemas.microsoft.com/office/powerpoint/2010/main" val="3122120076"/>
+      </p:ext>
+    </p:extLst>
+  </p:cSld>
+  <p:clrMapOvr>
+    <a:masterClrMapping/>
+  </p:clrMapOvr>
+  <p:timing>
+    <p:tnLst>
+      <p:par>
+        <p:cTn id="1" dur="indefinite" restart="never" nodeType="tmRoot"/>
+      </p:par>
+    </p:tnLst>
+  </p:timing>
+</p:sld>
+</file>
+
+<file path=ppt/slides/slide5.xml><?xml version="1.0" encoding="utf-8"?>
+<p:sld xmlns:a="http://schemas.openxmlformats.org/drawingml/2006/main" xmlns:r="http://schemas.openxmlformats.org/officeDocument/2006/relationships" xmlns:p="http://schemas.openxmlformats.org/presentationml/2006/main">
+  <p:cSld>
+    <p:spTree>
+      <p:nvGrpSpPr>
+        <p:cNvPr id="1" name=""/>
+        <p:cNvGrpSpPr/>
+        <p:nvPr/>
+      </p:nvGrpSpPr>
+      <p:grpSpPr>
+        <a:xfrm>
+          <a:off x="0" y="0"/>
+          <a:ext cx="0" cy="0"/>
+          <a:chOff x="0" y="0"/>
+          <a:chExt cx="0" cy="0"/>
+        </a:xfrm>
+      </p:grpSpPr>
+      <p:sp>
+        <p:nvSpPr>
+          <p:cNvPr id="4" name="テキスト ボックス 3"/>
+          <p:cNvSpPr txBox="1"/>
+          <p:nvPr/>
+        </p:nvSpPr>
+        <p:spPr>
+          <a:xfrm>
             <a:off x="683568" y="836712"/>
             <a:ext cx="5904656" cy="646331"/>
           </a:xfrm>
@@ -4885,11 +6670,7 @@
             </a:r>
             <a:r>
               <a:rPr kumimoji="1" lang="ja-JP" altLang="en-US" sz="3600" dirty="0" smtClean="0"/>
-              <a:t>の</a:t>
-            </a:r>
-            <a:r>
-              <a:rPr kumimoji="1" lang="ja-JP" altLang="en-US" sz="3600" dirty="0" smtClean="0"/>
-              <a:t>新機能</a:t>
+              <a:t>の新機能</a:t>
             </a:r>
             <a:endParaRPr kumimoji="1" lang="ja-JP" altLang="en-US" sz="3600" dirty="0"/>
           </a:p>
@@ -5200,7 +6981,7 @@
 </p:sld>
 </file>
 
-<file path=ppt/slides/slide3.xml><?xml version="1.0" encoding="utf-8"?>
+<file path=ppt/slides/slide6.xml><?xml version="1.0" encoding="utf-8"?>
 <p:sld xmlns:a="http://schemas.openxmlformats.org/drawingml/2006/main" xmlns:r="http://schemas.openxmlformats.org/officeDocument/2006/relationships" xmlns:p="http://schemas.openxmlformats.org/presentationml/2006/main">
   <p:cSld>
     <p:spTree>
@@ -5225,6 +7006,82 @@
         </p:nvSpPr>
         <p:spPr>
           <a:xfrm>
+            <a:off x="0" y="2924944"/>
+            <a:ext cx="9144000" cy="830997"/>
+          </a:xfrm>
+          <a:prstGeom prst="rect">
+            <a:avLst/>
+          </a:prstGeom>
+          <a:noFill/>
+        </p:spPr>
+        <p:txBody>
+          <a:bodyPr wrap="square" rtlCol="0">
+            <a:spAutoFit/>
+          </a:bodyPr>
+          <a:lstStyle/>
+          <a:p>
+            <a:pPr algn="ctr"/>
+            <a:r>
+              <a:rPr lang="en-US" altLang="ja-JP" sz="4800" dirty="0"/>
+              <a:t>c</a:t>
+            </a:r>
+            <a:r>
+              <a:rPr lang="en-US" altLang="ja-JP" sz="4800" dirty="0" smtClean="0"/>
+              <a:t>anvas</a:t>
+            </a:r>
+            <a:r>
+              <a:rPr lang="ja-JP" altLang="en-US" sz="4800" dirty="0" smtClean="0"/>
+              <a:t>タグとそのメリット</a:t>
+            </a:r>
+            <a:endParaRPr kumimoji="1" lang="ja-JP" altLang="en-US" sz="4800" dirty="0"/>
+          </a:p>
+        </p:txBody>
+      </p:sp>
+    </p:spTree>
+    <p:extLst>
+      <p:ext uri="{BB962C8B-B14F-4D97-AF65-F5344CB8AC3E}">
+        <p14:creationId xmlns:p14="http://schemas.microsoft.com/office/powerpoint/2010/main" val="3632585627"/>
+      </p:ext>
+    </p:extLst>
+  </p:cSld>
+  <p:clrMapOvr>
+    <a:masterClrMapping/>
+  </p:clrMapOvr>
+  <p:timing>
+    <p:tnLst>
+      <p:par>
+        <p:cTn id="1" dur="indefinite" restart="never" nodeType="tmRoot"/>
+      </p:par>
+    </p:tnLst>
+  </p:timing>
+</p:sld>
+</file>
+
+<file path=ppt/slides/slide7.xml><?xml version="1.0" encoding="utf-8"?>
+<p:sld xmlns:a="http://schemas.openxmlformats.org/drawingml/2006/main" xmlns:r="http://schemas.openxmlformats.org/officeDocument/2006/relationships" xmlns:p="http://schemas.openxmlformats.org/presentationml/2006/main">
+  <p:cSld>
+    <p:spTree>
+      <p:nvGrpSpPr>
+        <p:cNvPr id="1" name=""/>
+        <p:cNvGrpSpPr/>
+        <p:nvPr/>
+      </p:nvGrpSpPr>
+      <p:grpSpPr>
+        <a:xfrm>
+          <a:off x="0" y="0"/>
+          <a:ext cx="0" cy="0"/>
+          <a:chOff x="0" y="0"/>
+          <a:chExt cx="0" cy="0"/>
+        </a:xfrm>
+      </p:grpSpPr>
+      <p:sp>
+        <p:nvSpPr>
+          <p:cNvPr id="4" name="テキスト ボックス 3"/>
+          <p:cNvSpPr txBox="1"/>
+          <p:nvPr/>
+        </p:nvSpPr>
+        <p:spPr>
+          <a:xfrm>
             <a:off x="683568" y="620688"/>
             <a:ext cx="5904656" cy="646331"/>
           </a:xfrm>
@@ -5263,10 +7120,10 @@
         </p:nvGrpSpPr>
         <p:grpSpPr>
           <a:xfrm>
-            <a:off x="843135" y="1484784"/>
-            <a:ext cx="4520953" cy="2989350"/>
-            <a:chOff x="737600" y="1663786"/>
-            <a:chExt cx="4520953" cy="2989350"/>
+            <a:off x="843135" y="1772816"/>
+            <a:ext cx="4520953" cy="2952328"/>
+            <a:chOff x="737600" y="1700808"/>
+            <a:chExt cx="4520953" cy="2952328"/>
           </a:xfrm>
         </p:grpSpPr>
         <p:pic>
@@ -5307,7 +7164,7 @@
           </p:nvSpPr>
           <p:spPr>
             <a:xfrm>
-              <a:off x="2103499" y="1663786"/>
+              <a:off x="2103499" y="1700808"/>
               <a:ext cx="3155054" cy="1872208"/>
             </a:xfrm>
             <a:prstGeom prst="wedgeEllipseCallout">
@@ -5427,7 +7284,7 @@
         </p:nvSpPr>
         <p:spPr>
           <a:xfrm>
-            <a:off x="3707904" y="3861048"/>
+            <a:off x="3707904" y="4258110"/>
             <a:ext cx="1775832" cy="899082"/>
           </a:xfrm>
           <a:prstGeom prst="rightArrow">
@@ -5470,7 +7327,7 @@
         </p:nvSpPr>
         <p:spPr>
           <a:xfrm>
-            <a:off x="755576" y="1196752"/>
+            <a:off x="755576" y="1268760"/>
             <a:ext cx="2736304" cy="461665"/>
           </a:xfrm>
           <a:prstGeom prst="rect">
@@ -5504,7 +7361,7 @@
         </p:nvSpPr>
         <p:spPr>
           <a:xfrm>
-            <a:off x="3131840" y="3429000"/>
+            <a:off x="3131840" y="3759423"/>
             <a:ext cx="2736304" cy="461665"/>
           </a:xfrm>
           <a:prstGeom prst="rect">
@@ -5553,7 +7410,7 @@
         </p:blipFill>
         <p:spPr>
           <a:xfrm>
-            <a:off x="2956134" y="1752401"/>
+            <a:off x="2956134" y="2020019"/>
             <a:ext cx="1687874" cy="1336973"/>
           </a:xfrm>
           <a:prstGeom prst="rect">
@@ -5592,7 +7449,7 @@
         </p:blipFill>
         <p:spPr>
           <a:xfrm>
-            <a:off x="2942624" y="1752400"/>
+            <a:off x="2942624" y="2020019"/>
             <a:ext cx="1687874" cy="1336973"/>
           </a:xfrm>
           <a:prstGeom prst="rect">
@@ -5609,11 +7466,11 @@
           <p:nvPr/>
         </p:nvPicPr>
         <p:blipFill>
-          <a:blip r:embed="rId6" cstate="print">
+          <a:blip r:embed="rId8" cstate="print">
             <a:extLst>
               <a:ext uri="{BEBA8EAE-BF5A-486C-A8C5-ECC9F3942E4B}">
                 <a14:imgProps xmlns:a14="http://schemas.microsoft.com/office/drawing/2010/main">
-                  <a14:imgLayer r:embed="rId7">
+                  <a14:imgLayer r:embed="rId9">
                     <a14:imgEffect>
                       <a14:brightnessContrast bright="40000" contrast="40000"/>
                     </a14:imgEffect>
@@ -5647,7 +7504,7 @@
         </p:nvSpPr>
         <p:spPr>
           <a:xfrm>
-            <a:off x="755576" y="1196752"/>
+            <a:off x="755576" y="1268760"/>
             <a:ext cx="2736304" cy="461665"/>
           </a:xfrm>
           <a:prstGeom prst="rect">
@@ -6166,7 +8023,7 @@
 </p:sld>
 </file>
 
-<file path=ppt/slides/slide4.xml><?xml version="1.0" encoding="utf-8"?>
+<file path=ppt/slides/slide8.xml><?xml version="1.0" encoding="utf-8"?>
 <p:sld xmlns:a="http://schemas.openxmlformats.org/drawingml/2006/main" xmlns:r="http://schemas.openxmlformats.org/officeDocument/2006/relationships" xmlns:p="http://schemas.openxmlformats.org/presentationml/2006/main">
   <p:cSld>
     <p:spTree>
@@ -6229,9 +8086,9 @@
         </p:nvGrpSpPr>
         <p:grpSpPr>
           <a:xfrm>
-            <a:off x="6500007" y="2276872"/>
+            <a:off x="6372200" y="2273474"/>
             <a:ext cx="2032433" cy="2091630"/>
-            <a:chOff x="6876256" y="2718158"/>
+            <a:chOff x="6748449" y="2718158"/>
             <a:chExt cx="2032433" cy="2091630"/>
           </a:xfrm>
         </p:grpSpPr>
@@ -6256,7 +8113,7 @@
           </p:blipFill>
           <p:spPr>
             <a:xfrm>
-              <a:off x="6876256" y="2718158"/>
+              <a:off x="6748449" y="2718158"/>
               <a:ext cx="2032433" cy="2091630"/>
             </a:xfrm>
             <a:prstGeom prst="rect">
@@ -6286,7 +8143,7 @@
           </p:blipFill>
           <p:spPr>
             <a:xfrm>
-              <a:off x="7416130" y="3428839"/>
+              <a:off x="7252505" y="3428839"/>
               <a:ext cx="1404341" cy="754624"/>
             </a:xfrm>
             <a:prstGeom prst="rect">
@@ -6444,7 +8301,7 @@
         </p:nvGrpSpPr>
         <p:grpSpPr>
           <a:xfrm>
-            <a:off x="4126041" y="2564904"/>
+            <a:off x="3635896" y="2492896"/>
             <a:ext cx="2102143" cy="1371503"/>
             <a:chOff x="3472740" y="2967335"/>
             <a:chExt cx="2102143" cy="1371503"/>
@@ -6687,7 +8544,7 @@
             <p:nvPr/>
           </p:nvPicPr>
           <p:blipFill>
-            <a:blip r:embed="rId3" cstate="print">
+            <a:blip r:embed="rId7" cstate="print">
               <a:extLst>
                 <a:ext uri="{28A0092B-C50C-407E-A947-70E740481C1C}">
                   <a14:useLocalDpi xmlns:a14="http://schemas.microsoft.com/office/drawing/2010/main" val="0"/>
@@ -6897,7 +8754,7 @@
 </p:sld>
 </file>
 
-<file path=ppt/slides/slide5.xml><?xml version="1.0" encoding="utf-8"?>
+<file path=ppt/slides/slide9.xml><?xml version="1.0" encoding="utf-8"?>
 <p:sld xmlns:a="http://schemas.openxmlformats.org/drawingml/2006/main" xmlns:r="http://schemas.openxmlformats.org/officeDocument/2006/relationships" xmlns:p="http://schemas.openxmlformats.org/presentationml/2006/main">
   <p:cSld>
     <p:spTree>
@@ -6954,28 +8811,419 @@
       </p:sp>
       <p:grpSp>
         <p:nvGrpSpPr>
-          <p:cNvPr id="2" name="グループ化 1"/>
+          <p:cNvPr id="9" name="グループ化 8"/>
           <p:cNvGrpSpPr/>
           <p:nvPr/>
         </p:nvGrpSpPr>
         <p:grpSpPr>
           <a:xfrm>
-            <a:off x="1259632" y="2708920"/>
-            <a:ext cx="2736304" cy="2055364"/>
-            <a:chOff x="1332793" y="3101828"/>
-            <a:chExt cx="2736304" cy="2055364"/>
+            <a:off x="611560" y="1340768"/>
+            <a:ext cx="3899407" cy="2376264"/>
+            <a:chOff x="683568" y="1484784"/>
+            <a:chExt cx="3899407" cy="2376264"/>
+          </a:xfrm>
+        </p:grpSpPr>
+        <p:grpSp>
+          <p:nvGrpSpPr>
+            <p:cNvPr id="2" name="グループ化 1"/>
+            <p:cNvGrpSpPr/>
+            <p:nvPr/>
+          </p:nvGrpSpPr>
+          <p:grpSpPr>
+            <a:xfrm>
+              <a:off x="683568" y="1805684"/>
+              <a:ext cx="2736304" cy="2055364"/>
+              <a:chOff x="1332793" y="3101828"/>
+              <a:chExt cx="2736304" cy="2055364"/>
+            </a:xfrm>
+          </p:grpSpPr>
+          <p:pic>
+            <p:nvPicPr>
+              <p:cNvPr id="16" name="図 15"/>
+              <p:cNvPicPr>
+                <a:picLocks noChangeAspect="1"/>
+              </p:cNvPicPr>
+              <p:nvPr/>
+            </p:nvPicPr>
+            <p:blipFill>
+              <a:blip r:embed="rId2" cstate="print">
+                <a:extLst>
+                  <a:ext uri="{28A0092B-C50C-407E-A947-70E740481C1C}">
+                    <a14:useLocalDpi xmlns:a14="http://schemas.microsoft.com/office/drawing/2010/main" val="0"/>
+                  </a:ext>
+                </a:extLst>
+              </a:blip>
+              <a:stretch>
+                <a:fillRect/>
+              </a:stretch>
+            </p:blipFill>
+            <p:spPr>
+              <a:xfrm>
+                <a:off x="2195736" y="3101828"/>
+                <a:ext cx="1010419" cy="1350403"/>
+              </a:xfrm>
+              <a:prstGeom prst="rect">
+                <a:avLst/>
+              </a:prstGeom>
+            </p:spPr>
+          </p:pic>
+          <p:sp>
+            <p:nvSpPr>
+              <p:cNvPr id="17" name="テキスト ボックス 16"/>
+              <p:cNvSpPr txBox="1"/>
+              <p:nvPr/>
+            </p:nvSpPr>
+            <p:spPr>
+              <a:xfrm>
+                <a:off x="1332793" y="4695527"/>
+                <a:ext cx="2736304" cy="461665"/>
+              </a:xfrm>
+              <a:prstGeom prst="rect">
+                <a:avLst/>
+              </a:prstGeom>
+              <a:noFill/>
+            </p:spPr>
+            <p:txBody>
+              <a:bodyPr wrap="square" rtlCol="0">
+                <a:spAutoFit/>
+              </a:bodyPr>
+              <a:lstStyle/>
+              <a:p>
+                <a:pPr algn="ctr"/>
+                <a:r>
+                  <a:rPr kumimoji="1" lang="ja-JP" altLang="en-US" sz="2400" dirty="0" smtClean="0"/>
+                  <a:t>テキストエディタ</a:t>
+                </a:r>
+                <a:endParaRPr kumimoji="1" lang="ja-JP" altLang="en-US" sz="2400" dirty="0"/>
+              </a:p>
+            </p:txBody>
+          </p:sp>
+        </p:grpSp>
+        <p:grpSp>
+          <p:nvGrpSpPr>
+            <p:cNvPr id="7" name="グループ化 6"/>
+            <p:cNvGrpSpPr/>
+            <p:nvPr/>
+          </p:nvGrpSpPr>
+          <p:grpSpPr>
+            <a:xfrm>
+              <a:off x="2555776" y="1484784"/>
+              <a:ext cx="2027199" cy="1215166"/>
+              <a:chOff x="3840945" y="4590098"/>
+              <a:chExt cx="3155054" cy="1872208"/>
+            </a:xfrm>
+          </p:grpSpPr>
+          <p:sp>
+            <p:nvSpPr>
+              <p:cNvPr id="19" name="円形吹き出し 18"/>
+              <p:cNvSpPr/>
+              <p:nvPr/>
+            </p:nvSpPr>
+            <p:spPr>
+              <a:xfrm>
+                <a:off x="3840945" y="4590098"/>
+                <a:ext cx="3155054" cy="1872208"/>
+              </a:xfrm>
+              <a:prstGeom prst="wedgeEllipseCallout">
+                <a:avLst>
+                  <a:gd name="adj1" fmla="val -58182"/>
+                  <a:gd name="adj2" fmla="val 29719"/>
+                </a:avLst>
+              </a:prstGeom>
+            </p:spPr>
+            <p:style>
+              <a:lnRef idx="2">
+                <a:schemeClr val="accent1"/>
+              </a:lnRef>
+              <a:fillRef idx="1">
+                <a:schemeClr val="lt1"/>
+              </a:fillRef>
+              <a:effectRef idx="0">
+                <a:schemeClr val="accent1"/>
+              </a:effectRef>
+              <a:fontRef idx="minor">
+                <a:schemeClr val="dk1"/>
+              </a:fontRef>
+            </p:style>
+            <p:txBody>
+              <a:bodyPr rtlCol="0" anchor="ctr"/>
+              <a:lstStyle/>
+              <a:p>
+                <a:pPr algn="ctr"/>
+                <a:endParaRPr kumimoji="1" lang="ja-JP" altLang="en-US"/>
+              </a:p>
+            </p:txBody>
+          </p:sp>
+          <p:pic>
+            <p:nvPicPr>
+              <p:cNvPr id="14" name="図 13"/>
+              <p:cNvPicPr>
+                <a:picLocks noChangeAspect="1"/>
+              </p:cNvPicPr>
+              <p:nvPr/>
+            </p:nvPicPr>
+            <p:blipFill>
+              <a:blip r:embed="rId3" cstate="print">
+                <a:extLst>
+                  <a:ext uri="{28A0092B-C50C-407E-A947-70E740481C1C}">
+                    <a14:useLocalDpi xmlns:a14="http://schemas.microsoft.com/office/drawing/2010/main" val="0"/>
+                  </a:ext>
+                </a:extLst>
+              </a:blip>
+              <a:stretch>
+                <a:fillRect/>
+              </a:stretch>
+            </p:blipFill>
+            <p:spPr>
+              <a:xfrm>
+                <a:off x="4633033" y="4793038"/>
+                <a:ext cx="1584177" cy="1453245"/>
+              </a:xfrm>
+              <a:prstGeom prst="rect">
+                <a:avLst/>
+              </a:prstGeom>
+              <a:noFill/>
+              <a:ln>
+                <a:noFill/>
+              </a:ln>
+            </p:spPr>
+          </p:pic>
+        </p:grpSp>
+      </p:grpSp>
+      <p:grpSp>
+        <p:nvGrpSpPr>
+          <p:cNvPr id="8" name="グループ化 7"/>
+          <p:cNvGrpSpPr/>
+          <p:nvPr/>
+        </p:nvGrpSpPr>
+        <p:grpSpPr>
+          <a:xfrm>
+            <a:off x="607226" y="3789040"/>
+            <a:ext cx="3899407" cy="2583318"/>
+            <a:chOff x="4932040" y="1277730"/>
+            <a:chExt cx="3899407" cy="2583318"/>
+          </a:xfrm>
+        </p:grpSpPr>
+        <p:grpSp>
+          <p:nvGrpSpPr>
+            <p:cNvPr id="3" name="グループ化 2"/>
+            <p:cNvGrpSpPr/>
+            <p:nvPr/>
+          </p:nvGrpSpPr>
+          <p:grpSpPr>
+            <a:xfrm>
+              <a:off x="4932040" y="1599183"/>
+              <a:ext cx="2736304" cy="2261865"/>
+              <a:chOff x="4851855" y="2996952"/>
+              <a:chExt cx="2736304" cy="2261865"/>
+            </a:xfrm>
+          </p:grpSpPr>
+          <p:pic>
+            <p:nvPicPr>
+              <p:cNvPr id="11" name="図 10"/>
+              <p:cNvPicPr>
+                <a:picLocks noChangeAspect="1"/>
+              </p:cNvPicPr>
+              <p:nvPr/>
+            </p:nvPicPr>
+            <p:blipFill>
+              <a:blip r:embed="rId4" cstate="print">
+                <a:extLst>
+                  <a:ext uri="{28A0092B-C50C-407E-A947-70E740481C1C}">
+                    <a14:useLocalDpi xmlns:a14="http://schemas.microsoft.com/office/drawing/2010/main" val="0"/>
+                  </a:ext>
+                </a:extLst>
+              </a:blip>
+              <a:stretch>
+                <a:fillRect/>
+              </a:stretch>
+            </p:blipFill>
+            <p:spPr>
+              <a:xfrm>
+                <a:off x="5364088" y="2996952"/>
+                <a:ext cx="1711839" cy="1560157"/>
+              </a:xfrm>
+              <a:prstGeom prst="rect">
+                <a:avLst/>
+              </a:prstGeom>
+            </p:spPr>
+          </p:pic>
+          <p:sp>
+            <p:nvSpPr>
+              <p:cNvPr id="18" name="テキスト ボックス 17"/>
+              <p:cNvSpPr txBox="1"/>
+              <p:nvPr/>
+            </p:nvSpPr>
+            <p:spPr>
+              <a:xfrm>
+                <a:off x="4851855" y="4797152"/>
+                <a:ext cx="2736304" cy="461665"/>
+              </a:xfrm>
+              <a:prstGeom prst="rect">
+                <a:avLst/>
+              </a:prstGeom>
+              <a:noFill/>
+            </p:spPr>
+            <p:txBody>
+              <a:bodyPr wrap="square" rtlCol="0">
+                <a:spAutoFit/>
+              </a:bodyPr>
+              <a:lstStyle/>
+              <a:p>
+                <a:pPr algn="ctr"/>
+                <a:r>
+                  <a:rPr kumimoji="1" lang="ja-JP" altLang="en-US" sz="2400" dirty="0" smtClean="0"/>
+                  <a:t>外部ソフト</a:t>
+                </a:r>
+                <a:endParaRPr kumimoji="1" lang="ja-JP" altLang="en-US" sz="2400" dirty="0"/>
+              </a:p>
+            </p:txBody>
+          </p:sp>
+        </p:grpSp>
+        <p:grpSp>
+          <p:nvGrpSpPr>
+            <p:cNvPr id="22" name="グループ化 21"/>
+            <p:cNvGrpSpPr/>
+            <p:nvPr/>
+          </p:nvGrpSpPr>
+          <p:grpSpPr>
+            <a:xfrm>
+              <a:off x="6804248" y="1277730"/>
+              <a:ext cx="2027199" cy="1215166"/>
+              <a:chOff x="3840945" y="4590098"/>
+              <a:chExt cx="3155054" cy="1872208"/>
+            </a:xfrm>
+          </p:grpSpPr>
+          <p:sp>
+            <p:nvSpPr>
+              <p:cNvPr id="23" name="円形吹き出し 22"/>
+              <p:cNvSpPr/>
+              <p:nvPr/>
+            </p:nvSpPr>
+            <p:spPr>
+              <a:xfrm>
+                <a:off x="3840945" y="4590098"/>
+                <a:ext cx="3155054" cy="1872208"/>
+              </a:xfrm>
+              <a:prstGeom prst="wedgeEllipseCallout">
+                <a:avLst>
+                  <a:gd name="adj1" fmla="val -58182"/>
+                  <a:gd name="adj2" fmla="val 29719"/>
+                </a:avLst>
+              </a:prstGeom>
+            </p:spPr>
+            <p:style>
+              <a:lnRef idx="2">
+                <a:schemeClr val="accent1"/>
+              </a:lnRef>
+              <a:fillRef idx="1">
+                <a:schemeClr val="lt1"/>
+              </a:fillRef>
+              <a:effectRef idx="0">
+                <a:schemeClr val="accent1"/>
+              </a:effectRef>
+              <a:fontRef idx="minor">
+                <a:schemeClr val="dk1"/>
+              </a:fontRef>
+            </p:style>
+            <p:txBody>
+              <a:bodyPr rtlCol="0" anchor="ctr"/>
+              <a:lstStyle/>
+              <a:p>
+                <a:pPr algn="ctr"/>
+                <a:endParaRPr kumimoji="1" lang="ja-JP" altLang="en-US"/>
+              </a:p>
+            </p:txBody>
+          </p:sp>
+          <p:pic>
+            <p:nvPicPr>
+              <p:cNvPr id="24" name="図 23"/>
+              <p:cNvPicPr>
+                <a:picLocks noChangeAspect="1"/>
+              </p:cNvPicPr>
+              <p:nvPr/>
+            </p:nvPicPr>
+            <p:blipFill>
+              <a:blip r:embed="rId3" cstate="print">
+                <a:extLst>
+                  <a:ext uri="{28A0092B-C50C-407E-A947-70E740481C1C}">
+                    <a14:useLocalDpi xmlns:a14="http://schemas.microsoft.com/office/drawing/2010/main" val="0"/>
+                  </a:ext>
+                </a:extLst>
+              </a:blip>
+              <a:stretch>
+                <a:fillRect/>
+              </a:stretch>
+            </p:blipFill>
+            <p:spPr>
+              <a:xfrm>
+                <a:off x="4633033" y="4793038"/>
+                <a:ext cx="1584177" cy="1453245"/>
+              </a:xfrm>
+              <a:prstGeom prst="rect">
+                <a:avLst/>
+              </a:prstGeom>
+              <a:noFill/>
+              <a:ln>
+                <a:noFill/>
+              </a:ln>
+            </p:spPr>
+          </p:pic>
+        </p:grpSp>
+      </p:grpSp>
+      <p:grpSp>
+        <p:nvGrpSpPr>
+          <p:cNvPr id="25" name="グループ化 24"/>
+          <p:cNvGrpSpPr/>
+          <p:nvPr/>
+        </p:nvGrpSpPr>
+        <p:grpSpPr>
+          <a:xfrm>
+            <a:off x="6139967" y="2708920"/>
+            <a:ext cx="2032433" cy="2091630"/>
+            <a:chOff x="6748449" y="2718158"/>
+            <a:chExt cx="2032433" cy="2091630"/>
           </a:xfrm>
         </p:grpSpPr>
         <p:pic>
           <p:nvPicPr>
-            <p:cNvPr id="16" name="図 15"/>
+            <p:cNvPr id="26" name="図 25"/>
+            <p:cNvPicPr>
+              <a:picLocks noChangeAspect="1"/>
+            </p:cNvPicPr>
+            <p:nvPr/>
+          </p:nvPicPr>
+          <p:blipFill rotWithShape="1">
+            <a:blip r:embed="rId5">
+              <a:extLst>
+                <a:ext uri="{28A0092B-C50C-407E-A947-70E740481C1C}">
+                  <a14:useLocalDpi xmlns:a14="http://schemas.microsoft.com/office/drawing/2010/main" val="0"/>
+                </a:ext>
+              </a:extLst>
+            </a:blip>
+            <a:srcRect l="16732" t="15191" r="16013" b="15326"/>
+            <a:stretch/>
+          </p:blipFill>
+          <p:spPr>
+            <a:xfrm>
+              <a:off x="6748449" y="2718158"/>
+              <a:ext cx="2032433" cy="2091630"/>
+            </a:xfrm>
+            <a:prstGeom prst="rect">
+              <a:avLst/>
+            </a:prstGeom>
+          </p:spPr>
+        </p:pic>
+        <p:pic>
+          <p:nvPicPr>
+            <p:cNvPr id="27" name="図 26"/>
             <p:cNvPicPr>
               <a:picLocks noChangeAspect="1"/>
             </p:cNvPicPr>
             <p:nvPr/>
           </p:nvPicPr>
           <p:blipFill>
-            <a:blip r:embed="rId2" cstate="print">
+            <a:blip r:embed="rId6" cstate="print">
               <a:extLst>
                 <a:ext uri="{28A0092B-C50C-407E-A947-70E740481C1C}">
                   <a14:useLocalDpi xmlns:a14="http://schemas.microsoft.com/office/drawing/2010/main" val="0"/>
@@ -6988,122 +9236,65 @@
           </p:blipFill>
           <p:spPr>
             <a:xfrm>
-              <a:off x="2195736" y="3101828"/>
-              <a:ext cx="1010419" cy="1350403"/>
-            </a:xfrm>
-            <a:prstGeom prst="rect">
-              <a:avLst/>
-            </a:prstGeom>
-          </p:spPr>
-        </p:pic>
-        <p:sp>
-          <p:nvSpPr>
-            <p:cNvPr id="17" name="テキスト ボックス 16"/>
-            <p:cNvSpPr txBox="1"/>
-            <p:nvPr/>
-          </p:nvSpPr>
-          <p:spPr>
-            <a:xfrm>
-              <a:off x="1332793" y="4695527"/>
-              <a:ext cx="2736304" cy="461665"/>
+              <a:off x="7252505" y="3428839"/>
+              <a:ext cx="1404341" cy="754624"/>
             </a:xfrm>
             <a:prstGeom prst="rect">
               <a:avLst/>
             </a:prstGeom>
             <a:noFill/>
-          </p:spPr>
-          <p:txBody>
-            <a:bodyPr wrap="square" rtlCol="0">
-              <a:spAutoFit/>
-            </a:bodyPr>
-            <a:lstStyle/>
-            <a:p>
-              <a:pPr algn="ctr"/>
-              <a:r>
-                <a:rPr kumimoji="1" lang="ja-JP" altLang="en-US" sz="2400" dirty="0" smtClean="0"/>
-                <a:t>テキストエディタ</a:t>
-              </a:r>
-              <a:endParaRPr kumimoji="1" lang="ja-JP" altLang="en-US" sz="2400" dirty="0"/>
-            </a:p>
-          </p:txBody>
-        </p:sp>
-      </p:grpSp>
-      <p:grpSp>
-        <p:nvGrpSpPr>
-          <p:cNvPr id="3" name="グループ化 2"/>
-          <p:cNvGrpSpPr/>
-          <p:nvPr/>
-        </p:nvGrpSpPr>
-        <p:grpSpPr>
-          <a:xfrm>
-            <a:off x="5004048" y="2535287"/>
-            <a:ext cx="2736304" cy="2261865"/>
-            <a:chOff x="4851855" y="2996952"/>
-            <a:chExt cx="2736304" cy="2261865"/>
-          </a:xfrm>
-        </p:grpSpPr>
-        <p:pic>
-          <p:nvPicPr>
-            <p:cNvPr id="11" name="図 10"/>
-            <p:cNvPicPr>
-              <a:picLocks noChangeAspect="1"/>
-            </p:cNvPicPr>
-            <p:nvPr/>
-          </p:nvPicPr>
-          <p:blipFill>
-            <a:blip r:embed="rId3" cstate="print">
-              <a:extLst>
-                <a:ext uri="{28A0092B-C50C-407E-A947-70E740481C1C}">
-                  <a14:useLocalDpi xmlns:a14="http://schemas.microsoft.com/office/drawing/2010/main" val="0"/>
-                </a:ext>
-              </a:extLst>
-            </a:blip>
-            <a:stretch>
-              <a:fillRect/>
-            </a:stretch>
-          </p:blipFill>
-          <p:spPr>
-            <a:xfrm>
-              <a:off x="5364088" y="2996952"/>
-              <a:ext cx="1711839" cy="1560157"/>
-            </a:xfrm>
-            <a:prstGeom prst="rect">
-              <a:avLst/>
-            </a:prstGeom>
+            <a:ln>
+              <a:noFill/>
+            </a:ln>
           </p:spPr>
         </p:pic>
-        <p:sp>
-          <p:nvSpPr>
-            <p:cNvPr id="18" name="テキスト ボックス 17"/>
-            <p:cNvSpPr txBox="1"/>
-            <p:nvPr/>
-          </p:nvSpPr>
-          <p:spPr>
-            <a:xfrm>
-              <a:off x="4851855" y="4797152"/>
-              <a:ext cx="2736304" cy="461665"/>
-            </a:xfrm>
-            <a:prstGeom prst="rect">
-              <a:avLst/>
-            </a:prstGeom>
-            <a:noFill/>
-          </p:spPr>
-          <p:txBody>
-            <a:bodyPr wrap="square" rtlCol="0">
-              <a:spAutoFit/>
-            </a:bodyPr>
-            <a:lstStyle/>
-            <a:p>
-              <a:pPr algn="ctr"/>
-              <a:r>
-                <a:rPr kumimoji="1" lang="ja-JP" altLang="en-US" sz="2400" dirty="0" smtClean="0"/>
-                <a:t>外部ソフト</a:t>
-              </a:r>
-              <a:endParaRPr kumimoji="1" lang="ja-JP" altLang="en-US" sz="2400" dirty="0"/>
-            </a:p>
-          </p:txBody>
-        </p:sp>
       </p:grpSp>
+      <p:sp>
+        <p:nvSpPr>
+          <p:cNvPr id="28" name="右矢印 27"/>
+          <p:cNvSpPr/>
+          <p:nvPr/>
+        </p:nvSpPr>
+        <p:spPr>
+          <a:xfrm>
+            <a:off x="4715678" y="3322006"/>
+            <a:ext cx="1080458" cy="899082"/>
+          </a:xfrm>
+          <a:prstGeom prst="rightArrow">
+            <a:avLst>
+              <a:gd name="adj1" fmla="val 50000"/>
+              <a:gd name="adj2" fmla="val 32789"/>
+            </a:avLst>
+          </a:prstGeom>
+          <a:solidFill>
+            <a:srgbClr val="FFFF00"/>
+          </a:solidFill>
+        </p:spPr>
+        <p:style>
+          <a:lnRef idx="2">
+            <a:schemeClr val="dk1">
+              <a:shade val="50000"/>
+            </a:schemeClr>
+          </a:lnRef>
+          <a:fillRef idx="1">
+            <a:schemeClr val="dk1"/>
+          </a:fillRef>
+          <a:effectRef idx="0">
+            <a:schemeClr val="dk1"/>
+          </a:effectRef>
+          <a:fontRef idx="minor">
+            <a:schemeClr val="lt1"/>
+          </a:fontRef>
+        </p:style>
+        <p:txBody>
+          <a:bodyPr rtlCol="0" anchor="ctr"/>
+          <a:lstStyle/>
+          <a:p>
+            <a:pPr algn="ctr"/>
+            <a:endParaRPr kumimoji="1" lang="ja-JP" altLang="en-US"/>
+          </a:p>
+        </p:txBody>
+      </p:sp>
       <p:sp>
         <p:nvSpPr>
           <p:cNvPr id="5" name="ドーナツ 4"/>
@@ -7112,7 +9303,7 @@
         </p:nvSpPr>
         <p:spPr>
           <a:xfrm>
-            <a:off x="1655676" y="2448017"/>
+            <a:off x="1975378" y="1267019"/>
             <a:ext cx="1944216" cy="1872208"/>
           </a:xfrm>
           <a:prstGeom prst="donut">
@@ -7161,8 +9352,8 @@
         </p:nvSpPr>
         <p:spPr>
           <a:xfrm>
-            <a:off x="5004048" y="2294815"/>
-            <a:ext cx="2735150" cy="2178612"/>
+            <a:off x="1435318" y="3317852"/>
+            <a:ext cx="3024336" cy="2847452"/>
           </a:xfrm>
           <a:prstGeom prst="mathMultiply">
             <a:avLst>
@@ -7254,7 +9445,7 @@
                                     </p:set>
                                     <p:animEffect transition="in" filter="fade">
                                       <p:cBhvr>
-                                        <p:cTn id="7" dur="500"/>
+                                        <p:cTn id="7" dur="1000"/>
                                         <p:tgtEl>
                                           <p:spTgt spid="5"/>
                                         </p:tgtEl>
@@ -7289,12 +9480,56 @@
                                     </p:set>
                                     <p:animEffect transition="in" filter="fade">
                                       <p:cBhvr>
-                                        <p:cTn id="10" dur="500"/>
+                                        <p:cTn id="10" dur="1000"/>
                                         <p:tgtEl>
                                           <p:spTgt spid="6"/>
                                         </p:tgtEl>
                                       </p:cBhvr>
                                     </p:animEffect>
+                                  </p:childTnLst>
+                                </p:cTn>
+                              </p:par>
+                              <p:par>
+                                <p:cTn id="11" presetID="64" presetClass="path" presetSubtype="0" accel="50000" decel="50000" fill="hold" grpId="0" nodeType="withEffect">
+                                  <p:stCondLst>
+                                    <p:cond delay="0"/>
+                                  </p:stCondLst>
+                                  <p:childTnLst>
+                                    <p:animMotion origin="layout" path="M 3.61111E-6 -1.21184E-6 L -0.004 -0.17576 " pathEditMode="relative" rAng="0" ptsTypes="AA">
+                                      <p:cBhvr>
+                                        <p:cTn id="12" dur="1000" fill="hold"/>
+                                        <p:tgtEl>
+                                          <p:spTgt spid="28"/>
+                                        </p:tgtEl>
+                                        <p:attrNameLst>
+                                          <p:attrName>ppt_x</p:attrName>
+                                          <p:attrName>ppt_y</p:attrName>
+                                        </p:attrNameLst>
+                                      </p:cBhvr>
+                                      <p:rCtr x="-208" y="-8788"/>
+                                    </p:animMotion>
+                                  </p:childTnLst>
+                                </p:cTn>
+                              </p:par>
+                              <p:par>
+                                <p:cTn id="13" presetID="64" presetClass="path" presetSubtype="0" accel="50000" decel="50000" fill="hold" nodeType="withEffect">
+                                  <p:stCondLst>
+                                    <p:cond delay="0"/>
+                                  </p:stCondLst>
+                                  <p:childTnLst>
+                                    <p:animMotion origin="layout" path="M 1.11111E-6 2.72895E-6 L 0.00087 -0.18386 " pathEditMode="relative" rAng="0" ptsTypes="AA">
+                                      <p:cBhvr>
+                                        <p:cTn id="14" dur="1000" fill="hold"/>
+                                        <p:tgtEl>
+                                          <p:spTgt spid="25"/>
+                                        </p:tgtEl>
+                                        <p:attrNameLst>
+                                          <p:attrName>ppt_x</p:attrName>
+                                          <p:attrName>ppt_y</p:attrName>
+                                        </p:attrNameLst>
+                                      </p:cBhvr>
+                                      <p:rCtr x="35" y="-9204"/>
+                                    </p:animMotion>
                                   </p:childTnLst>
                                 </p:cTn>
                               </p:par>
@@ -7326,85 +9561,10 @@
       </p:par>
     </p:tnLst>
     <p:bldLst>
+      <p:bldP spid="28" grpId="0" animBg="1"/>
       <p:bldP spid="5" grpId="0" animBg="1"/>
       <p:bldP spid="6" grpId="0" animBg="1"/>
     </p:bldLst>
-  </p:timing>
-</p:sld>
-</file>
-
-<file path=ppt/slides/slide6.xml><?xml version="1.0" encoding="utf-8"?>
-<p:sld xmlns:a="http://schemas.openxmlformats.org/drawingml/2006/main" xmlns:r="http://schemas.openxmlformats.org/officeDocument/2006/relationships" xmlns:p="http://schemas.openxmlformats.org/presentationml/2006/main">
-  <p:cSld>
-    <p:spTree>
-      <p:nvGrpSpPr>
-        <p:cNvPr id="1" name=""/>
-        <p:cNvGrpSpPr/>
-        <p:nvPr/>
-      </p:nvGrpSpPr>
-      <p:grpSpPr>
-        <a:xfrm>
-          <a:off x="0" y="0"/>
-          <a:ext cx="0" cy="0"/>
-          <a:chOff x="0" y="0"/>
-          <a:chExt cx="0" cy="0"/>
-        </a:xfrm>
-      </p:grpSpPr>
-      <p:sp>
-        <p:nvSpPr>
-          <p:cNvPr id="4" name="テキスト ボックス 3"/>
-          <p:cNvSpPr txBox="1"/>
-          <p:nvPr/>
-        </p:nvSpPr>
-        <p:spPr>
-          <a:xfrm>
-            <a:off x="0" y="2924944"/>
-            <a:ext cx="9144000" cy="830997"/>
-          </a:xfrm>
-          <a:prstGeom prst="rect">
-            <a:avLst/>
-          </a:prstGeom>
-          <a:noFill/>
-        </p:spPr>
-        <p:txBody>
-          <a:bodyPr wrap="square" rtlCol="0">
-            <a:spAutoFit/>
-          </a:bodyPr>
-          <a:lstStyle/>
-          <a:p>
-            <a:pPr algn="ctr"/>
-            <a:r>
-              <a:rPr lang="ja-JP" altLang="en-US" sz="4800" dirty="0"/>
-              <a:t>制作</a:t>
-            </a:r>
-            <a:r>
-              <a:rPr lang="ja-JP" altLang="en-US" sz="4800" dirty="0" smtClean="0"/>
-              <a:t>した</a:t>
-            </a:r>
-            <a:r>
-              <a:rPr lang="ja-JP" altLang="en-US" sz="4800" dirty="0"/>
-              <a:t>デモの動作</a:t>
-            </a:r>
-            <a:endParaRPr kumimoji="1" lang="ja-JP" altLang="en-US" sz="4800" dirty="0"/>
-          </a:p>
-        </p:txBody>
-      </p:sp>
-    </p:spTree>
-    <p:extLst>
-      <p:ext uri="{BB962C8B-B14F-4D97-AF65-F5344CB8AC3E}">
-        <p14:creationId xmlns:p14="http://schemas.microsoft.com/office/powerpoint/2010/main" val="98643213"/>
-      </p:ext>
-    </p:extLst>
-  </p:cSld>
-  <p:clrMapOvr>
-    <a:masterClrMapping/>
-  </p:clrMapOvr>
-  <p:timing>
-    <p:tnLst>
-      <p:par>
-        <p:cTn id="1" dur="indefinite" restart="never" nodeType="tmRoot"/>
-      </p:par>
-    </p:tnLst>
   </p:timing>
 </p:sld>
 </file>

--- a/最終発表用.pptx
+++ b/最終発表用.pptx
@@ -15,6 +15,7 @@
     <p:sldId id="263" r:id="rId9"/>
     <p:sldId id="264" r:id="rId10"/>
     <p:sldId id="261" r:id="rId11"/>
+    <p:sldId id="269" r:id="rId12"/>
   </p:sldIdLst>
   <p:sldSz cx="9144000" cy="6858000" type="screen4x3"/>
   <p:notesSz cx="6858000" cy="9144000"/>
@@ -4920,6 +4921,74 @@
 </p:sld>
 </file>
 
+<file path=ppt/slides/slide11.xml><?xml version="1.0" encoding="utf-8"?>
+<p:sld xmlns:a="http://schemas.openxmlformats.org/drawingml/2006/main" xmlns:r="http://schemas.openxmlformats.org/officeDocument/2006/relationships" xmlns:p="http://schemas.openxmlformats.org/presentationml/2006/main">
+  <p:cSld>
+    <p:spTree>
+      <p:nvGrpSpPr>
+        <p:cNvPr id="1" name=""/>
+        <p:cNvGrpSpPr/>
+        <p:nvPr/>
+      </p:nvGrpSpPr>
+      <p:grpSpPr>
+        <a:xfrm>
+          <a:off x="0" y="0"/>
+          <a:ext cx="0" cy="0"/>
+          <a:chOff x="0" y="0"/>
+          <a:chExt cx="0" cy="0"/>
+        </a:xfrm>
+      </p:grpSpPr>
+      <p:sp>
+        <p:nvSpPr>
+          <p:cNvPr id="4" name="テキスト ボックス 3"/>
+          <p:cNvSpPr txBox="1"/>
+          <p:nvPr/>
+        </p:nvSpPr>
+        <p:spPr>
+          <a:xfrm>
+            <a:off x="0" y="2924944"/>
+            <a:ext cx="9144000" cy="830997"/>
+          </a:xfrm>
+          <a:prstGeom prst="rect">
+            <a:avLst/>
+          </a:prstGeom>
+          <a:noFill/>
+        </p:spPr>
+        <p:txBody>
+          <a:bodyPr wrap="square" rtlCol="0">
+            <a:spAutoFit/>
+          </a:bodyPr>
+          <a:lstStyle/>
+          <a:p>
+            <a:pPr algn="ctr"/>
+            <a:r>
+              <a:rPr kumimoji="1" lang="ja-JP" altLang="en-US" sz="4800" dirty="0" smtClean="0"/>
+              <a:t>ご清聴ありがとうございました</a:t>
+            </a:r>
+            <a:endParaRPr kumimoji="1" lang="ja-JP" altLang="en-US" sz="4800" dirty="0"/>
+          </a:p>
+        </p:txBody>
+      </p:sp>
+    </p:spTree>
+    <p:extLst>
+      <p:ext uri="{BB962C8B-B14F-4D97-AF65-F5344CB8AC3E}">
+        <p14:creationId xmlns:p14="http://schemas.microsoft.com/office/powerpoint/2010/main" val="3474654315"/>
+      </p:ext>
+    </p:extLst>
+  </p:cSld>
+  <p:clrMapOvr>
+    <a:masterClrMapping/>
+  </p:clrMapOvr>
+  <p:timing>
+    <p:tnLst>
+      <p:par>
+        <p:cTn id="1" dur="indefinite" restart="never" nodeType="tmRoot"/>
+      </p:par>
+    </p:tnLst>
+  </p:timing>
+</p:sld>
+</file>
+
 <file path=ppt/slides/slide2.xml><?xml version="1.0" encoding="utf-8"?>
 <p:sld xmlns:a="http://schemas.openxmlformats.org/drawingml/2006/main" xmlns:r="http://schemas.openxmlformats.org/officeDocument/2006/relationships" xmlns:p="http://schemas.openxmlformats.org/presentationml/2006/main">
   <p:cSld>
@@ -5049,11 +5118,7 @@
             </a:r>
             <a:r>
               <a:rPr kumimoji="1" lang="ja-JP" altLang="en-US" sz="3600" dirty="0" smtClean="0"/>
-              <a:t>の</a:t>
-            </a:r>
-            <a:r>
-              <a:rPr kumimoji="1" lang="ja-JP" altLang="en-US" sz="3600" dirty="0" smtClean="0"/>
-              <a:t>新機能のデモを</a:t>
+              <a:t>の新機能のデモを</a:t>
             </a:r>
             <a:r>
               <a:rPr lang="ja-JP" altLang="en-US" sz="3600" dirty="0"/>
